--- a/Présentation.pptx
+++ b/Présentation.pptx
@@ -5,7 +5,7 @@
     <p:sldMasterId id="2147483660" r:id="rId1"/>
   </p:sldMasterIdLst>
   <p:notesMasterIdLst>
-    <p:notesMasterId r:id="rId9"/>
+    <p:notesMasterId r:id="rId10"/>
   </p:notesMasterIdLst>
   <p:sldIdLst>
     <p:sldId id="256" r:id="rId2"/>
@@ -13,8 +13,9 @@
     <p:sldId id="258" r:id="rId4"/>
     <p:sldId id="259" r:id="rId5"/>
     <p:sldId id="260" r:id="rId6"/>
-    <p:sldId id="261" r:id="rId7"/>
-    <p:sldId id="262" r:id="rId8"/>
+    <p:sldId id="263" r:id="rId7"/>
+    <p:sldId id="261" r:id="rId8"/>
+    <p:sldId id="262" r:id="rId9"/>
   </p:sldIdLst>
   <p:sldSz cx="12192000" cy="6858000"/>
   <p:notesSz cx="6858000" cy="9144000"/>
@@ -113,11 +114,16 @@
       </a:defRPr>
     </a:lvl9pPr>
   </p:defaultTextStyle>
+  <p:extLst>
+    <p:ext uri="{EFAFB233-063F-42B5-8137-9DF3F51BA10A}">
+      <p15:sldGuideLst xmlns:p15="http://schemas.microsoft.com/office/powerpoint/2012/main"/>
+    </p:ext>
+  </p:extLst>
 </p:presentation>
 </file>
 
 <file path=ppt/charts/chart1.xml><?xml version="1.0" encoding="utf-8"?>
-<c:chartSpace xmlns:c="http://schemas.openxmlformats.org/drawingml/2006/chart" xmlns:a="http://schemas.openxmlformats.org/drawingml/2006/main" xmlns:r="http://schemas.openxmlformats.org/officeDocument/2006/relationships" xmlns:c16r2="http://schemas.microsoft.com/office/drawing/2015/06/chart">
+<c:chartSpace xmlns:c="http://schemas.openxmlformats.org/drawingml/2006/chart" xmlns:a="http://schemas.openxmlformats.org/drawingml/2006/main" xmlns:r="http://schemas.openxmlformats.org/officeDocument/2006/relationships">
   <c:date1904 val="0"/>
   <c:lang val="fr-FR"/>
   <c:roundedCorners val="0"/>
@@ -182,6 +188,7 @@
           </a:p>
         </c:rich>
       </c:tx>
+      <c:layout/>
       <c:overlay val="0"/>
       <c:spPr>
         <a:noFill/>
@@ -280,8 +287,9 @@
             <c:showPercent val="0"/>
             <c:showBubbleSize val="0"/>
             <c:showLeaderLines val="0"/>
-            <c:extLst>
+            <c:extLst xmlns:c16r2="http://schemas.microsoft.com/office/drawing/2015/06/chart">
               <c:ext xmlns:c15="http://schemas.microsoft.com/office/drawing/2012/chart" uri="{CE6537A1-D6FC-4f65-9D91-7224C49458BB}">
+                <c15:layout/>
                 <c15:showLeaderLines val="1"/>
                 <c15:leaderLines>
                   <c:spPr>
@@ -335,7 +343,7 @@
               </c:numCache>
             </c:numRef>
           </c:val>
-          <c:extLst>
+          <c:extLst xmlns:c16r2="http://schemas.microsoft.com/office/drawing/2015/06/chart">
             <c:ext xmlns:c16="http://schemas.microsoft.com/office/drawing/2014/chart" uri="{C3380CC4-5D6E-409C-BE32-E72D297353CC}">
               <c16:uniqueId val="{00000000-C5CE-404F-A574-C07E6AF6F720}"/>
             </c:ext>
@@ -352,11 +360,11 @@
         </c:dLbls>
         <c:gapWidth val="219"/>
         <c:overlap val="-27"/>
-        <c:axId val="1297188752"/>
-        <c:axId val="1297310688"/>
+        <c:axId val="-904268160"/>
+        <c:axId val="-904262720"/>
       </c:barChart>
       <c:catAx>
-        <c:axId val="1297188752"/>
+        <c:axId val="-904268160"/>
         <c:scaling>
           <c:orientation val="minMax"/>
         </c:scaling>
@@ -399,7 +407,7 @@
             <a:endParaRPr lang="fr-FR"/>
           </a:p>
         </c:txPr>
-        <c:crossAx val="1297310688"/>
+        <c:crossAx val="-904262720"/>
         <c:crosses val="autoZero"/>
         <c:auto val="1"/>
         <c:lblAlgn val="ctr"/>
@@ -407,7 +415,7 @@
         <c:noMultiLvlLbl val="0"/>
       </c:catAx>
       <c:valAx>
-        <c:axId val="1297310688"/>
+        <c:axId val="-904262720"/>
         <c:scaling>
           <c:orientation val="minMax"/>
           <c:min val="0"/>
@@ -459,7 +467,7 @@
             <a:endParaRPr lang="fr-FR"/>
           </a:p>
         </c:txPr>
-        <c:crossAx val="1297188752"/>
+        <c:crossAx val="-904268160"/>
         <c:crosses val="autoZero"/>
         <c:crossBetween val="between"/>
       </c:valAx>
@@ -473,14 +481,14 @@
     </c:plotArea>
     <c:plotVisOnly val="1"/>
     <c:dispBlanksAs val="gap"/>
-    <c:extLst>
+    <c:showDLblsOverMax val="0"/>
+    <c:extLst xmlns:c16r2="http://schemas.microsoft.com/office/drawing/2015/06/chart">
       <c:ext xmlns:c16r3="http://schemas.microsoft.com/office/drawing/2017/03/chart" uri="{56B9EC1D-385E-4148-901F-78D8002777C0}">
         <c16r3:dataDisplayOptions16>
           <c16r3:dispNaAsBlank val="1"/>
         </c16r3:dataDisplayOptions16>
       </c:ext>
     </c:extLst>
-    <c:showDLblsOverMax val="0"/>
   </c:chart>
   <c:spPr>
     <a:noFill/>
@@ -1130,7 +1138,7 @@
           <a:p>
             <a:fld id="{6E9BBF91-4F56-9748-A26B-8747A13D4F51}" type="datetimeFigureOut">
               <a:rPr lang="fr-FR" smtClean="0"/>
-              <a:t>11/02/2019</a:t>
+              <a:t>13/02/2019</a:t>
             </a:fld>
             <a:endParaRPr lang="fr-FR"/>
           </a:p>
@@ -1535,7 +1543,7 @@
           <a:p>
             <a:fld id="{2AB78F83-5559-C044-AA68-0E123D58C767}" type="datetime1">
               <a:rPr lang="fr-FR" smtClean="0"/>
-              <a:t>11/02/2019</a:t>
+              <a:t>13/02/2019</a:t>
             </a:fld>
             <a:endParaRPr lang="fr-FR" dirty="0"/>
           </a:p>
@@ -1681,7 +1689,7 @@
           <a:p>
             <a:fld id="{90517261-0C3A-2745-9CEA-5CA22F9E01B0}" type="datetime1">
               <a:rPr lang="fr-FR" smtClean="0"/>
-              <a:t>11/02/2019</a:t>
+              <a:t>13/02/2019</a:t>
             </a:fld>
             <a:endParaRPr lang="fr-FR" dirty="0"/>
           </a:p>
@@ -1837,7 +1845,7 @@
           <a:p>
             <a:fld id="{F18286B1-F307-C745-AEB9-987F2CB424F2}" type="datetime1">
               <a:rPr lang="fr-FR" smtClean="0"/>
-              <a:t>11/02/2019</a:t>
+              <a:t>13/02/2019</a:t>
             </a:fld>
             <a:endParaRPr lang="fr-FR" dirty="0"/>
           </a:p>
@@ -1983,7 +1991,7 @@
           <a:p>
             <a:fld id="{B2AFBF74-65BE-DF48-86DE-83087258264A}" type="datetime1">
               <a:rPr lang="fr-FR" smtClean="0"/>
-              <a:t>11/02/2019</a:t>
+              <a:t>13/02/2019</a:t>
             </a:fld>
             <a:endParaRPr lang="fr-FR" dirty="0"/>
           </a:p>
@@ -2256,7 +2264,7 @@
           <a:p>
             <a:fld id="{B2E9CA21-F6FB-E840-ABD0-62E20BEA7EAF}" type="datetime1">
               <a:rPr lang="fr-FR" smtClean="0"/>
-              <a:t>11/02/2019</a:t>
+              <a:t>13/02/2019</a:t>
             </a:fld>
             <a:endParaRPr lang="fr-FR" dirty="0"/>
           </a:p>
@@ -2440,7 +2448,7 @@
           <a:p>
             <a:fld id="{187C9D22-8349-7E41-A91B-1D4E35CB12F0}" type="datetime1">
               <a:rPr lang="fr-FR" smtClean="0"/>
-              <a:t>11/02/2019</a:t>
+              <a:t>13/02/2019</a:t>
             </a:fld>
             <a:endParaRPr lang="fr-FR" dirty="0"/>
           </a:p>
@@ -2761,7 +2769,7 @@
           <a:p>
             <a:fld id="{18352F19-05EC-5B47-B975-80B1CEB4A7A1}" type="datetime1">
               <a:rPr lang="fr-FR" smtClean="0"/>
-              <a:t>11/02/2019</a:t>
+              <a:t>13/02/2019</a:t>
             </a:fld>
             <a:endParaRPr lang="fr-FR" dirty="0"/>
           </a:p>
@@ -2902,7 +2910,7 @@
           <a:p>
             <a:fld id="{A746FCB8-83BA-2F43-91A8-1DE14AAC9F80}" type="datetime1">
               <a:rPr lang="fr-FR" smtClean="0"/>
-              <a:t>11/02/2019</a:t>
+              <a:t>13/02/2019</a:t>
             </a:fld>
             <a:endParaRPr lang="fr-FR" dirty="0"/>
           </a:p>
@@ -2997,7 +3005,7 @@
           <a:p>
             <a:fld id="{0F5220B0-A846-E342-A351-C2AD2F1BFAEC}" type="datetime1">
               <a:rPr lang="fr-FR" smtClean="0"/>
-              <a:t>11/02/2019</a:t>
+              <a:t>13/02/2019</a:t>
             </a:fld>
             <a:endParaRPr lang="fr-FR" dirty="0"/>
           </a:p>
@@ -3335,7 +3343,7 @@
           <a:p>
             <a:fld id="{F1C6DD0A-BDDB-E446-B442-31ACE69774EE}" type="datetime1">
               <a:rPr lang="fr-FR" smtClean="0"/>
-              <a:t>11/02/2019</a:t>
+              <a:t>13/02/2019</a:t>
             </a:fld>
             <a:endParaRPr lang="fr-FR" dirty="0"/>
           </a:p>
@@ -3697,7 +3705,7 @@
           <a:p>
             <a:fld id="{EDEAD0E9-EB0B-944A-8EB2-FE7B8466155F}" type="datetime1">
               <a:rPr lang="fr-FR" smtClean="0"/>
-              <a:t>11/02/2019</a:t>
+              <a:t>13/02/2019</a:t>
             </a:fld>
             <a:endParaRPr lang="fr-FR" dirty="0"/>
           </a:p>
@@ -3938,7 +3946,7 @@
           <a:p>
             <a:fld id="{B8F0268D-ACC3-9E42-82A6-5A785B92DCCE}" type="datetime1">
               <a:rPr lang="fr-FR" smtClean="0"/>
-              <a:t>11/02/2019</a:t>
+              <a:t>13/02/2019</a:t>
             </a:fld>
             <a:endParaRPr lang="fr-FR" dirty="0"/>
           </a:p>
@@ -4396,7 +4404,7 @@
           <p:cNvPr id="2" name="Titre 1">
             <a:extLst>
               <a:ext uri="{FF2B5EF4-FFF2-40B4-BE49-F238E27FC236}">
-                <a16:creationId xmlns:a16="http://schemas.microsoft.com/office/drawing/2014/main" id="{05CC4D00-1D0A-BF45-8B9D-BF7AA05F2654}"/>
+                <a16:creationId xmlns:a16="http://schemas.microsoft.com/office/drawing/2014/main" xmlns="" id="{05CC4D00-1D0A-BF45-8B9D-BF7AA05F2654}"/>
               </a:ext>
             </a:extLst>
           </p:cNvPr>
@@ -4441,7 +4449,7 @@
           <p:cNvPr id="3" name="Sous-titre 2">
             <a:extLst>
               <a:ext uri="{FF2B5EF4-FFF2-40B4-BE49-F238E27FC236}">
-                <a16:creationId xmlns:a16="http://schemas.microsoft.com/office/drawing/2014/main" id="{433AD458-705C-CA4B-A4C6-06F57CF122CF}"/>
+                <a16:creationId xmlns:a16="http://schemas.microsoft.com/office/drawing/2014/main" xmlns="" id="{433AD458-705C-CA4B-A4C6-06F57CF122CF}"/>
               </a:ext>
             </a:extLst>
           </p:cNvPr>
@@ -4491,7 +4499,7 @@
           <p:cNvPr id="6" name="Espace réservé du numéro de diapositive 5">
             <a:extLst>
               <a:ext uri="{FF2B5EF4-FFF2-40B4-BE49-F238E27FC236}">
-                <a16:creationId xmlns:a16="http://schemas.microsoft.com/office/drawing/2014/main" id="{9521DACC-5FC5-1B4F-8DB6-7C8F04E60021}"/>
+                <a16:creationId xmlns:a16="http://schemas.microsoft.com/office/drawing/2014/main" xmlns="" id="{9521DACC-5FC5-1B4F-8DB6-7C8F04E60021}"/>
               </a:ext>
             </a:extLst>
           </p:cNvPr>
@@ -4555,7 +4563,7 @@
           <p:cNvPr id="2" name="Titre 1">
             <a:extLst>
               <a:ext uri="{FF2B5EF4-FFF2-40B4-BE49-F238E27FC236}">
-                <a16:creationId xmlns:a16="http://schemas.microsoft.com/office/drawing/2014/main" id="{B9F882C9-B250-A946-AB74-1704EB99CEAD}"/>
+                <a16:creationId xmlns:a16="http://schemas.microsoft.com/office/drawing/2014/main" xmlns="" id="{B9F882C9-B250-A946-AB74-1704EB99CEAD}"/>
               </a:ext>
             </a:extLst>
           </p:cNvPr>
@@ -4583,7 +4591,7 @@
           <p:cNvPr id="3" name="Espace réservé du contenu 2">
             <a:extLst>
               <a:ext uri="{FF2B5EF4-FFF2-40B4-BE49-F238E27FC236}">
-                <a16:creationId xmlns:a16="http://schemas.microsoft.com/office/drawing/2014/main" id="{DFF269D7-C316-BE49-997E-D898F472548A}"/>
+                <a16:creationId xmlns:a16="http://schemas.microsoft.com/office/drawing/2014/main" xmlns="" id="{DFF269D7-C316-BE49-997E-D898F472548A}"/>
               </a:ext>
             </a:extLst>
           </p:cNvPr>
@@ -4619,7 +4627,7 @@
           <p:cNvPr id="5" name="Espace réservé du numéro de diapositive 4">
             <a:extLst>
               <a:ext uri="{FF2B5EF4-FFF2-40B4-BE49-F238E27FC236}">
-                <a16:creationId xmlns:a16="http://schemas.microsoft.com/office/drawing/2014/main" id="{1A5E22D8-D1F2-C147-B9FD-A2AE54B9AADE}"/>
+                <a16:creationId xmlns:a16="http://schemas.microsoft.com/office/drawing/2014/main" xmlns="" id="{1A5E22D8-D1F2-C147-B9FD-A2AE54B9AADE}"/>
               </a:ext>
             </a:extLst>
           </p:cNvPr>
@@ -4683,7 +4691,7 @@
           <p:cNvPr id="2" name="Titre 1">
             <a:extLst>
               <a:ext uri="{FF2B5EF4-FFF2-40B4-BE49-F238E27FC236}">
-                <a16:creationId xmlns:a16="http://schemas.microsoft.com/office/drawing/2014/main" id="{A8E8E543-60E7-444E-B22D-25C5FCF4B041}"/>
+                <a16:creationId xmlns:a16="http://schemas.microsoft.com/office/drawing/2014/main" xmlns="" id="{A8E8E543-60E7-444E-B22D-25C5FCF4B041}"/>
               </a:ext>
             </a:extLst>
           </p:cNvPr>
@@ -4711,7 +4719,7 @@
           <p:cNvPr id="3" name="Espace réservé du contenu 2">
             <a:extLst>
               <a:ext uri="{FF2B5EF4-FFF2-40B4-BE49-F238E27FC236}">
-                <a16:creationId xmlns:a16="http://schemas.microsoft.com/office/drawing/2014/main" id="{4A9032D4-5BC9-3246-8EA9-BA44CCA66084}"/>
+                <a16:creationId xmlns:a16="http://schemas.microsoft.com/office/drawing/2014/main" xmlns="" id="{4A9032D4-5BC9-3246-8EA9-BA44CCA66084}"/>
               </a:ext>
             </a:extLst>
           </p:cNvPr>
@@ -4766,7 +4774,7 @@
           <p:cNvPr id="6" name="Espace réservé du numéro de diapositive 5">
             <a:extLst>
               <a:ext uri="{FF2B5EF4-FFF2-40B4-BE49-F238E27FC236}">
-                <a16:creationId xmlns:a16="http://schemas.microsoft.com/office/drawing/2014/main" id="{009BDB48-2E17-BD42-A4D8-3B7A6E247681}"/>
+                <a16:creationId xmlns:a16="http://schemas.microsoft.com/office/drawing/2014/main" xmlns="" id="{009BDB48-2E17-BD42-A4D8-3B7A6E247681}"/>
               </a:ext>
             </a:extLst>
           </p:cNvPr>
@@ -4825,7 +4833,7 @@
           <p:cNvPr id="2" name="Titre 1">
             <a:extLst>
               <a:ext uri="{FF2B5EF4-FFF2-40B4-BE49-F238E27FC236}">
-                <a16:creationId xmlns:a16="http://schemas.microsoft.com/office/drawing/2014/main" id="{9FE9C4AB-B295-9142-9FAA-EE846FCCFA98}"/>
+                <a16:creationId xmlns:a16="http://schemas.microsoft.com/office/drawing/2014/main" xmlns="" id="{9FE9C4AB-B295-9142-9FAA-EE846FCCFA98}"/>
               </a:ext>
             </a:extLst>
           </p:cNvPr>
@@ -4858,7 +4866,7 @@
           <p:cNvPr id="5" name="Espace réservé du contenu 4">
             <a:extLst>
               <a:ext uri="{FF2B5EF4-FFF2-40B4-BE49-F238E27FC236}">
-                <a16:creationId xmlns:a16="http://schemas.microsoft.com/office/drawing/2014/main" id="{9D3D5679-4B32-DA4A-BCD7-B221BF4A8AD3}"/>
+                <a16:creationId xmlns:a16="http://schemas.microsoft.com/office/drawing/2014/main" xmlns="" id="{9D3D5679-4B32-DA4A-BCD7-B221BF4A8AD3}"/>
               </a:ext>
             </a:extLst>
           </p:cNvPr>
@@ -4886,56 +4894,56 @@
                 <a:gridCol w="1250577">
                   <a:extLst>
                     <a:ext uri="{9D8B030D-6E8A-4147-A177-3AD203B41FA5}">
-                      <a16:colId xmlns:a16="http://schemas.microsoft.com/office/drawing/2014/main" val="850832691"/>
+                      <a16:colId xmlns:a16="http://schemas.microsoft.com/office/drawing/2014/main" xmlns="" val="850832691"/>
                     </a:ext>
                   </a:extLst>
                 </a:gridCol>
                 <a:gridCol w="1250577">
                   <a:extLst>
                     <a:ext uri="{9D8B030D-6E8A-4147-A177-3AD203B41FA5}">
-                      <a16:colId xmlns:a16="http://schemas.microsoft.com/office/drawing/2014/main" val="1132690893"/>
+                      <a16:colId xmlns:a16="http://schemas.microsoft.com/office/drawing/2014/main" xmlns="" val="1132690893"/>
                     </a:ext>
                   </a:extLst>
                 </a:gridCol>
                 <a:gridCol w="416491">
                   <a:extLst>
                     <a:ext uri="{9D8B030D-6E8A-4147-A177-3AD203B41FA5}">
-                      <a16:colId xmlns:a16="http://schemas.microsoft.com/office/drawing/2014/main" val="2186217044"/>
+                      <a16:colId xmlns:a16="http://schemas.microsoft.com/office/drawing/2014/main" xmlns="" val="2186217044"/>
                     </a:ext>
                   </a:extLst>
                 </a:gridCol>
                 <a:gridCol w="417043">
                   <a:extLst>
                     <a:ext uri="{9D8B030D-6E8A-4147-A177-3AD203B41FA5}">
-                      <a16:colId xmlns:a16="http://schemas.microsoft.com/office/drawing/2014/main" val="2177101822"/>
+                      <a16:colId xmlns:a16="http://schemas.microsoft.com/office/drawing/2014/main" xmlns="" val="2177101822"/>
                     </a:ext>
                   </a:extLst>
                 </a:gridCol>
                 <a:gridCol w="417043">
                   <a:extLst>
                     <a:ext uri="{9D8B030D-6E8A-4147-A177-3AD203B41FA5}">
-                      <a16:colId xmlns:a16="http://schemas.microsoft.com/office/drawing/2014/main" val="1906549384"/>
+                      <a16:colId xmlns:a16="http://schemas.microsoft.com/office/drawing/2014/main" xmlns="" val="1906549384"/>
                     </a:ext>
                   </a:extLst>
                 </a:gridCol>
                 <a:gridCol w="416491">
                   <a:extLst>
                     <a:ext uri="{9D8B030D-6E8A-4147-A177-3AD203B41FA5}">
-                      <a16:colId xmlns:a16="http://schemas.microsoft.com/office/drawing/2014/main" val="4231969336"/>
+                      <a16:colId xmlns:a16="http://schemas.microsoft.com/office/drawing/2014/main" xmlns="" val="4231969336"/>
                     </a:ext>
                   </a:extLst>
                 </a:gridCol>
                 <a:gridCol w="417043">
                   <a:extLst>
                     <a:ext uri="{9D8B030D-6E8A-4147-A177-3AD203B41FA5}">
-                      <a16:colId xmlns:a16="http://schemas.microsoft.com/office/drawing/2014/main" val="1756476618"/>
+                      <a16:colId xmlns:a16="http://schemas.microsoft.com/office/drawing/2014/main" xmlns="" val="1756476618"/>
                     </a:ext>
                   </a:extLst>
                 </a:gridCol>
                 <a:gridCol w="417043">
                   <a:extLst>
                     <a:ext uri="{9D8B030D-6E8A-4147-A177-3AD203B41FA5}">
-                      <a16:colId xmlns:a16="http://schemas.microsoft.com/office/drawing/2014/main" val="2481999052"/>
+                      <a16:colId xmlns:a16="http://schemas.microsoft.com/office/drawing/2014/main" xmlns="" val="2481999052"/>
                     </a:ext>
                   </a:extLst>
                 </a:gridCol>
@@ -5151,7 +5159,7 @@
                 </a:tc>
                 <a:extLst>
                   <a:ext uri="{0D108BD9-81ED-4DB2-BD59-A6C34878D82A}">
-                    <a16:rowId xmlns:a16="http://schemas.microsoft.com/office/drawing/2014/main" val="1695999596"/>
+                    <a16:rowId xmlns:a16="http://schemas.microsoft.com/office/drawing/2014/main" xmlns="" val="1695999596"/>
                   </a:ext>
                 </a:extLst>
               </a:tr>
@@ -5674,7 +5682,7 @@
                 </a:tc>
                 <a:extLst>
                   <a:ext uri="{0D108BD9-81ED-4DB2-BD59-A6C34878D82A}">
-                    <a16:rowId xmlns:a16="http://schemas.microsoft.com/office/drawing/2014/main" val="965346549"/>
+                    <a16:rowId xmlns:a16="http://schemas.microsoft.com/office/drawing/2014/main" xmlns="" val="965346549"/>
                   </a:ext>
                 </a:extLst>
               </a:tr>
@@ -5933,7 +5941,7 @@
                 </a:tc>
                 <a:extLst>
                   <a:ext uri="{0D108BD9-81ED-4DB2-BD59-A6C34878D82A}">
-                    <a16:rowId xmlns:a16="http://schemas.microsoft.com/office/drawing/2014/main" val="1888850736"/>
+                    <a16:rowId xmlns:a16="http://schemas.microsoft.com/office/drawing/2014/main" xmlns="" val="1888850736"/>
                   </a:ext>
                 </a:extLst>
               </a:tr>
@@ -6123,7 +6131,7 @@
                 </a:tc>
                 <a:extLst>
                   <a:ext uri="{0D108BD9-81ED-4DB2-BD59-A6C34878D82A}">
-                    <a16:rowId xmlns:a16="http://schemas.microsoft.com/office/drawing/2014/main" val="2664577165"/>
+                    <a16:rowId xmlns:a16="http://schemas.microsoft.com/office/drawing/2014/main" xmlns="" val="2664577165"/>
                   </a:ext>
                 </a:extLst>
               </a:tr>
@@ -6313,7 +6321,7 @@
                 </a:tc>
                 <a:extLst>
                   <a:ext uri="{0D108BD9-81ED-4DB2-BD59-A6C34878D82A}">
-                    <a16:rowId xmlns:a16="http://schemas.microsoft.com/office/drawing/2014/main" val="2740427379"/>
+                    <a16:rowId xmlns:a16="http://schemas.microsoft.com/office/drawing/2014/main" xmlns="" val="2740427379"/>
                   </a:ext>
                 </a:extLst>
               </a:tr>
@@ -6503,7 +6511,7 @@
                 </a:tc>
                 <a:extLst>
                   <a:ext uri="{0D108BD9-81ED-4DB2-BD59-A6C34878D82A}">
-                    <a16:rowId xmlns:a16="http://schemas.microsoft.com/office/drawing/2014/main" val="3791420781"/>
+                    <a16:rowId xmlns:a16="http://schemas.microsoft.com/office/drawing/2014/main" xmlns="" val="3791420781"/>
                   </a:ext>
                 </a:extLst>
               </a:tr>
@@ -6762,7 +6770,7 @@
                 </a:tc>
                 <a:extLst>
                   <a:ext uri="{0D108BD9-81ED-4DB2-BD59-A6C34878D82A}">
-                    <a16:rowId xmlns:a16="http://schemas.microsoft.com/office/drawing/2014/main" val="705831554"/>
+                    <a16:rowId xmlns:a16="http://schemas.microsoft.com/office/drawing/2014/main" xmlns="" val="705831554"/>
                   </a:ext>
                 </a:extLst>
               </a:tr>
@@ -6952,7 +6960,7 @@
                 </a:tc>
                 <a:extLst>
                   <a:ext uri="{0D108BD9-81ED-4DB2-BD59-A6C34878D82A}">
-                    <a16:rowId xmlns:a16="http://schemas.microsoft.com/office/drawing/2014/main" val="1605372123"/>
+                    <a16:rowId xmlns:a16="http://schemas.microsoft.com/office/drawing/2014/main" xmlns="" val="1605372123"/>
                   </a:ext>
                 </a:extLst>
               </a:tr>
@@ -7142,7 +7150,7 @@
                 </a:tc>
                 <a:extLst>
                   <a:ext uri="{0D108BD9-81ED-4DB2-BD59-A6C34878D82A}">
-                    <a16:rowId xmlns:a16="http://schemas.microsoft.com/office/drawing/2014/main" val="3517587798"/>
+                    <a16:rowId xmlns:a16="http://schemas.microsoft.com/office/drawing/2014/main" xmlns="" val="3517587798"/>
                   </a:ext>
                 </a:extLst>
               </a:tr>
@@ -7332,7 +7340,7 @@
                 </a:tc>
                 <a:extLst>
                   <a:ext uri="{0D108BD9-81ED-4DB2-BD59-A6C34878D82A}">
-                    <a16:rowId xmlns:a16="http://schemas.microsoft.com/office/drawing/2014/main" val="2673247585"/>
+                    <a16:rowId xmlns:a16="http://schemas.microsoft.com/office/drawing/2014/main" xmlns="" val="2673247585"/>
                   </a:ext>
                 </a:extLst>
               </a:tr>
@@ -7591,7 +7599,7 @@
                 </a:tc>
                 <a:extLst>
                   <a:ext uri="{0D108BD9-81ED-4DB2-BD59-A6C34878D82A}">
-                    <a16:rowId xmlns:a16="http://schemas.microsoft.com/office/drawing/2014/main" val="4173908967"/>
+                    <a16:rowId xmlns:a16="http://schemas.microsoft.com/office/drawing/2014/main" xmlns="" val="4173908967"/>
                   </a:ext>
                 </a:extLst>
               </a:tr>
@@ -7781,7 +7789,7 @@
                 </a:tc>
                 <a:extLst>
                   <a:ext uri="{0D108BD9-81ED-4DB2-BD59-A6C34878D82A}">
-                    <a16:rowId xmlns:a16="http://schemas.microsoft.com/office/drawing/2014/main" val="2701914732"/>
+                    <a16:rowId xmlns:a16="http://schemas.microsoft.com/office/drawing/2014/main" xmlns="" val="2701914732"/>
                   </a:ext>
                 </a:extLst>
               </a:tr>
@@ -7971,7 +7979,7 @@
                 </a:tc>
                 <a:extLst>
                   <a:ext uri="{0D108BD9-81ED-4DB2-BD59-A6C34878D82A}">
-                    <a16:rowId xmlns:a16="http://schemas.microsoft.com/office/drawing/2014/main" val="1449348264"/>
+                    <a16:rowId xmlns:a16="http://schemas.microsoft.com/office/drawing/2014/main" xmlns="" val="1449348264"/>
                   </a:ext>
                 </a:extLst>
               </a:tr>
@@ -8161,7 +8169,7 @@
                 </a:tc>
                 <a:extLst>
                   <a:ext uri="{0D108BD9-81ED-4DB2-BD59-A6C34878D82A}">
-                    <a16:rowId xmlns:a16="http://schemas.microsoft.com/office/drawing/2014/main" val="2357274963"/>
+                    <a16:rowId xmlns:a16="http://schemas.microsoft.com/office/drawing/2014/main" xmlns="" val="2357274963"/>
                   </a:ext>
                 </a:extLst>
               </a:tr>
@@ -8420,7 +8428,7 @@
                 </a:tc>
                 <a:extLst>
                   <a:ext uri="{0D108BD9-81ED-4DB2-BD59-A6C34878D82A}">
-                    <a16:rowId xmlns:a16="http://schemas.microsoft.com/office/drawing/2014/main" val="3476229337"/>
+                    <a16:rowId xmlns:a16="http://schemas.microsoft.com/office/drawing/2014/main" xmlns="" val="3476229337"/>
                   </a:ext>
                 </a:extLst>
               </a:tr>
@@ -8610,7 +8618,7 @@
                 </a:tc>
                 <a:extLst>
                   <a:ext uri="{0D108BD9-81ED-4DB2-BD59-A6C34878D82A}">
-                    <a16:rowId xmlns:a16="http://schemas.microsoft.com/office/drawing/2014/main" val="980358888"/>
+                    <a16:rowId xmlns:a16="http://schemas.microsoft.com/office/drawing/2014/main" xmlns="" val="980358888"/>
                   </a:ext>
                 </a:extLst>
               </a:tr>
@@ -8800,7 +8808,7 @@
                 </a:tc>
                 <a:extLst>
                   <a:ext uri="{0D108BD9-81ED-4DB2-BD59-A6C34878D82A}">
-                    <a16:rowId xmlns:a16="http://schemas.microsoft.com/office/drawing/2014/main" val="302863709"/>
+                    <a16:rowId xmlns:a16="http://schemas.microsoft.com/office/drawing/2014/main" xmlns="" val="302863709"/>
                   </a:ext>
                 </a:extLst>
               </a:tr>
@@ -8990,7 +8998,7 @@
                 </a:tc>
                 <a:extLst>
                   <a:ext uri="{0D108BD9-81ED-4DB2-BD59-A6C34878D82A}">
-                    <a16:rowId xmlns:a16="http://schemas.microsoft.com/office/drawing/2014/main" val="906717568"/>
+                    <a16:rowId xmlns:a16="http://schemas.microsoft.com/office/drawing/2014/main" xmlns="" val="906717568"/>
                   </a:ext>
                 </a:extLst>
               </a:tr>
@@ -9003,7 +9011,7 @@
           <p:cNvPr id="7" name="Rectangle 6">
             <a:extLst>
               <a:ext uri="{FF2B5EF4-FFF2-40B4-BE49-F238E27FC236}">
-                <a16:creationId xmlns:a16="http://schemas.microsoft.com/office/drawing/2014/main" id="{0E3E2676-13D7-B441-9A75-1B2269D69B83}"/>
+                <a16:creationId xmlns:a16="http://schemas.microsoft.com/office/drawing/2014/main" xmlns="" id="{0E3E2676-13D7-B441-9A75-1B2269D69B83}"/>
               </a:ext>
             </a:extLst>
           </p:cNvPr>
@@ -9037,7 +9045,7 @@
           <p:cNvPr id="8" name="Rectangle 7">
             <a:extLst>
               <a:ext uri="{FF2B5EF4-FFF2-40B4-BE49-F238E27FC236}">
-                <a16:creationId xmlns:a16="http://schemas.microsoft.com/office/drawing/2014/main" id="{03892D3B-E89C-2543-AD47-89B1E8785ADD}"/>
+                <a16:creationId xmlns:a16="http://schemas.microsoft.com/office/drawing/2014/main" xmlns="" id="{03892D3B-E89C-2543-AD47-89B1E8785ADD}"/>
               </a:ext>
             </a:extLst>
           </p:cNvPr>
@@ -9071,7 +9079,7 @@
           <p:cNvPr id="9" name="Tableau 8">
             <a:extLst>
               <a:ext uri="{FF2B5EF4-FFF2-40B4-BE49-F238E27FC236}">
-                <a16:creationId xmlns:a16="http://schemas.microsoft.com/office/drawing/2014/main" id="{5F4A634D-0ADD-5646-996B-F558E1740B2E}"/>
+                <a16:creationId xmlns:a16="http://schemas.microsoft.com/office/drawing/2014/main" xmlns="" id="{5F4A634D-0ADD-5646-996B-F558E1740B2E}"/>
               </a:ext>
             </a:extLst>
           </p:cNvPr>
@@ -9100,21 +9108,21 @@
                 <a:gridCol w="1787071">
                   <a:extLst>
                     <a:ext uri="{9D8B030D-6E8A-4147-A177-3AD203B41FA5}">
-                      <a16:colId xmlns:a16="http://schemas.microsoft.com/office/drawing/2014/main" val="2223493793"/>
+                      <a16:colId xmlns:a16="http://schemas.microsoft.com/office/drawing/2014/main" xmlns="" val="2223493793"/>
                     </a:ext>
                   </a:extLst>
                 </a:gridCol>
                 <a:gridCol w="1787071">
                   <a:extLst>
                     <a:ext uri="{9D8B030D-6E8A-4147-A177-3AD203B41FA5}">
-                      <a16:colId xmlns:a16="http://schemas.microsoft.com/office/drawing/2014/main" val="3299032620"/>
+                      <a16:colId xmlns:a16="http://schemas.microsoft.com/office/drawing/2014/main" xmlns="" val="3299032620"/>
                     </a:ext>
                   </a:extLst>
                 </a:gridCol>
                 <a:gridCol w="1428166">
                   <a:extLst>
                     <a:ext uri="{9D8B030D-6E8A-4147-A177-3AD203B41FA5}">
-                      <a16:colId xmlns:a16="http://schemas.microsoft.com/office/drawing/2014/main" val="4240033064"/>
+                      <a16:colId xmlns:a16="http://schemas.microsoft.com/office/drawing/2014/main" xmlns="" val="4240033064"/>
                     </a:ext>
                   </a:extLst>
                 </a:gridCol>
@@ -9200,7 +9208,7 @@
                 </a:tc>
                 <a:extLst>
                   <a:ext uri="{0D108BD9-81ED-4DB2-BD59-A6C34878D82A}">
-                    <a16:rowId xmlns:a16="http://schemas.microsoft.com/office/drawing/2014/main" val="2811668438"/>
+                    <a16:rowId xmlns:a16="http://schemas.microsoft.com/office/drawing/2014/main" xmlns="" val="2811668438"/>
                   </a:ext>
                 </a:extLst>
               </a:tr>
@@ -9311,7 +9319,7 @@
                 </a:tc>
                 <a:extLst>
                   <a:ext uri="{0D108BD9-81ED-4DB2-BD59-A6C34878D82A}">
-                    <a16:rowId xmlns:a16="http://schemas.microsoft.com/office/drawing/2014/main" val="549622984"/>
+                    <a16:rowId xmlns:a16="http://schemas.microsoft.com/office/drawing/2014/main" xmlns="" val="549622984"/>
                   </a:ext>
                 </a:extLst>
               </a:tr>
@@ -9380,7 +9388,7 @@
                 </a:tc>
                 <a:extLst>
                   <a:ext uri="{0D108BD9-81ED-4DB2-BD59-A6C34878D82A}">
-                    <a16:rowId xmlns:a16="http://schemas.microsoft.com/office/drawing/2014/main" val="2232771799"/>
+                    <a16:rowId xmlns:a16="http://schemas.microsoft.com/office/drawing/2014/main" xmlns="" val="2232771799"/>
                   </a:ext>
                 </a:extLst>
               </a:tr>
@@ -9449,7 +9457,7 @@
                 </a:tc>
                 <a:extLst>
                   <a:ext uri="{0D108BD9-81ED-4DB2-BD59-A6C34878D82A}">
-                    <a16:rowId xmlns:a16="http://schemas.microsoft.com/office/drawing/2014/main" val="325289075"/>
+                    <a16:rowId xmlns:a16="http://schemas.microsoft.com/office/drawing/2014/main" xmlns="" val="325289075"/>
                   </a:ext>
                 </a:extLst>
               </a:tr>
@@ -9518,7 +9526,7 @@
                 </a:tc>
                 <a:extLst>
                   <a:ext uri="{0D108BD9-81ED-4DB2-BD59-A6C34878D82A}">
-                    <a16:rowId xmlns:a16="http://schemas.microsoft.com/office/drawing/2014/main" val="4023378066"/>
+                    <a16:rowId xmlns:a16="http://schemas.microsoft.com/office/drawing/2014/main" xmlns="" val="4023378066"/>
                   </a:ext>
                 </a:extLst>
               </a:tr>
@@ -9605,7 +9613,7 @@
                 </a:tc>
                 <a:extLst>
                   <a:ext uri="{0D108BD9-81ED-4DB2-BD59-A6C34878D82A}">
-                    <a16:rowId xmlns:a16="http://schemas.microsoft.com/office/drawing/2014/main" val="4024665527"/>
+                    <a16:rowId xmlns:a16="http://schemas.microsoft.com/office/drawing/2014/main" xmlns="" val="4024665527"/>
                   </a:ext>
                 </a:extLst>
               </a:tr>
@@ -9728,7 +9736,7 @@
                 </a:tc>
                 <a:extLst>
                   <a:ext uri="{0D108BD9-81ED-4DB2-BD59-A6C34878D82A}">
-                    <a16:rowId xmlns:a16="http://schemas.microsoft.com/office/drawing/2014/main" val="3891124101"/>
+                    <a16:rowId xmlns:a16="http://schemas.microsoft.com/office/drawing/2014/main" xmlns="" val="3891124101"/>
                   </a:ext>
                 </a:extLst>
               </a:tr>
@@ -9797,7 +9805,7 @@
                 </a:tc>
                 <a:extLst>
                   <a:ext uri="{0D108BD9-81ED-4DB2-BD59-A6C34878D82A}">
-                    <a16:rowId xmlns:a16="http://schemas.microsoft.com/office/drawing/2014/main" val="2685229706"/>
+                    <a16:rowId xmlns:a16="http://schemas.microsoft.com/office/drawing/2014/main" xmlns="" val="2685229706"/>
                   </a:ext>
                 </a:extLst>
               </a:tr>
@@ -9866,7 +9874,7 @@
                 </a:tc>
                 <a:extLst>
                   <a:ext uri="{0D108BD9-81ED-4DB2-BD59-A6C34878D82A}">
-                    <a16:rowId xmlns:a16="http://schemas.microsoft.com/office/drawing/2014/main" val="749560974"/>
+                    <a16:rowId xmlns:a16="http://schemas.microsoft.com/office/drawing/2014/main" xmlns="" val="749560974"/>
                   </a:ext>
                 </a:extLst>
               </a:tr>
@@ -9935,7 +9943,7 @@
                 </a:tc>
                 <a:extLst>
                   <a:ext uri="{0D108BD9-81ED-4DB2-BD59-A6C34878D82A}">
-                    <a16:rowId xmlns:a16="http://schemas.microsoft.com/office/drawing/2014/main" val="1339990965"/>
+                    <a16:rowId xmlns:a16="http://schemas.microsoft.com/office/drawing/2014/main" xmlns="" val="1339990965"/>
                   </a:ext>
                 </a:extLst>
               </a:tr>
@@ -10004,7 +10012,7 @@
                 </a:tc>
                 <a:extLst>
                   <a:ext uri="{0D108BD9-81ED-4DB2-BD59-A6C34878D82A}">
-                    <a16:rowId xmlns:a16="http://schemas.microsoft.com/office/drawing/2014/main" val="434965399"/>
+                    <a16:rowId xmlns:a16="http://schemas.microsoft.com/office/drawing/2014/main" xmlns="" val="434965399"/>
                   </a:ext>
                 </a:extLst>
               </a:tr>
@@ -10091,7 +10099,7 @@
                 </a:tc>
                 <a:extLst>
                   <a:ext uri="{0D108BD9-81ED-4DB2-BD59-A6C34878D82A}">
-                    <a16:rowId xmlns:a16="http://schemas.microsoft.com/office/drawing/2014/main" val="630645876"/>
+                    <a16:rowId xmlns:a16="http://schemas.microsoft.com/office/drawing/2014/main" xmlns="" val="630645876"/>
                   </a:ext>
                 </a:extLst>
               </a:tr>
@@ -10207,7 +10215,7 @@
                 </a:tc>
                 <a:extLst>
                   <a:ext uri="{0D108BD9-81ED-4DB2-BD59-A6C34878D82A}">
-                    <a16:rowId xmlns:a16="http://schemas.microsoft.com/office/drawing/2014/main" val="1852237273"/>
+                    <a16:rowId xmlns:a16="http://schemas.microsoft.com/office/drawing/2014/main" xmlns="" val="1852237273"/>
                   </a:ext>
                 </a:extLst>
               </a:tr>
@@ -10276,7 +10284,7 @@
                 </a:tc>
                 <a:extLst>
                   <a:ext uri="{0D108BD9-81ED-4DB2-BD59-A6C34878D82A}">
-                    <a16:rowId xmlns:a16="http://schemas.microsoft.com/office/drawing/2014/main" val="1840345312"/>
+                    <a16:rowId xmlns:a16="http://schemas.microsoft.com/office/drawing/2014/main" xmlns="" val="1840345312"/>
                   </a:ext>
                 </a:extLst>
               </a:tr>
@@ -10345,7 +10353,7 @@
                 </a:tc>
                 <a:extLst>
                   <a:ext uri="{0D108BD9-81ED-4DB2-BD59-A6C34878D82A}">
-                    <a16:rowId xmlns:a16="http://schemas.microsoft.com/office/drawing/2014/main" val="2187895688"/>
+                    <a16:rowId xmlns:a16="http://schemas.microsoft.com/office/drawing/2014/main" xmlns="" val="2187895688"/>
                   </a:ext>
                 </a:extLst>
               </a:tr>
@@ -10456,7 +10464,7 @@
                 </a:tc>
                 <a:extLst>
                   <a:ext uri="{0D108BD9-81ED-4DB2-BD59-A6C34878D82A}">
-                    <a16:rowId xmlns:a16="http://schemas.microsoft.com/office/drawing/2014/main" val="53482342"/>
+                    <a16:rowId xmlns:a16="http://schemas.microsoft.com/office/drawing/2014/main" xmlns="" val="53482342"/>
                   </a:ext>
                 </a:extLst>
               </a:tr>
@@ -10525,7 +10533,7 @@
                 </a:tc>
                 <a:extLst>
                   <a:ext uri="{0D108BD9-81ED-4DB2-BD59-A6C34878D82A}">
-                    <a16:rowId xmlns:a16="http://schemas.microsoft.com/office/drawing/2014/main" val="2699565512"/>
+                    <a16:rowId xmlns:a16="http://schemas.microsoft.com/office/drawing/2014/main" xmlns="" val="2699565512"/>
                   </a:ext>
                 </a:extLst>
               </a:tr>
@@ -10594,7 +10602,7 @@
                 </a:tc>
                 <a:extLst>
                   <a:ext uri="{0D108BD9-81ED-4DB2-BD59-A6C34878D82A}">
-                    <a16:rowId xmlns:a16="http://schemas.microsoft.com/office/drawing/2014/main" val="2111053990"/>
+                    <a16:rowId xmlns:a16="http://schemas.microsoft.com/office/drawing/2014/main" xmlns="" val="2111053990"/>
                   </a:ext>
                 </a:extLst>
               </a:tr>
@@ -10663,7 +10671,7 @@
                 </a:tc>
                 <a:extLst>
                   <a:ext uri="{0D108BD9-81ED-4DB2-BD59-A6C34878D82A}">
-                    <a16:rowId xmlns:a16="http://schemas.microsoft.com/office/drawing/2014/main" val="2734306635"/>
+                    <a16:rowId xmlns:a16="http://schemas.microsoft.com/office/drawing/2014/main" xmlns="" val="2734306635"/>
                   </a:ext>
                 </a:extLst>
               </a:tr>
@@ -10732,7 +10740,7 @@
                 </a:tc>
                 <a:extLst>
                   <a:ext uri="{0D108BD9-81ED-4DB2-BD59-A6C34878D82A}">
-                    <a16:rowId xmlns:a16="http://schemas.microsoft.com/office/drawing/2014/main" val="2526052216"/>
+                    <a16:rowId xmlns:a16="http://schemas.microsoft.com/office/drawing/2014/main" xmlns="" val="2526052216"/>
                   </a:ext>
                 </a:extLst>
               </a:tr>
@@ -10836,7 +10844,7 @@
                 </a:tc>
                 <a:extLst>
                   <a:ext uri="{0D108BD9-81ED-4DB2-BD59-A6C34878D82A}">
-                    <a16:rowId xmlns:a16="http://schemas.microsoft.com/office/drawing/2014/main" val="501101943"/>
+                    <a16:rowId xmlns:a16="http://schemas.microsoft.com/office/drawing/2014/main" xmlns="" val="501101943"/>
                   </a:ext>
                 </a:extLst>
               </a:tr>
@@ -10905,7 +10913,7 @@
                 </a:tc>
                 <a:extLst>
                   <a:ext uri="{0D108BD9-81ED-4DB2-BD59-A6C34878D82A}">
-                    <a16:rowId xmlns:a16="http://schemas.microsoft.com/office/drawing/2014/main" val="1312392858"/>
+                    <a16:rowId xmlns:a16="http://schemas.microsoft.com/office/drawing/2014/main" xmlns="" val="1312392858"/>
                   </a:ext>
                 </a:extLst>
               </a:tr>
@@ -10974,7 +10982,7 @@
                 </a:tc>
                 <a:extLst>
                   <a:ext uri="{0D108BD9-81ED-4DB2-BD59-A6C34878D82A}">
-                    <a16:rowId xmlns:a16="http://schemas.microsoft.com/office/drawing/2014/main" val="3705053465"/>
+                    <a16:rowId xmlns:a16="http://schemas.microsoft.com/office/drawing/2014/main" xmlns="" val="3705053465"/>
                   </a:ext>
                 </a:extLst>
               </a:tr>
@@ -11043,7 +11051,7 @@
                 </a:tc>
                 <a:extLst>
                   <a:ext uri="{0D108BD9-81ED-4DB2-BD59-A6C34878D82A}">
-                    <a16:rowId xmlns:a16="http://schemas.microsoft.com/office/drawing/2014/main" val="3178491827"/>
+                    <a16:rowId xmlns:a16="http://schemas.microsoft.com/office/drawing/2014/main" xmlns="" val="3178491827"/>
                   </a:ext>
                 </a:extLst>
               </a:tr>
@@ -11144,7 +11152,7 @@
                 </a:tc>
                 <a:extLst>
                   <a:ext uri="{0D108BD9-81ED-4DB2-BD59-A6C34878D82A}">
-                    <a16:rowId xmlns:a16="http://schemas.microsoft.com/office/drawing/2014/main" val="4203135551"/>
+                    <a16:rowId xmlns:a16="http://schemas.microsoft.com/office/drawing/2014/main" xmlns="" val="4203135551"/>
                   </a:ext>
                 </a:extLst>
               </a:tr>
@@ -11213,7 +11221,7 @@
                 </a:tc>
                 <a:extLst>
                   <a:ext uri="{0D108BD9-81ED-4DB2-BD59-A6C34878D82A}">
-                    <a16:rowId xmlns:a16="http://schemas.microsoft.com/office/drawing/2014/main" val="1337273169"/>
+                    <a16:rowId xmlns:a16="http://schemas.microsoft.com/office/drawing/2014/main" xmlns="" val="1337273169"/>
                   </a:ext>
                 </a:extLst>
               </a:tr>
@@ -11282,7 +11290,7 @@
                 </a:tc>
                 <a:extLst>
                   <a:ext uri="{0D108BD9-81ED-4DB2-BD59-A6C34878D82A}">
-                    <a16:rowId xmlns:a16="http://schemas.microsoft.com/office/drawing/2014/main" val="2058640759"/>
+                    <a16:rowId xmlns:a16="http://schemas.microsoft.com/office/drawing/2014/main" xmlns="" val="2058640759"/>
                   </a:ext>
                 </a:extLst>
               </a:tr>
@@ -11295,7 +11303,7 @@
           <p:cNvPr id="11" name="Espace réservé du numéro de diapositive 10">
             <a:extLst>
               <a:ext uri="{FF2B5EF4-FFF2-40B4-BE49-F238E27FC236}">
-                <a16:creationId xmlns:a16="http://schemas.microsoft.com/office/drawing/2014/main" id="{E5AD36A3-7913-BE40-889A-99A46B3314D7}"/>
+                <a16:creationId xmlns:a16="http://schemas.microsoft.com/office/drawing/2014/main" xmlns="" id="{E5AD36A3-7913-BE40-889A-99A46B3314D7}"/>
               </a:ext>
             </a:extLst>
           </p:cNvPr>
@@ -11359,7 +11367,7 @@
           <p:cNvPr id="2" name="Titre 1">
             <a:extLst>
               <a:ext uri="{FF2B5EF4-FFF2-40B4-BE49-F238E27FC236}">
-                <a16:creationId xmlns:a16="http://schemas.microsoft.com/office/drawing/2014/main" id="{FBA297F2-02A3-2B40-BE34-765E825AFE14}"/>
+                <a16:creationId xmlns:a16="http://schemas.microsoft.com/office/drawing/2014/main" xmlns="" id="{FBA297F2-02A3-2B40-BE34-765E825AFE14}"/>
               </a:ext>
             </a:extLst>
           </p:cNvPr>
@@ -11387,7 +11395,7 @@
           <p:cNvPr id="3" name="Espace réservé du contenu 2">
             <a:extLst>
               <a:ext uri="{FF2B5EF4-FFF2-40B4-BE49-F238E27FC236}">
-                <a16:creationId xmlns:a16="http://schemas.microsoft.com/office/drawing/2014/main" id="{5899DA7A-DA3D-2B42-BCEC-239A505E5808}"/>
+                <a16:creationId xmlns:a16="http://schemas.microsoft.com/office/drawing/2014/main" xmlns="" id="{5899DA7A-DA3D-2B42-BCEC-239A505E5808}"/>
               </a:ext>
             </a:extLst>
           </p:cNvPr>
@@ -11431,7 +11439,7 @@
           <p:cNvPr id="5" name="Espace réservé du numéro de diapositive 4">
             <a:extLst>
               <a:ext uri="{FF2B5EF4-FFF2-40B4-BE49-F238E27FC236}">
-                <a16:creationId xmlns:a16="http://schemas.microsoft.com/office/drawing/2014/main" id="{19E7225B-BF5B-F941-B0D6-594340ADFCCA}"/>
+                <a16:creationId xmlns:a16="http://schemas.microsoft.com/office/drawing/2014/main" xmlns="" id="{19E7225B-BF5B-F941-B0D6-594340ADFCCA}"/>
               </a:ext>
             </a:extLst>
           </p:cNvPr>
@@ -11490,7 +11498,136 @@
           <p:cNvPr id="2" name="Titre 1">
             <a:extLst>
               <a:ext uri="{FF2B5EF4-FFF2-40B4-BE49-F238E27FC236}">
-                <a16:creationId xmlns:a16="http://schemas.microsoft.com/office/drawing/2014/main" id="{9ED5EC5D-A55A-664B-A51B-6030B2938D3A}"/>
+                <a16:creationId xmlns:a16="http://schemas.microsoft.com/office/drawing/2014/main" xmlns="" id="{FBA297F2-02A3-2B40-BE34-765E825AFE14}"/>
+              </a:ext>
+            </a:extLst>
+          </p:cNvPr>
+          <p:cNvSpPr>
+            <a:spLocks noGrp="1"/>
+          </p:cNvSpPr>
+          <p:nvPr>
+            <p:ph type="title"/>
+          </p:nvPr>
+        </p:nvSpPr>
+        <p:spPr/>
+        <p:txBody>
+          <a:bodyPr/>
+          <a:lstStyle/>
+          <a:p>
+            <a:r>
+              <a:rPr lang="fr-FR" dirty="0" smtClean="0"/>
+              <a:t>Visualisation de </a:t>
+            </a:r>
+            <a:r>
+              <a:rPr lang="fr-FR" dirty="0" smtClean="0"/>
+              <a:t>données</a:t>
+            </a:r>
+            <a:endParaRPr lang="fr-FR" dirty="0"/>
+          </a:p>
+        </p:txBody>
+      </p:sp>
+      <p:sp>
+        <p:nvSpPr>
+          <p:cNvPr id="3" name="Espace réservé du contenu 2">
+            <a:extLst>
+              <a:ext uri="{FF2B5EF4-FFF2-40B4-BE49-F238E27FC236}">
+                <a16:creationId xmlns:a16="http://schemas.microsoft.com/office/drawing/2014/main" xmlns="" id="{5899DA7A-DA3D-2B42-BCEC-239A505E5808}"/>
+              </a:ext>
+            </a:extLst>
+          </p:cNvPr>
+          <p:cNvSpPr>
+            <a:spLocks noGrp="1"/>
+          </p:cNvSpPr>
+          <p:nvPr>
+            <p:ph idx="1"/>
+          </p:nvPr>
+        </p:nvSpPr>
+        <p:spPr/>
+        <p:txBody>
+          <a:bodyPr/>
+          <a:lstStyle/>
+          <a:p>
+            <a:r>
+              <a:rPr lang="fr-FR" dirty="0"/>
+              <a:t>Nous avons </a:t>
+            </a:r>
+            <a:r>
+              <a:rPr lang="fr-FR" dirty="0" smtClean="0"/>
+              <a:t>affiché quelques histogrammes relatifs à </a:t>
+            </a:r>
+            <a:r>
+              <a:rPr lang="fr-FR" dirty="0" smtClean="0"/>
+              <a:t>l’UPDRS </a:t>
+            </a:r>
+            <a:endParaRPr lang="fr-FR" dirty="0"/>
+          </a:p>
+        </p:txBody>
+      </p:sp>
+      <p:sp>
+        <p:nvSpPr>
+          <p:cNvPr id="5" name="Espace réservé du numéro de diapositive 4">
+            <a:extLst>
+              <a:ext uri="{FF2B5EF4-FFF2-40B4-BE49-F238E27FC236}">
+                <a16:creationId xmlns:a16="http://schemas.microsoft.com/office/drawing/2014/main" xmlns="" id="{19E7225B-BF5B-F941-B0D6-594340ADFCCA}"/>
+              </a:ext>
+            </a:extLst>
+          </p:cNvPr>
+          <p:cNvSpPr>
+            <a:spLocks noGrp="1"/>
+          </p:cNvSpPr>
+          <p:nvPr>
+            <p:ph type="sldNum" sz="quarter" idx="12"/>
+          </p:nvPr>
+        </p:nvSpPr>
+        <p:spPr/>
+        <p:txBody>
+          <a:bodyPr/>
+          <a:lstStyle/>
+          <a:p>
+            <a:fld id="{657425C9-886C-2641-B225-862103BFDD44}" type="slidenum">
+              <a:rPr lang="fr-FR" smtClean="0"/>
+              <a:t>6</a:t>
+            </a:fld>
+            <a:endParaRPr lang="fr-FR" dirty="0"/>
+          </a:p>
+        </p:txBody>
+      </p:sp>
+    </p:spTree>
+    <p:extLst>
+      <p:ext uri="{BB962C8B-B14F-4D97-AF65-F5344CB8AC3E}">
+        <p14:creationId xmlns:p14="http://schemas.microsoft.com/office/powerpoint/2010/main" val="3039392459"/>
+      </p:ext>
+    </p:extLst>
+  </p:cSld>
+  <p:clrMapOvr>
+    <a:masterClrMapping/>
+  </p:clrMapOvr>
+</p:sld>
+</file>
+
+<file path=ppt/slides/slide7.xml><?xml version="1.0" encoding="utf-8"?>
+<p:sld xmlns:a="http://schemas.openxmlformats.org/drawingml/2006/main" xmlns:r="http://schemas.openxmlformats.org/officeDocument/2006/relationships" xmlns:p="http://schemas.openxmlformats.org/presentationml/2006/main">
+  <p:cSld>
+    <p:spTree>
+      <p:nvGrpSpPr>
+        <p:cNvPr id="1" name=""/>
+        <p:cNvGrpSpPr/>
+        <p:nvPr/>
+      </p:nvGrpSpPr>
+      <p:grpSpPr>
+        <a:xfrm>
+          <a:off x="0" y="0"/>
+          <a:ext cx="0" cy="0"/>
+          <a:chOff x="0" y="0"/>
+          <a:chExt cx="0" cy="0"/>
+        </a:xfrm>
+      </p:grpSpPr>
+      <p:sp>
+        <p:nvSpPr>
+          <p:cNvPr id="2" name="Titre 1">
+            <a:extLst>
+              <a:ext uri="{FF2B5EF4-FFF2-40B4-BE49-F238E27FC236}">
+                <a16:creationId xmlns:a16="http://schemas.microsoft.com/office/drawing/2014/main" xmlns="" id="{9ED5EC5D-A55A-664B-A51B-6030B2938D3A}"/>
               </a:ext>
             </a:extLst>
           </p:cNvPr>
@@ -11523,7 +11660,7 @@
           <p:cNvPr id="4" name="Espace réservé du contenu 3">
             <a:extLst>
               <a:ext uri="{FF2B5EF4-FFF2-40B4-BE49-F238E27FC236}">
-                <a16:creationId xmlns:a16="http://schemas.microsoft.com/office/drawing/2014/main" id="{D1C80FF4-F54C-B44C-9C57-ED5C224614DD}"/>
+                <a16:creationId xmlns:a16="http://schemas.microsoft.com/office/drawing/2014/main" xmlns="" id="{D1C80FF4-F54C-B44C-9C57-ED5C224614DD}"/>
               </a:ext>
             </a:extLst>
           </p:cNvPr>
@@ -11554,7 +11691,7 @@
           <p:cNvPr id="6" name="Espace réservé du contenu 5">
             <a:extLst>
               <a:ext uri="{FF2B5EF4-FFF2-40B4-BE49-F238E27FC236}">
-                <a16:creationId xmlns:a16="http://schemas.microsoft.com/office/drawing/2014/main" id="{87112B6C-2E66-D84F-8297-1F7B33CD32A1}"/>
+                <a16:creationId xmlns:a16="http://schemas.microsoft.com/office/drawing/2014/main" xmlns="" id="{87112B6C-2E66-D84F-8297-1F7B33CD32A1}"/>
               </a:ext>
             </a:extLst>
           </p:cNvPr>
@@ -11604,7 +11741,7 @@
           <p:cNvPr id="7" name="Tableau 6">
             <a:extLst>
               <a:ext uri="{FF2B5EF4-FFF2-40B4-BE49-F238E27FC236}">
-                <a16:creationId xmlns:a16="http://schemas.microsoft.com/office/drawing/2014/main" id="{DD7BE26B-1CF7-6A4F-BD09-B706D9931086}"/>
+                <a16:creationId xmlns:a16="http://schemas.microsoft.com/office/drawing/2014/main" xmlns="" id="{DD7BE26B-1CF7-6A4F-BD09-B706D9931086}"/>
               </a:ext>
             </a:extLst>
           </p:cNvPr>
@@ -11633,21 +11770,21 @@
                 <a:gridCol w="1879365">
                   <a:extLst>
                     <a:ext uri="{9D8B030D-6E8A-4147-A177-3AD203B41FA5}">
-                      <a16:colId xmlns:a16="http://schemas.microsoft.com/office/drawing/2014/main" val="3527254044"/>
+                      <a16:colId xmlns:a16="http://schemas.microsoft.com/office/drawing/2014/main" xmlns="" val="3527254044"/>
                     </a:ext>
                   </a:extLst>
                 </a:gridCol>
                 <a:gridCol w="1879365">
                   <a:extLst>
                     <a:ext uri="{9D8B030D-6E8A-4147-A177-3AD203B41FA5}">
-                      <a16:colId xmlns:a16="http://schemas.microsoft.com/office/drawing/2014/main" val="2805425445"/>
+                      <a16:colId xmlns:a16="http://schemas.microsoft.com/office/drawing/2014/main" xmlns="" val="2805425445"/>
                     </a:ext>
                   </a:extLst>
                 </a:gridCol>
                 <a:gridCol w="1879365">
                   <a:extLst>
                     <a:ext uri="{9D8B030D-6E8A-4147-A177-3AD203B41FA5}">
-                      <a16:colId xmlns:a16="http://schemas.microsoft.com/office/drawing/2014/main" val="3377541870"/>
+                      <a16:colId xmlns:a16="http://schemas.microsoft.com/office/drawing/2014/main" xmlns="" val="3377541870"/>
                     </a:ext>
                   </a:extLst>
                 </a:gridCol>
@@ -11706,7 +11843,7 @@
                 </a:tc>
                 <a:extLst>
                   <a:ext uri="{0D108BD9-81ED-4DB2-BD59-A6C34878D82A}">
-                    <a16:rowId xmlns:a16="http://schemas.microsoft.com/office/drawing/2014/main" val="1909134801"/>
+                    <a16:rowId xmlns:a16="http://schemas.microsoft.com/office/drawing/2014/main" xmlns="" val="1909134801"/>
                   </a:ext>
                 </a:extLst>
               </a:tr>
@@ -11754,7 +11891,7 @@
                 </a:tc>
                 <a:extLst>
                   <a:ext uri="{0D108BD9-81ED-4DB2-BD59-A6C34878D82A}">
-                    <a16:rowId xmlns:a16="http://schemas.microsoft.com/office/drawing/2014/main" val="1486037554"/>
+                    <a16:rowId xmlns:a16="http://schemas.microsoft.com/office/drawing/2014/main" xmlns="" val="1486037554"/>
                   </a:ext>
                 </a:extLst>
               </a:tr>
@@ -11802,7 +11939,7 @@
                 </a:tc>
                 <a:extLst>
                   <a:ext uri="{0D108BD9-81ED-4DB2-BD59-A6C34878D82A}">
-                    <a16:rowId xmlns:a16="http://schemas.microsoft.com/office/drawing/2014/main" val="1670696220"/>
+                    <a16:rowId xmlns:a16="http://schemas.microsoft.com/office/drawing/2014/main" xmlns="" val="1670696220"/>
                   </a:ext>
                 </a:extLst>
               </a:tr>
@@ -11851,7 +11988,7 @@
                 </a:tc>
                 <a:extLst>
                   <a:ext uri="{0D108BD9-81ED-4DB2-BD59-A6C34878D82A}">
-                    <a16:rowId xmlns:a16="http://schemas.microsoft.com/office/drawing/2014/main" val="1494832270"/>
+                    <a16:rowId xmlns:a16="http://schemas.microsoft.com/office/drawing/2014/main" xmlns="" val="1494832270"/>
                   </a:ext>
                 </a:extLst>
               </a:tr>
@@ -11896,7 +12033,7 @@
                 </a:tc>
                 <a:extLst>
                   <a:ext uri="{0D108BD9-81ED-4DB2-BD59-A6C34878D82A}">
-                    <a16:rowId xmlns:a16="http://schemas.microsoft.com/office/drawing/2014/main" val="398096127"/>
+                    <a16:rowId xmlns:a16="http://schemas.microsoft.com/office/drawing/2014/main" xmlns="" val="398096127"/>
                   </a:ext>
                 </a:extLst>
               </a:tr>
@@ -11909,7 +12046,7 @@
           <p:cNvPr id="8" name="ZoneTexte 7">
             <a:extLst>
               <a:ext uri="{FF2B5EF4-FFF2-40B4-BE49-F238E27FC236}">
-                <a16:creationId xmlns:a16="http://schemas.microsoft.com/office/drawing/2014/main" id="{B27308AA-E029-9944-8A6F-790964C03168}"/>
+                <a16:creationId xmlns:a16="http://schemas.microsoft.com/office/drawing/2014/main" xmlns="" id="{B27308AA-E029-9944-8A6F-790964C03168}"/>
               </a:ext>
             </a:extLst>
           </p:cNvPr>
@@ -11952,7 +12089,7 @@
           <p:cNvPr id="10" name="Espace réservé du numéro de diapositive 9">
             <a:extLst>
               <a:ext uri="{FF2B5EF4-FFF2-40B4-BE49-F238E27FC236}">
-                <a16:creationId xmlns:a16="http://schemas.microsoft.com/office/drawing/2014/main" id="{8AFB71B9-8B94-E141-BFEF-DC5877B62DC6}"/>
+                <a16:creationId xmlns:a16="http://schemas.microsoft.com/office/drawing/2014/main" xmlns="" id="{8AFB71B9-8B94-E141-BFEF-DC5877B62DC6}"/>
               </a:ext>
             </a:extLst>
           </p:cNvPr>
@@ -11975,7 +12112,7 @@
           <a:p>
             <a:fld id="{657425C9-886C-2641-B225-862103BFDD44}" type="slidenum">
               <a:rPr lang="fr-FR" smtClean="0"/>
-              <a:t>6</a:t>
+              <a:t>7</a:t>
             </a:fld>
             <a:endParaRPr lang="fr-FR" dirty="0"/>
           </a:p>
@@ -11994,7 +12131,7 @@
 </p:sld>
 </file>
 
-<file path=ppt/slides/slide7.xml><?xml version="1.0" encoding="utf-8"?>
+<file path=ppt/slides/slide8.xml><?xml version="1.0" encoding="utf-8"?>
 <p:sld xmlns:a="http://schemas.openxmlformats.org/drawingml/2006/main" xmlns:r="http://schemas.openxmlformats.org/officeDocument/2006/relationships" xmlns:p="http://schemas.openxmlformats.org/presentationml/2006/main">
   <p:cSld>
     <p:spTree>
@@ -12016,7 +12153,7 @@
           <p:cNvPr id="2" name="Titre 1">
             <a:extLst>
               <a:ext uri="{FF2B5EF4-FFF2-40B4-BE49-F238E27FC236}">
-                <a16:creationId xmlns:a16="http://schemas.microsoft.com/office/drawing/2014/main" id="{8DD4171E-C119-1C4D-BFD4-EDF4AB81CEF3}"/>
+                <a16:creationId xmlns:a16="http://schemas.microsoft.com/office/drawing/2014/main" xmlns="" id="{8DD4171E-C119-1C4D-BFD4-EDF4AB81CEF3}"/>
               </a:ext>
             </a:extLst>
           </p:cNvPr>
@@ -12044,7 +12181,7 @@
           <p:cNvPr id="5" name="Espace réservé du contenu 4">
             <a:extLst>
               <a:ext uri="{FF2B5EF4-FFF2-40B4-BE49-F238E27FC236}">
-                <a16:creationId xmlns:a16="http://schemas.microsoft.com/office/drawing/2014/main" id="{144B1568-BC4E-BA4A-913E-DE2CBC752D3E}"/>
+                <a16:creationId xmlns:a16="http://schemas.microsoft.com/office/drawing/2014/main" xmlns="" id="{144B1568-BC4E-BA4A-913E-DE2CBC752D3E}"/>
               </a:ext>
             </a:extLst>
           </p:cNvPr>
@@ -12069,7 +12206,7 @@
           <p:cNvPr id="7" name="Espace réservé du numéro de diapositive 6">
             <a:extLst>
               <a:ext uri="{FF2B5EF4-FFF2-40B4-BE49-F238E27FC236}">
-                <a16:creationId xmlns:a16="http://schemas.microsoft.com/office/drawing/2014/main" id="{4F4109EF-A9A9-3C4A-84FF-E8058350AE94}"/>
+                <a16:creationId xmlns:a16="http://schemas.microsoft.com/office/drawing/2014/main" xmlns="" id="{4F4109EF-A9A9-3C4A-84FF-E8058350AE94}"/>
               </a:ext>
             </a:extLst>
           </p:cNvPr>
@@ -12087,7 +12224,7 @@
           <a:p>
             <a:fld id="{657425C9-886C-2641-B225-862103BFDD44}" type="slidenum">
               <a:rPr lang="fr-FR" smtClean="0"/>
-              <a:t>7</a:t>
+              <a:t>8</a:t>
             </a:fld>
             <a:endParaRPr lang="fr-FR" dirty="0"/>
           </a:p>

--- a/Présentation.pptx
+++ b/Présentation.pptx
@@ -5,7 +5,7 @@
     <p:sldMasterId id="2147483660" r:id="rId1"/>
   </p:sldMasterIdLst>
   <p:notesMasterIdLst>
-    <p:notesMasterId r:id="rId10"/>
+    <p:notesMasterId r:id="rId11"/>
   </p:notesMasterIdLst>
   <p:sldIdLst>
     <p:sldId id="256" r:id="rId2"/>
@@ -13,9 +13,10 @@
     <p:sldId id="258" r:id="rId4"/>
     <p:sldId id="259" r:id="rId5"/>
     <p:sldId id="260" r:id="rId6"/>
-    <p:sldId id="263" r:id="rId7"/>
-    <p:sldId id="261" r:id="rId8"/>
-    <p:sldId id="262" r:id="rId9"/>
+    <p:sldId id="264" r:id="rId7"/>
+    <p:sldId id="263" r:id="rId8"/>
+    <p:sldId id="261" r:id="rId9"/>
+    <p:sldId id="262" r:id="rId10"/>
   </p:sldIdLst>
   <p:sldSz cx="12192000" cy="6858000"/>
   <p:notesSz cx="6858000" cy="9144000"/>
@@ -123,7 +124,7 @@
 </file>
 
 <file path=ppt/charts/chart1.xml><?xml version="1.0" encoding="utf-8"?>
-<c:chartSpace xmlns:c="http://schemas.openxmlformats.org/drawingml/2006/chart" xmlns:a="http://schemas.openxmlformats.org/drawingml/2006/main" xmlns:r="http://schemas.openxmlformats.org/officeDocument/2006/relationships">
+<c:chartSpace xmlns:c="http://schemas.openxmlformats.org/drawingml/2006/chart" xmlns:a="http://schemas.openxmlformats.org/drawingml/2006/main" xmlns:r="http://schemas.openxmlformats.org/officeDocument/2006/relationships" xmlns:c16r2="http://schemas.microsoft.com/office/drawing/2015/06/chart">
   <c:date1904 val="0"/>
   <c:lang val="fr-FR"/>
   <c:roundedCorners val="0"/>
@@ -287,7 +288,7 @@
             <c:showPercent val="0"/>
             <c:showBubbleSize val="0"/>
             <c:showLeaderLines val="0"/>
-            <c:extLst xmlns:c16r2="http://schemas.microsoft.com/office/drawing/2015/06/chart">
+            <c:extLst>
               <c:ext xmlns:c15="http://schemas.microsoft.com/office/drawing/2012/chart" uri="{CE6537A1-D6FC-4f65-9D91-7224C49458BB}">
                 <c15:layout/>
                 <c15:showLeaderLines val="1"/>
@@ -343,7 +344,7 @@
               </c:numCache>
             </c:numRef>
           </c:val>
-          <c:extLst xmlns:c16r2="http://schemas.microsoft.com/office/drawing/2015/06/chart">
+          <c:extLst>
             <c:ext xmlns:c16="http://schemas.microsoft.com/office/drawing/2014/chart" uri="{C3380CC4-5D6E-409C-BE32-E72D297353CC}">
               <c16:uniqueId val="{00000000-C5CE-404F-A574-C07E6AF6F720}"/>
             </c:ext>
@@ -482,7 +483,7 @@
     <c:plotVisOnly val="1"/>
     <c:dispBlanksAs val="gap"/>
     <c:showDLblsOverMax val="0"/>
-    <c:extLst xmlns:c16r2="http://schemas.microsoft.com/office/drawing/2015/06/chart">
+    <c:extLst>
       <c:ext xmlns:c16r3="http://schemas.microsoft.com/office/drawing/2017/03/chart" uri="{56B9EC1D-385E-4148-901F-78D8002777C0}">
         <c16r3:dataDisplayOptions16>
           <c16r3:dispNaAsBlank val="1"/>
@@ -4404,7 +4405,7 @@
           <p:cNvPr id="2" name="Titre 1">
             <a:extLst>
               <a:ext uri="{FF2B5EF4-FFF2-40B4-BE49-F238E27FC236}">
-                <a16:creationId xmlns:a16="http://schemas.microsoft.com/office/drawing/2014/main" xmlns="" id="{05CC4D00-1D0A-BF45-8B9D-BF7AA05F2654}"/>
+                <a16:creationId xmlns:a16="http://schemas.microsoft.com/office/drawing/2014/main" id="{05CC4D00-1D0A-BF45-8B9D-BF7AA05F2654}"/>
               </a:ext>
             </a:extLst>
           </p:cNvPr>
@@ -4449,7 +4450,7 @@
           <p:cNvPr id="3" name="Sous-titre 2">
             <a:extLst>
               <a:ext uri="{FF2B5EF4-FFF2-40B4-BE49-F238E27FC236}">
-                <a16:creationId xmlns:a16="http://schemas.microsoft.com/office/drawing/2014/main" xmlns="" id="{433AD458-705C-CA4B-A4C6-06F57CF122CF}"/>
+                <a16:creationId xmlns:a16="http://schemas.microsoft.com/office/drawing/2014/main" id="{433AD458-705C-CA4B-A4C6-06F57CF122CF}"/>
               </a:ext>
             </a:extLst>
           </p:cNvPr>
@@ -4499,7 +4500,7 @@
           <p:cNvPr id="6" name="Espace réservé du numéro de diapositive 5">
             <a:extLst>
               <a:ext uri="{FF2B5EF4-FFF2-40B4-BE49-F238E27FC236}">
-                <a16:creationId xmlns:a16="http://schemas.microsoft.com/office/drawing/2014/main" xmlns="" id="{9521DACC-5FC5-1B4F-8DB6-7C8F04E60021}"/>
+                <a16:creationId xmlns:a16="http://schemas.microsoft.com/office/drawing/2014/main" id="{9521DACC-5FC5-1B4F-8DB6-7C8F04E60021}"/>
               </a:ext>
             </a:extLst>
           </p:cNvPr>
@@ -4563,7 +4564,7 @@
           <p:cNvPr id="2" name="Titre 1">
             <a:extLst>
               <a:ext uri="{FF2B5EF4-FFF2-40B4-BE49-F238E27FC236}">
-                <a16:creationId xmlns:a16="http://schemas.microsoft.com/office/drawing/2014/main" xmlns="" id="{B9F882C9-B250-A946-AB74-1704EB99CEAD}"/>
+                <a16:creationId xmlns:a16="http://schemas.microsoft.com/office/drawing/2014/main" id="{B9F882C9-B250-A946-AB74-1704EB99CEAD}"/>
               </a:ext>
             </a:extLst>
           </p:cNvPr>
@@ -4591,7 +4592,7 @@
           <p:cNvPr id="3" name="Espace réservé du contenu 2">
             <a:extLst>
               <a:ext uri="{FF2B5EF4-FFF2-40B4-BE49-F238E27FC236}">
-                <a16:creationId xmlns:a16="http://schemas.microsoft.com/office/drawing/2014/main" xmlns="" id="{DFF269D7-C316-BE49-997E-D898F472548A}"/>
+                <a16:creationId xmlns:a16="http://schemas.microsoft.com/office/drawing/2014/main" id="{DFF269D7-C316-BE49-997E-D898F472548A}"/>
               </a:ext>
             </a:extLst>
           </p:cNvPr>
@@ -4627,7 +4628,7 @@
           <p:cNvPr id="5" name="Espace réservé du numéro de diapositive 4">
             <a:extLst>
               <a:ext uri="{FF2B5EF4-FFF2-40B4-BE49-F238E27FC236}">
-                <a16:creationId xmlns:a16="http://schemas.microsoft.com/office/drawing/2014/main" xmlns="" id="{1A5E22D8-D1F2-C147-B9FD-A2AE54B9AADE}"/>
+                <a16:creationId xmlns:a16="http://schemas.microsoft.com/office/drawing/2014/main" id="{1A5E22D8-D1F2-C147-B9FD-A2AE54B9AADE}"/>
               </a:ext>
             </a:extLst>
           </p:cNvPr>
@@ -4691,7 +4692,7 @@
           <p:cNvPr id="2" name="Titre 1">
             <a:extLst>
               <a:ext uri="{FF2B5EF4-FFF2-40B4-BE49-F238E27FC236}">
-                <a16:creationId xmlns:a16="http://schemas.microsoft.com/office/drawing/2014/main" xmlns="" id="{A8E8E543-60E7-444E-B22D-25C5FCF4B041}"/>
+                <a16:creationId xmlns:a16="http://schemas.microsoft.com/office/drawing/2014/main" id="{A8E8E543-60E7-444E-B22D-25C5FCF4B041}"/>
               </a:ext>
             </a:extLst>
           </p:cNvPr>
@@ -4719,7 +4720,7 @@
           <p:cNvPr id="3" name="Espace réservé du contenu 2">
             <a:extLst>
               <a:ext uri="{FF2B5EF4-FFF2-40B4-BE49-F238E27FC236}">
-                <a16:creationId xmlns:a16="http://schemas.microsoft.com/office/drawing/2014/main" xmlns="" id="{4A9032D4-5BC9-3246-8EA9-BA44CCA66084}"/>
+                <a16:creationId xmlns:a16="http://schemas.microsoft.com/office/drawing/2014/main" id="{4A9032D4-5BC9-3246-8EA9-BA44CCA66084}"/>
               </a:ext>
             </a:extLst>
           </p:cNvPr>
@@ -4774,7 +4775,7 @@
           <p:cNvPr id="6" name="Espace réservé du numéro de diapositive 5">
             <a:extLst>
               <a:ext uri="{FF2B5EF4-FFF2-40B4-BE49-F238E27FC236}">
-                <a16:creationId xmlns:a16="http://schemas.microsoft.com/office/drawing/2014/main" xmlns="" id="{009BDB48-2E17-BD42-A4D8-3B7A6E247681}"/>
+                <a16:creationId xmlns:a16="http://schemas.microsoft.com/office/drawing/2014/main" id="{009BDB48-2E17-BD42-A4D8-3B7A6E247681}"/>
               </a:ext>
             </a:extLst>
           </p:cNvPr>
@@ -4833,7 +4834,7 @@
           <p:cNvPr id="2" name="Titre 1">
             <a:extLst>
               <a:ext uri="{FF2B5EF4-FFF2-40B4-BE49-F238E27FC236}">
-                <a16:creationId xmlns:a16="http://schemas.microsoft.com/office/drawing/2014/main" xmlns="" id="{9FE9C4AB-B295-9142-9FAA-EE846FCCFA98}"/>
+                <a16:creationId xmlns:a16="http://schemas.microsoft.com/office/drawing/2014/main" id="{9FE9C4AB-B295-9142-9FAA-EE846FCCFA98}"/>
               </a:ext>
             </a:extLst>
           </p:cNvPr>
@@ -4866,7 +4867,7 @@
           <p:cNvPr id="5" name="Espace réservé du contenu 4">
             <a:extLst>
               <a:ext uri="{FF2B5EF4-FFF2-40B4-BE49-F238E27FC236}">
-                <a16:creationId xmlns:a16="http://schemas.microsoft.com/office/drawing/2014/main" xmlns="" id="{9D3D5679-4B32-DA4A-BCD7-B221BF4A8AD3}"/>
+                <a16:creationId xmlns:a16="http://schemas.microsoft.com/office/drawing/2014/main" id="{9D3D5679-4B32-DA4A-BCD7-B221BF4A8AD3}"/>
               </a:ext>
             </a:extLst>
           </p:cNvPr>
@@ -4894,56 +4895,56 @@
                 <a:gridCol w="1250577">
                   <a:extLst>
                     <a:ext uri="{9D8B030D-6E8A-4147-A177-3AD203B41FA5}">
-                      <a16:colId xmlns:a16="http://schemas.microsoft.com/office/drawing/2014/main" xmlns="" val="850832691"/>
+                      <a16:colId xmlns:a16="http://schemas.microsoft.com/office/drawing/2014/main" val="850832691"/>
                     </a:ext>
                   </a:extLst>
                 </a:gridCol>
                 <a:gridCol w="1250577">
                   <a:extLst>
                     <a:ext uri="{9D8B030D-6E8A-4147-A177-3AD203B41FA5}">
-                      <a16:colId xmlns:a16="http://schemas.microsoft.com/office/drawing/2014/main" xmlns="" val="1132690893"/>
+                      <a16:colId xmlns:a16="http://schemas.microsoft.com/office/drawing/2014/main" val="1132690893"/>
                     </a:ext>
                   </a:extLst>
                 </a:gridCol>
                 <a:gridCol w="416491">
                   <a:extLst>
                     <a:ext uri="{9D8B030D-6E8A-4147-A177-3AD203B41FA5}">
-                      <a16:colId xmlns:a16="http://schemas.microsoft.com/office/drawing/2014/main" xmlns="" val="2186217044"/>
+                      <a16:colId xmlns:a16="http://schemas.microsoft.com/office/drawing/2014/main" val="2186217044"/>
                     </a:ext>
                   </a:extLst>
                 </a:gridCol>
                 <a:gridCol w="417043">
                   <a:extLst>
                     <a:ext uri="{9D8B030D-6E8A-4147-A177-3AD203B41FA5}">
-                      <a16:colId xmlns:a16="http://schemas.microsoft.com/office/drawing/2014/main" xmlns="" val="2177101822"/>
+                      <a16:colId xmlns:a16="http://schemas.microsoft.com/office/drawing/2014/main" val="2177101822"/>
                     </a:ext>
                   </a:extLst>
                 </a:gridCol>
                 <a:gridCol w="417043">
                   <a:extLst>
                     <a:ext uri="{9D8B030D-6E8A-4147-A177-3AD203B41FA5}">
-                      <a16:colId xmlns:a16="http://schemas.microsoft.com/office/drawing/2014/main" xmlns="" val="1906549384"/>
+                      <a16:colId xmlns:a16="http://schemas.microsoft.com/office/drawing/2014/main" val="1906549384"/>
                     </a:ext>
                   </a:extLst>
                 </a:gridCol>
                 <a:gridCol w="416491">
                   <a:extLst>
                     <a:ext uri="{9D8B030D-6E8A-4147-A177-3AD203B41FA5}">
-                      <a16:colId xmlns:a16="http://schemas.microsoft.com/office/drawing/2014/main" xmlns="" val="4231969336"/>
+                      <a16:colId xmlns:a16="http://schemas.microsoft.com/office/drawing/2014/main" val="4231969336"/>
                     </a:ext>
                   </a:extLst>
                 </a:gridCol>
                 <a:gridCol w="417043">
                   <a:extLst>
                     <a:ext uri="{9D8B030D-6E8A-4147-A177-3AD203B41FA5}">
-                      <a16:colId xmlns:a16="http://schemas.microsoft.com/office/drawing/2014/main" xmlns="" val="1756476618"/>
+                      <a16:colId xmlns:a16="http://schemas.microsoft.com/office/drawing/2014/main" val="1756476618"/>
                     </a:ext>
                   </a:extLst>
                 </a:gridCol>
                 <a:gridCol w="417043">
                   <a:extLst>
                     <a:ext uri="{9D8B030D-6E8A-4147-A177-3AD203B41FA5}">
-                      <a16:colId xmlns:a16="http://schemas.microsoft.com/office/drawing/2014/main" xmlns="" val="2481999052"/>
+                      <a16:colId xmlns:a16="http://schemas.microsoft.com/office/drawing/2014/main" val="2481999052"/>
                     </a:ext>
                   </a:extLst>
                 </a:gridCol>
@@ -5159,7 +5160,7 @@
                 </a:tc>
                 <a:extLst>
                   <a:ext uri="{0D108BD9-81ED-4DB2-BD59-A6C34878D82A}">
-                    <a16:rowId xmlns:a16="http://schemas.microsoft.com/office/drawing/2014/main" xmlns="" val="1695999596"/>
+                    <a16:rowId xmlns:a16="http://schemas.microsoft.com/office/drawing/2014/main" val="1695999596"/>
                   </a:ext>
                 </a:extLst>
               </a:tr>
@@ -5682,7 +5683,7 @@
                 </a:tc>
                 <a:extLst>
                   <a:ext uri="{0D108BD9-81ED-4DB2-BD59-A6C34878D82A}">
-                    <a16:rowId xmlns:a16="http://schemas.microsoft.com/office/drawing/2014/main" xmlns="" val="965346549"/>
+                    <a16:rowId xmlns:a16="http://schemas.microsoft.com/office/drawing/2014/main" val="965346549"/>
                   </a:ext>
                 </a:extLst>
               </a:tr>
@@ -5941,7 +5942,7 @@
                 </a:tc>
                 <a:extLst>
                   <a:ext uri="{0D108BD9-81ED-4DB2-BD59-A6C34878D82A}">
-                    <a16:rowId xmlns:a16="http://schemas.microsoft.com/office/drawing/2014/main" xmlns="" val="1888850736"/>
+                    <a16:rowId xmlns:a16="http://schemas.microsoft.com/office/drawing/2014/main" val="1888850736"/>
                   </a:ext>
                 </a:extLst>
               </a:tr>
@@ -6131,7 +6132,7 @@
                 </a:tc>
                 <a:extLst>
                   <a:ext uri="{0D108BD9-81ED-4DB2-BD59-A6C34878D82A}">
-                    <a16:rowId xmlns:a16="http://schemas.microsoft.com/office/drawing/2014/main" xmlns="" val="2664577165"/>
+                    <a16:rowId xmlns:a16="http://schemas.microsoft.com/office/drawing/2014/main" val="2664577165"/>
                   </a:ext>
                 </a:extLst>
               </a:tr>
@@ -6321,7 +6322,7 @@
                 </a:tc>
                 <a:extLst>
                   <a:ext uri="{0D108BD9-81ED-4DB2-BD59-A6C34878D82A}">
-                    <a16:rowId xmlns:a16="http://schemas.microsoft.com/office/drawing/2014/main" xmlns="" val="2740427379"/>
+                    <a16:rowId xmlns:a16="http://schemas.microsoft.com/office/drawing/2014/main" val="2740427379"/>
                   </a:ext>
                 </a:extLst>
               </a:tr>
@@ -6511,7 +6512,7 @@
                 </a:tc>
                 <a:extLst>
                   <a:ext uri="{0D108BD9-81ED-4DB2-BD59-A6C34878D82A}">
-                    <a16:rowId xmlns:a16="http://schemas.microsoft.com/office/drawing/2014/main" xmlns="" val="3791420781"/>
+                    <a16:rowId xmlns:a16="http://schemas.microsoft.com/office/drawing/2014/main" val="3791420781"/>
                   </a:ext>
                 </a:extLst>
               </a:tr>
@@ -6770,7 +6771,7 @@
                 </a:tc>
                 <a:extLst>
                   <a:ext uri="{0D108BD9-81ED-4DB2-BD59-A6C34878D82A}">
-                    <a16:rowId xmlns:a16="http://schemas.microsoft.com/office/drawing/2014/main" xmlns="" val="705831554"/>
+                    <a16:rowId xmlns:a16="http://schemas.microsoft.com/office/drawing/2014/main" val="705831554"/>
                   </a:ext>
                 </a:extLst>
               </a:tr>
@@ -6960,7 +6961,7 @@
                 </a:tc>
                 <a:extLst>
                   <a:ext uri="{0D108BD9-81ED-4DB2-BD59-A6C34878D82A}">
-                    <a16:rowId xmlns:a16="http://schemas.microsoft.com/office/drawing/2014/main" xmlns="" val="1605372123"/>
+                    <a16:rowId xmlns:a16="http://schemas.microsoft.com/office/drawing/2014/main" val="1605372123"/>
                   </a:ext>
                 </a:extLst>
               </a:tr>
@@ -7150,7 +7151,7 @@
                 </a:tc>
                 <a:extLst>
                   <a:ext uri="{0D108BD9-81ED-4DB2-BD59-A6C34878D82A}">
-                    <a16:rowId xmlns:a16="http://schemas.microsoft.com/office/drawing/2014/main" xmlns="" val="3517587798"/>
+                    <a16:rowId xmlns:a16="http://schemas.microsoft.com/office/drawing/2014/main" val="3517587798"/>
                   </a:ext>
                 </a:extLst>
               </a:tr>
@@ -7340,7 +7341,7 @@
                 </a:tc>
                 <a:extLst>
                   <a:ext uri="{0D108BD9-81ED-4DB2-BD59-A6C34878D82A}">
-                    <a16:rowId xmlns:a16="http://schemas.microsoft.com/office/drawing/2014/main" xmlns="" val="2673247585"/>
+                    <a16:rowId xmlns:a16="http://schemas.microsoft.com/office/drawing/2014/main" val="2673247585"/>
                   </a:ext>
                 </a:extLst>
               </a:tr>
@@ -7599,7 +7600,7 @@
                 </a:tc>
                 <a:extLst>
                   <a:ext uri="{0D108BD9-81ED-4DB2-BD59-A6C34878D82A}">
-                    <a16:rowId xmlns:a16="http://schemas.microsoft.com/office/drawing/2014/main" xmlns="" val="4173908967"/>
+                    <a16:rowId xmlns:a16="http://schemas.microsoft.com/office/drawing/2014/main" val="4173908967"/>
                   </a:ext>
                 </a:extLst>
               </a:tr>
@@ -7789,7 +7790,7 @@
                 </a:tc>
                 <a:extLst>
                   <a:ext uri="{0D108BD9-81ED-4DB2-BD59-A6C34878D82A}">
-                    <a16:rowId xmlns:a16="http://schemas.microsoft.com/office/drawing/2014/main" xmlns="" val="2701914732"/>
+                    <a16:rowId xmlns:a16="http://schemas.microsoft.com/office/drawing/2014/main" val="2701914732"/>
                   </a:ext>
                 </a:extLst>
               </a:tr>
@@ -7979,7 +7980,7 @@
                 </a:tc>
                 <a:extLst>
                   <a:ext uri="{0D108BD9-81ED-4DB2-BD59-A6C34878D82A}">
-                    <a16:rowId xmlns:a16="http://schemas.microsoft.com/office/drawing/2014/main" xmlns="" val="1449348264"/>
+                    <a16:rowId xmlns:a16="http://schemas.microsoft.com/office/drawing/2014/main" val="1449348264"/>
                   </a:ext>
                 </a:extLst>
               </a:tr>
@@ -8169,7 +8170,7 @@
                 </a:tc>
                 <a:extLst>
                   <a:ext uri="{0D108BD9-81ED-4DB2-BD59-A6C34878D82A}">
-                    <a16:rowId xmlns:a16="http://schemas.microsoft.com/office/drawing/2014/main" xmlns="" val="2357274963"/>
+                    <a16:rowId xmlns:a16="http://schemas.microsoft.com/office/drawing/2014/main" val="2357274963"/>
                   </a:ext>
                 </a:extLst>
               </a:tr>
@@ -8428,7 +8429,7 @@
                 </a:tc>
                 <a:extLst>
                   <a:ext uri="{0D108BD9-81ED-4DB2-BD59-A6C34878D82A}">
-                    <a16:rowId xmlns:a16="http://schemas.microsoft.com/office/drawing/2014/main" xmlns="" val="3476229337"/>
+                    <a16:rowId xmlns:a16="http://schemas.microsoft.com/office/drawing/2014/main" val="3476229337"/>
                   </a:ext>
                 </a:extLst>
               </a:tr>
@@ -8618,7 +8619,7 @@
                 </a:tc>
                 <a:extLst>
                   <a:ext uri="{0D108BD9-81ED-4DB2-BD59-A6C34878D82A}">
-                    <a16:rowId xmlns:a16="http://schemas.microsoft.com/office/drawing/2014/main" xmlns="" val="980358888"/>
+                    <a16:rowId xmlns:a16="http://schemas.microsoft.com/office/drawing/2014/main" val="980358888"/>
                   </a:ext>
                 </a:extLst>
               </a:tr>
@@ -8808,7 +8809,7 @@
                 </a:tc>
                 <a:extLst>
                   <a:ext uri="{0D108BD9-81ED-4DB2-BD59-A6C34878D82A}">
-                    <a16:rowId xmlns:a16="http://schemas.microsoft.com/office/drawing/2014/main" xmlns="" val="302863709"/>
+                    <a16:rowId xmlns:a16="http://schemas.microsoft.com/office/drawing/2014/main" val="302863709"/>
                   </a:ext>
                 </a:extLst>
               </a:tr>
@@ -8998,7 +8999,7 @@
                 </a:tc>
                 <a:extLst>
                   <a:ext uri="{0D108BD9-81ED-4DB2-BD59-A6C34878D82A}">
-                    <a16:rowId xmlns:a16="http://schemas.microsoft.com/office/drawing/2014/main" xmlns="" val="906717568"/>
+                    <a16:rowId xmlns:a16="http://schemas.microsoft.com/office/drawing/2014/main" val="906717568"/>
                   </a:ext>
                 </a:extLst>
               </a:tr>
@@ -9011,7 +9012,7 @@
           <p:cNvPr id="7" name="Rectangle 6">
             <a:extLst>
               <a:ext uri="{FF2B5EF4-FFF2-40B4-BE49-F238E27FC236}">
-                <a16:creationId xmlns:a16="http://schemas.microsoft.com/office/drawing/2014/main" xmlns="" id="{0E3E2676-13D7-B441-9A75-1B2269D69B83}"/>
+                <a16:creationId xmlns:a16="http://schemas.microsoft.com/office/drawing/2014/main" id="{0E3E2676-13D7-B441-9A75-1B2269D69B83}"/>
               </a:ext>
             </a:extLst>
           </p:cNvPr>
@@ -9045,7 +9046,7 @@
           <p:cNvPr id="8" name="Rectangle 7">
             <a:extLst>
               <a:ext uri="{FF2B5EF4-FFF2-40B4-BE49-F238E27FC236}">
-                <a16:creationId xmlns:a16="http://schemas.microsoft.com/office/drawing/2014/main" xmlns="" id="{03892D3B-E89C-2543-AD47-89B1E8785ADD}"/>
+                <a16:creationId xmlns:a16="http://schemas.microsoft.com/office/drawing/2014/main" id="{03892D3B-E89C-2543-AD47-89B1E8785ADD}"/>
               </a:ext>
             </a:extLst>
           </p:cNvPr>
@@ -9079,7 +9080,7 @@
           <p:cNvPr id="9" name="Tableau 8">
             <a:extLst>
               <a:ext uri="{FF2B5EF4-FFF2-40B4-BE49-F238E27FC236}">
-                <a16:creationId xmlns:a16="http://schemas.microsoft.com/office/drawing/2014/main" xmlns="" id="{5F4A634D-0ADD-5646-996B-F558E1740B2E}"/>
+                <a16:creationId xmlns:a16="http://schemas.microsoft.com/office/drawing/2014/main" id="{5F4A634D-0ADD-5646-996B-F558E1740B2E}"/>
               </a:ext>
             </a:extLst>
           </p:cNvPr>
@@ -9108,21 +9109,21 @@
                 <a:gridCol w="1787071">
                   <a:extLst>
                     <a:ext uri="{9D8B030D-6E8A-4147-A177-3AD203B41FA5}">
-                      <a16:colId xmlns:a16="http://schemas.microsoft.com/office/drawing/2014/main" xmlns="" val="2223493793"/>
+                      <a16:colId xmlns:a16="http://schemas.microsoft.com/office/drawing/2014/main" val="2223493793"/>
                     </a:ext>
                   </a:extLst>
                 </a:gridCol>
                 <a:gridCol w="1787071">
                   <a:extLst>
                     <a:ext uri="{9D8B030D-6E8A-4147-A177-3AD203B41FA5}">
-                      <a16:colId xmlns:a16="http://schemas.microsoft.com/office/drawing/2014/main" xmlns="" val="3299032620"/>
+                      <a16:colId xmlns:a16="http://schemas.microsoft.com/office/drawing/2014/main" val="3299032620"/>
                     </a:ext>
                   </a:extLst>
                 </a:gridCol>
                 <a:gridCol w="1428166">
                   <a:extLst>
                     <a:ext uri="{9D8B030D-6E8A-4147-A177-3AD203B41FA5}">
-                      <a16:colId xmlns:a16="http://schemas.microsoft.com/office/drawing/2014/main" xmlns="" val="4240033064"/>
+                      <a16:colId xmlns:a16="http://schemas.microsoft.com/office/drawing/2014/main" val="4240033064"/>
                     </a:ext>
                   </a:extLst>
                 </a:gridCol>
@@ -9208,7 +9209,7 @@
                 </a:tc>
                 <a:extLst>
                   <a:ext uri="{0D108BD9-81ED-4DB2-BD59-A6C34878D82A}">
-                    <a16:rowId xmlns:a16="http://schemas.microsoft.com/office/drawing/2014/main" xmlns="" val="2811668438"/>
+                    <a16:rowId xmlns:a16="http://schemas.microsoft.com/office/drawing/2014/main" val="2811668438"/>
                   </a:ext>
                 </a:extLst>
               </a:tr>
@@ -9319,7 +9320,7 @@
                 </a:tc>
                 <a:extLst>
                   <a:ext uri="{0D108BD9-81ED-4DB2-BD59-A6C34878D82A}">
-                    <a16:rowId xmlns:a16="http://schemas.microsoft.com/office/drawing/2014/main" xmlns="" val="549622984"/>
+                    <a16:rowId xmlns:a16="http://schemas.microsoft.com/office/drawing/2014/main" val="549622984"/>
                   </a:ext>
                 </a:extLst>
               </a:tr>
@@ -9388,7 +9389,7 @@
                 </a:tc>
                 <a:extLst>
                   <a:ext uri="{0D108BD9-81ED-4DB2-BD59-A6C34878D82A}">
-                    <a16:rowId xmlns:a16="http://schemas.microsoft.com/office/drawing/2014/main" xmlns="" val="2232771799"/>
+                    <a16:rowId xmlns:a16="http://schemas.microsoft.com/office/drawing/2014/main" val="2232771799"/>
                   </a:ext>
                 </a:extLst>
               </a:tr>
@@ -9457,7 +9458,7 @@
                 </a:tc>
                 <a:extLst>
                   <a:ext uri="{0D108BD9-81ED-4DB2-BD59-A6C34878D82A}">
-                    <a16:rowId xmlns:a16="http://schemas.microsoft.com/office/drawing/2014/main" xmlns="" val="325289075"/>
+                    <a16:rowId xmlns:a16="http://schemas.microsoft.com/office/drawing/2014/main" val="325289075"/>
                   </a:ext>
                 </a:extLst>
               </a:tr>
@@ -9526,7 +9527,7 @@
                 </a:tc>
                 <a:extLst>
                   <a:ext uri="{0D108BD9-81ED-4DB2-BD59-A6C34878D82A}">
-                    <a16:rowId xmlns:a16="http://schemas.microsoft.com/office/drawing/2014/main" xmlns="" val="4023378066"/>
+                    <a16:rowId xmlns:a16="http://schemas.microsoft.com/office/drawing/2014/main" val="4023378066"/>
                   </a:ext>
                 </a:extLst>
               </a:tr>
@@ -9613,7 +9614,7 @@
                 </a:tc>
                 <a:extLst>
                   <a:ext uri="{0D108BD9-81ED-4DB2-BD59-A6C34878D82A}">
-                    <a16:rowId xmlns:a16="http://schemas.microsoft.com/office/drawing/2014/main" xmlns="" val="4024665527"/>
+                    <a16:rowId xmlns:a16="http://schemas.microsoft.com/office/drawing/2014/main" val="4024665527"/>
                   </a:ext>
                 </a:extLst>
               </a:tr>
@@ -9736,7 +9737,7 @@
                 </a:tc>
                 <a:extLst>
                   <a:ext uri="{0D108BD9-81ED-4DB2-BD59-A6C34878D82A}">
-                    <a16:rowId xmlns:a16="http://schemas.microsoft.com/office/drawing/2014/main" xmlns="" val="3891124101"/>
+                    <a16:rowId xmlns:a16="http://schemas.microsoft.com/office/drawing/2014/main" val="3891124101"/>
                   </a:ext>
                 </a:extLst>
               </a:tr>
@@ -9805,7 +9806,7 @@
                 </a:tc>
                 <a:extLst>
                   <a:ext uri="{0D108BD9-81ED-4DB2-BD59-A6C34878D82A}">
-                    <a16:rowId xmlns:a16="http://schemas.microsoft.com/office/drawing/2014/main" xmlns="" val="2685229706"/>
+                    <a16:rowId xmlns:a16="http://schemas.microsoft.com/office/drawing/2014/main" val="2685229706"/>
                   </a:ext>
                 </a:extLst>
               </a:tr>
@@ -9874,7 +9875,7 @@
                 </a:tc>
                 <a:extLst>
                   <a:ext uri="{0D108BD9-81ED-4DB2-BD59-A6C34878D82A}">
-                    <a16:rowId xmlns:a16="http://schemas.microsoft.com/office/drawing/2014/main" xmlns="" val="749560974"/>
+                    <a16:rowId xmlns:a16="http://schemas.microsoft.com/office/drawing/2014/main" val="749560974"/>
                   </a:ext>
                 </a:extLst>
               </a:tr>
@@ -9943,7 +9944,7 @@
                 </a:tc>
                 <a:extLst>
                   <a:ext uri="{0D108BD9-81ED-4DB2-BD59-A6C34878D82A}">
-                    <a16:rowId xmlns:a16="http://schemas.microsoft.com/office/drawing/2014/main" xmlns="" val="1339990965"/>
+                    <a16:rowId xmlns:a16="http://schemas.microsoft.com/office/drawing/2014/main" val="1339990965"/>
                   </a:ext>
                 </a:extLst>
               </a:tr>
@@ -10012,7 +10013,7 @@
                 </a:tc>
                 <a:extLst>
                   <a:ext uri="{0D108BD9-81ED-4DB2-BD59-A6C34878D82A}">
-                    <a16:rowId xmlns:a16="http://schemas.microsoft.com/office/drawing/2014/main" xmlns="" val="434965399"/>
+                    <a16:rowId xmlns:a16="http://schemas.microsoft.com/office/drawing/2014/main" val="434965399"/>
                   </a:ext>
                 </a:extLst>
               </a:tr>
@@ -10099,7 +10100,7 @@
                 </a:tc>
                 <a:extLst>
                   <a:ext uri="{0D108BD9-81ED-4DB2-BD59-A6C34878D82A}">
-                    <a16:rowId xmlns:a16="http://schemas.microsoft.com/office/drawing/2014/main" xmlns="" val="630645876"/>
+                    <a16:rowId xmlns:a16="http://schemas.microsoft.com/office/drawing/2014/main" val="630645876"/>
                   </a:ext>
                 </a:extLst>
               </a:tr>
@@ -10215,7 +10216,7 @@
                 </a:tc>
                 <a:extLst>
                   <a:ext uri="{0D108BD9-81ED-4DB2-BD59-A6C34878D82A}">
-                    <a16:rowId xmlns:a16="http://schemas.microsoft.com/office/drawing/2014/main" xmlns="" val="1852237273"/>
+                    <a16:rowId xmlns:a16="http://schemas.microsoft.com/office/drawing/2014/main" val="1852237273"/>
                   </a:ext>
                 </a:extLst>
               </a:tr>
@@ -10284,7 +10285,7 @@
                 </a:tc>
                 <a:extLst>
                   <a:ext uri="{0D108BD9-81ED-4DB2-BD59-A6C34878D82A}">
-                    <a16:rowId xmlns:a16="http://schemas.microsoft.com/office/drawing/2014/main" xmlns="" val="1840345312"/>
+                    <a16:rowId xmlns:a16="http://schemas.microsoft.com/office/drawing/2014/main" val="1840345312"/>
                   </a:ext>
                 </a:extLst>
               </a:tr>
@@ -10353,7 +10354,7 @@
                 </a:tc>
                 <a:extLst>
                   <a:ext uri="{0D108BD9-81ED-4DB2-BD59-A6C34878D82A}">
-                    <a16:rowId xmlns:a16="http://schemas.microsoft.com/office/drawing/2014/main" xmlns="" val="2187895688"/>
+                    <a16:rowId xmlns:a16="http://schemas.microsoft.com/office/drawing/2014/main" val="2187895688"/>
                   </a:ext>
                 </a:extLst>
               </a:tr>
@@ -10464,7 +10465,7 @@
                 </a:tc>
                 <a:extLst>
                   <a:ext uri="{0D108BD9-81ED-4DB2-BD59-A6C34878D82A}">
-                    <a16:rowId xmlns:a16="http://schemas.microsoft.com/office/drawing/2014/main" xmlns="" val="53482342"/>
+                    <a16:rowId xmlns:a16="http://schemas.microsoft.com/office/drawing/2014/main" val="53482342"/>
                   </a:ext>
                 </a:extLst>
               </a:tr>
@@ -10533,7 +10534,7 @@
                 </a:tc>
                 <a:extLst>
                   <a:ext uri="{0D108BD9-81ED-4DB2-BD59-A6C34878D82A}">
-                    <a16:rowId xmlns:a16="http://schemas.microsoft.com/office/drawing/2014/main" xmlns="" val="2699565512"/>
+                    <a16:rowId xmlns:a16="http://schemas.microsoft.com/office/drawing/2014/main" val="2699565512"/>
                   </a:ext>
                 </a:extLst>
               </a:tr>
@@ -10602,7 +10603,7 @@
                 </a:tc>
                 <a:extLst>
                   <a:ext uri="{0D108BD9-81ED-4DB2-BD59-A6C34878D82A}">
-                    <a16:rowId xmlns:a16="http://schemas.microsoft.com/office/drawing/2014/main" xmlns="" val="2111053990"/>
+                    <a16:rowId xmlns:a16="http://schemas.microsoft.com/office/drawing/2014/main" val="2111053990"/>
                   </a:ext>
                 </a:extLst>
               </a:tr>
@@ -10671,7 +10672,7 @@
                 </a:tc>
                 <a:extLst>
                   <a:ext uri="{0D108BD9-81ED-4DB2-BD59-A6C34878D82A}">
-                    <a16:rowId xmlns:a16="http://schemas.microsoft.com/office/drawing/2014/main" xmlns="" val="2734306635"/>
+                    <a16:rowId xmlns:a16="http://schemas.microsoft.com/office/drawing/2014/main" val="2734306635"/>
                   </a:ext>
                 </a:extLst>
               </a:tr>
@@ -10740,7 +10741,7 @@
                 </a:tc>
                 <a:extLst>
                   <a:ext uri="{0D108BD9-81ED-4DB2-BD59-A6C34878D82A}">
-                    <a16:rowId xmlns:a16="http://schemas.microsoft.com/office/drawing/2014/main" xmlns="" val="2526052216"/>
+                    <a16:rowId xmlns:a16="http://schemas.microsoft.com/office/drawing/2014/main" val="2526052216"/>
                   </a:ext>
                 </a:extLst>
               </a:tr>
@@ -10844,7 +10845,7 @@
                 </a:tc>
                 <a:extLst>
                   <a:ext uri="{0D108BD9-81ED-4DB2-BD59-A6C34878D82A}">
-                    <a16:rowId xmlns:a16="http://schemas.microsoft.com/office/drawing/2014/main" xmlns="" val="501101943"/>
+                    <a16:rowId xmlns:a16="http://schemas.microsoft.com/office/drawing/2014/main" val="501101943"/>
                   </a:ext>
                 </a:extLst>
               </a:tr>
@@ -10913,7 +10914,7 @@
                 </a:tc>
                 <a:extLst>
                   <a:ext uri="{0D108BD9-81ED-4DB2-BD59-A6C34878D82A}">
-                    <a16:rowId xmlns:a16="http://schemas.microsoft.com/office/drawing/2014/main" xmlns="" val="1312392858"/>
+                    <a16:rowId xmlns:a16="http://schemas.microsoft.com/office/drawing/2014/main" val="1312392858"/>
                   </a:ext>
                 </a:extLst>
               </a:tr>
@@ -10982,7 +10983,7 @@
                 </a:tc>
                 <a:extLst>
                   <a:ext uri="{0D108BD9-81ED-4DB2-BD59-A6C34878D82A}">
-                    <a16:rowId xmlns:a16="http://schemas.microsoft.com/office/drawing/2014/main" xmlns="" val="3705053465"/>
+                    <a16:rowId xmlns:a16="http://schemas.microsoft.com/office/drawing/2014/main" val="3705053465"/>
                   </a:ext>
                 </a:extLst>
               </a:tr>
@@ -11051,7 +11052,7 @@
                 </a:tc>
                 <a:extLst>
                   <a:ext uri="{0D108BD9-81ED-4DB2-BD59-A6C34878D82A}">
-                    <a16:rowId xmlns:a16="http://schemas.microsoft.com/office/drawing/2014/main" xmlns="" val="3178491827"/>
+                    <a16:rowId xmlns:a16="http://schemas.microsoft.com/office/drawing/2014/main" val="3178491827"/>
                   </a:ext>
                 </a:extLst>
               </a:tr>
@@ -11152,7 +11153,7 @@
                 </a:tc>
                 <a:extLst>
                   <a:ext uri="{0D108BD9-81ED-4DB2-BD59-A6C34878D82A}">
-                    <a16:rowId xmlns:a16="http://schemas.microsoft.com/office/drawing/2014/main" xmlns="" val="4203135551"/>
+                    <a16:rowId xmlns:a16="http://schemas.microsoft.com/office/drawing/2014/main" val="4203135551"/>
                   </a:ext>
                 </a:extLst>
               </a:tr>
@@ -11221,7 +11222,7 @@
                 </a:tc>
                 <a:extLst>
                   <a:ext uri="{0D108BD9-81ED-4DB2-BD59-A6C34878D82A}">
-                    <a16:rowId xmlns:a16="http://schemas.microsoft.com/office/drawing/2014/main" xmlns="" val="1337273169"/>
+                    <a16:rowId xmlns:a16="http://schemas.microsoft.com/office/drawing/2014/main" val="1337273169"/>
                   </a:ext>
                 </a:extLst>
               </a:tr>
@@ -11290,7 +11291,7 @@
                 </a:tc>
                 <a:extLst>
                   <a:ext uri="{0D108BD9-81ED-4DB2-BD59-A6C34878D82A}">
-                    <a16:rowId xmlns:a16="http://schemas.microsoft.com/office/drawing/2014/main" xmlns="" val="2058640759"/>
+                    <a16:rowId xmlns:a16="http://schemas.microsoft.com/office/drawing/2014/main" val="2058640759"/>
                   </a:ext>
                 </a:extLst>
               </a:tr>
@@ -11303,7 +11304,7 @@
           <p:cNvPr id="11" name="Espace réservé du numéro de diapositive 10">
             <a:extLst>
               <a:ext uri="{FF2B5EF4-FFF2-40B4-BE49-F238E27FC236}">
-                <a16:creationId xmlns:a16="http://schemas.microsoft.com/office/drawing/2014/main" xmlns="" id="{E5AD36A3-7913-BE40-889A-99A46B3314D7}"/>
+                <a16:creationId xmlns:a16="http://schemas.microsoft.com/office/drawing/2014/main" id="{E5AD36A3-7913-BE40-889A-99A46B3314D7}"/>
               </a:ext>
             </a:extLst>
           </p:cNvPr>
@@ -11367,7 +11368,7 @@
           <p:cNvPr id="2" name="Titre 1">
             <a:extLst>
               <a:ext uri="{FF2B5EF4-FFF2-40B4-BE49-F238E27FC236}">
-                <a16:creationId xmlns:a16="http://schemas.microsoft.com/office/drawing/2014/main" xmlns="" id="{FBA297F2-02A3-2B40-BE34-765E825AFE14}"/>
+                <a16:creationId xmlns:a16="http://schemas.microsoft.com/office/drawing/2014/main" id="{FBA297F2-02A3-2B40-BE34-765E825AFE14}"/>
               </a:ext>
             </a:extLst>
           </p:cNvPr>
@@ -11395,7 +11396,7 @@
           <p:cNvPr id="3" name="Espace réservé du contenu 2">
             <a:extLst>
               <a:ext uri="{FF2B5EF4-FFF2-40B4-BE49-F238E27FC236}">
-                <a16:creationId xmlns:a16="http://schemas.microsoft.com/office/drawing/2014/main" xmlns="" id="{5899DA7A-DA3D-2B42-BCEC-239A505E5808}"/>
+                <a16:creationId xmlns:a16="http://schemas.microsoft.com/office/drawing/2014/main" id="{5899DA7A-DA3D-2B42-BCEC-239A505E5808}"/>
               </a:ext>
             </a:extLst>
           </p:cNvPr>
@@ -11406,7 +11407,12 @@
             <p:ph idx="1"/>
           </p:nvPr>
         </p:nvSpPr>
-        <p:spPr/>
+        <p:spPr>
+          <a:xfrm>
+            <a:off x="2231136" y="2638044"/>
+            <a:ext cx="7729728" cy="784425"/>
+          </a:xfrm>
+        </p:spPr>
         <p:txBody>
           <a:bodyPr/>
           <a:lstStyle/>
@@ -11439,7 +11445,7 @@
           <p:cNvPr id="5" name="Espace réservé du numéro de diapositive 4">
             <a:extLst>
               <a:ext uri="{FF2B5EF4-FFF2-40B4-BE49-F238E27FC236}">
-                <a16:creationId xmlns:a16="http://schemas.microsoft.com/office/drawing/2014/main" xmlns="" id="{19E7225B-BF5B-F941-B0D6-594340ADFCCA}"/>
+                <a16:creationId xmlns:a16="http://schemas.microsoft.com/office/drawing/2014/main" id="{19E7225B-BF5B-F941-B0D6-594340ADFCCA}"/>
               </a:ext>
             </a:extLst>
           </p:cNvPr>
@@ -11463,6 +11469,36 @@
           </a:p>
         </p:txBody>
       </p:sp>
+      <p:pic>
+        <p:nvPicPr>
+          <p:cNvPr id="4" name="Image 3"/>
+          <p:cNvPicPr>
+            <a:picLocks noChangeAspect="1"/>
+          </p:cNvPicPr>
+          <p:nvPr/>
+        </p:nvPicPr>
+        <p:blipFill>
+          <a:blip r:embed="rId2">
+            <a:extLst>
+              <a:ext uri="{28A0092B-C50C-407E-A947-70E740481C1C}">
+                <a14:useLocalDpi xmlns:a14="http://schemas.microsoft.com/office/drawing/2010/main" val="0"/>
+              </a:ext>
+            </a:extLst>
+          </a:blip>
+          <a:stretch>
+            <a:fillRect/>
+          </a:stretch>
+        </p:blipFill>
+        <p:spPr>
+          <a:xfrm>
+            <a:off x="1058403" y="3644538"/>
+            <a:ext cx="10075194" cy="2399424"/>
+          </a:xfrm>
+          <a:prstGeom prst="rect">
+            <a:avLst/>
+          </a:prstGeom>
+        </p:spPr>
+      </p:pic>
     </p:spTree>
     <p:extLst>
       <p:ext uri="{BB962C8B-B14F-4D97-AF65-F5344CB8AC3E}">
@@ -11498,7 +11534,7 @@
           <p:cNvPr id="2" name="Titre 1">
             <a:extLst>
               <a:ext uri="{FF2B5EF4-FFF2-40B4-BE49-F238E27FC236}">
-                <a16:creationId xmlns:a16="http://schemas.microsoft.com/office/drawing/2014/main" xmlns="" id="{FBA297F2-02A3-2B40-BE34-765E825AFE14}"/>
+                <a16:creationId xmlns:a16="http://schemas.microsoft.com/office/drawing/2014/main" id="{FBA297F2-02A3-2B40-BE34-765E825AFE14}"/>
               </a:ext>
             </a:extLst>
           </p:cNvPr>
@@ -11516,11 +11552,7 @@
           <a:p>
             <a:r>
               <a:rPr lang="fr-FR" dirty="0" smtClean="0"/>
-              <a:t>Visualisation de </a:t>
-            </a:r>
-            <a:r>
-              <a:rPr lang="fr-FR" dirty="0" smtClean="0"/>
-              <a:t>données</a:t>
+              <a:t>Visualisation de données</a:t>
             </a:r>
             <a:endParaRPr lang="fr-FR" dirty="0"/>
           </a:p>
@@ -11531,7 +11563,7 @@
           <p:cNvPr id="3" name="Espace réservé du contenu 2">
             <a:extLst>
               <a:ext uri="{FF2B5EF4-FFF2-40B4-BE49-F238E27FC236}">
-                <a16:creationId xmlns:a16="http://schemas.microsoft.com/office/drawing/2014/main" xmlns="" id="{5899DA7A-DA3D-2B42-BCEC-239A505E5808}"/>
+                <a16:creationId xmlns:a16="http://schemas.microsoft.com/office/drawing/2014/main" id="{5899DA7A-DA3D-2B42-BCEC-239A505E5808}"/>
               </a:ext>
             </a:extLst>
           </p:cNvPr>
@@ -11542,22 +11574,29 @@
             <p:ph idx="1"/>
           </p:nvPr>
         </p:nvSpPr>
-        <p:spPr/>
+        <p:spPr>
+          <a:xfrm>
+            <a:off x="2231136" y="2431954"/>
+            <a:ext cx="7729728" cy="694291"/>
+          </a:xfrm>
+        </p:spPr>
         <p:txBody>
-          <a:bodyPr/>
+          <a:bodyPr>
+            <a:noAutofit/>
+          </a:bodyPr>
           <a:lstStyle/>
           <a:p>
             <a:r>
+              <a:rPr lang="fr-FR" dirty="0" smtClean="0"/>
+              <a:t>Nous avons ensuite ajouté </a:t>
+            </a:r>
+            <a:r>
               <a:rPr lang="fr-FR" dirty="0"/>
-              <a:t>Nous avons </a:t>
+              <a:t>un header avec le nom de chaque colonnes </a:t>
             </a:r>
             <a:r>
               <a:rPr lang="fr-FR" dirty="0" smtClean="0"/>
-              <a:t>affiché quelques histogrammes relatifs à </a:t>
-            </a:r>
-            <a:r>
-              <a:rPr lang="fr-FR" dirty="0" smtClean="0"/>
-              <a:t>l’UPDRS </a:t>
+              <a:t>pour mieux visualiser les données qui étaient au format.txt</a:t>
             </a:r>
             <a:endParaRPr lang="fr-FR" dirty="0"/>
           </a:p>
@@ -11568,7 +11607,7 @@
           <p:cNvPr id="5" name="Espace réservé du numéro de diapositive 4">
             <a:extLst>
               <a:ext uri="{FF2B5EF4-FFF2-40B4-BE49-F238E27FC236}">
-                <a16:creationId xmlns:a16="http://schemas.microsoft.com/office/drawing/2014/main" xmlns="" id="{19E7225B-BF5B-F941-B0D6-594340ADFCCA}"/>
+                <a16:creationId xmlns:a16="http://schemas.microsoft.com/office/drawing/2014/main" id="{19E7225B-BF5B-F941-B0D6-594340ADFCCA}"/>
               </a:ext>
             </a:extLst>
           </p:cNvPr>
@@ -11592,10 +11631,123 @@
           </a:p>
         </p:txBody>
       </p:sp>
+      <p:pic>
+        <p:nvPicPr>
+          <p:cNvPr id="7" name="Image 6"/>
+          <p:cNvPicPr>
+            <a:picLocks noChangeAspect="1"/>
+          </p:cNvPicPr>
+          <p:nvPr/>
+        </p:nvPicPr>
+        <p:blipFill>
+          <a:blip r:embed="rId2">
+            <a:extLst>
+              <a:ext uri="{28A0092B-C50C-407E-A947-70E740481C1C}">
+                <a14:useLocalDpi xmlns:a14="http://schemas.microsoft.com/office/drawing/2010/main" val="0"/>
+              </a:ext>
+            </a:extLst>
+          </a:blip>
+          <a:stretch>
+            <a:fillRect/>
+          </a:stretch>
+        </p:blipFill>
+        <p:spPr>
+          <a:xfrm>
+            <a:off x="7811158" y="2736452"/>
+            <a:ext cx="4259970" cy="3481468"/>
+          </a:xfrm>
+          <a:prstGeom prst="rect">
+            <a:avLst/>
+          </a:prstGeom>
+        </p:spPr>
+      </p:pic>
+      <p:pic>
+        <p:nvPicPr>
+          <p:cNvPr id="8" name="Image 7"/>
+          <p:cNvPicPr>
+            <a:picLocks noChangeAspect="1"/>
+          </p:cNvPicPr>
+          <p:nvPr/>
+        </p:nvPicPr>
+        <p:blipFill>
+          <a:blip r:embed="rId3">
+            <a:extLst>
+              <a:ext uri="{28A0092B-C50C-407E-A947-70E740481C1C}">
+                <a14:useLocalDpi xmlns:a14="http://schemas.microsoft.com/office/drawing/2010/main" val="0"/>
+              </a:ext>
+            </a:extLst>
+          </a:blip>
+          <a:stretch>
+            <a:fillRect/>
+          </a:stretch>
+        </p:blipFill>
+        <p:spPr>
+          <a:xfrm>
+            <a:off x="120872" y="3126245"/>
+            <a:ext cx="6223376" cy="2545043"/>
+          </a:xfrm>
+          <a:prstGeom prst="rect">
+            <a:avLst/>
+          </a:prstGeom>
+          <a:ln>
+            <a:solidFill>
+              <a:schemeClr val="tx1"/>
+            </a:solidFill>
+          </a:ln>
+        </p:spPr>
+      </p:pic>
+      <p:sp>
+        <p:nvSpPr>
+          <p:cNvPr id="11" name="Flèche droite 10"/>
+          <p:cNvSpPr/>
+          <p:nvPr/>
+        </p:nvSpPr>
+        <p:spPr>
+          <a:xfrm>
+            <a:off x="6439988" y="4059131"/>
+            <a:ext cx="1371169" cy="679269"/>
+          </a:xfrm>
+          <a:prstGeom prst="rightArrow">
+            <a:avLst/>
+          </a:prstGeom>
+          <a:solidFill>
+            <a:srgbClr val="FF0000"/>
+          </a:solidFill>
+          <a:ln>
+            <a:solidFill>
+              <a:srgbClr val="FF0000"/>
+            </a:solidFill>
+          </a:ln>
+        </p:spPr>
+        <p:style>
+          <a:lnRef idx="2">
+            <a:schemeClr val="accent1">
+              <a:shade val="50000"/>
+            </a:schemeClr>
+          </a:lnRef>
+          <a:fillRef idx="1">
+            <a:schemeClr val="accent1"/>
+          </a:fillRef>
+          <a:effectRef idx="0">
+            <a:schemeClr val="accent1"/>
+          </a:effectRef>
+          <a:fontRef idx="minor">
+            <a:schemeClr val="lt1"/>
+          </a:fontRef>
+        </p:style>
+        <p:txBody>
+          <a:bodyPr rtlCol="0" anchor="ctr"/>
+          <a:lstStyle/>
+          <a:p>
+            <a:pPr algn="ctr"/>
+            <a:endParaRPr lang="fr-FR"/>
+          </a:p>
+        </p:txBody>
+      </p:sp>
     </p:spTree>
     <p:extLst>
       <p:ext uri="{BB962C8B-B14F-4D97-AF65-F5344CB8AC3E}">
-        <p14:creationId xmlns:p14="http://schemas.microsoft.com/office/powerpoint/2010/main" val="3039392459"/>
+        <p14:creationId xmlns:p14="http://schemas.microsoft.com/office/powerpoint/2010/main" val="1344715286"/>
       </p:ext>
     </p:extLst>
   </p:cSld>
@@ -11627,7 +11779,215 @@
           <p:cNvPr id="2" name="Titre 1">
             <a:extLst>
               <a:ext uri="{FF2B5EF4-FFF2-40B4-BE49-F238E27FC236}">
-                <a16:creationId xmlns:a16="http://schemas.microsoft.com/office/drawing/2014/main" xmlns="" id="{9ED5EC5D-A55A-664B-A51B-6030B2938D3A}"/>
+                <a16:creationId xmlns:a16="http://schemas.microsoft.com/office/drawing/2014/main" id="{FBA297F2-02A3-2B40-BE34-765E825AFE14}"/>
+              </a:ext>
+            </a:extLst>
+          </p:cNvPr>
+          <p:cNvSpPr>
+            <a:spLocks noGrp="1"/>
+          </p:cNvSpPr>
+          <p:nvPr>
+            <p:ph type="title"/>
+          </p:nvPr>
+        </p:nvSpPr>
+        <p:spPr/>
+        <p:txBody>
+          <a:bodyPr/>
+          <a:lstStyle/>
+          <a:p>
+            <a:r>
+              <a:rPr lang="fr-FR" dirty="0" smtClean="0"/>
+              <a:t>Visualisation de données</a:t>
+            </a:r>
+            <a:endParaRPr lang="fr-FR" dirty="0"/>
+          </a:p>
+        </p:txBody>
+      </p:sp>
+      <p:sp>
+        <p:nvSpPr>
+          <p:cNvPr id="3" name="Espace réservé du contenu 2">
+            <a:extLst>
+              <a:ext uri="{FF2B5EF4-FFF2-40B4-BE49-F238E27FC236}">
+                <a16:creationId xmlns:a16="http://schemas.microsoft.com/office/drawing/2014/main" id="{5899DA7A-DA3D-2B42-BCEC-239A505E5808}"/>
+              </a:ext>
+            </a:extLst>
+          </p:cNvPr>
+          <p:cNvSpPr>
+            <a:spLocks noGrp="1"/>
+          </p:cNvSpPr>
+          <p:nvPr>
+            <p:ph idx="1"/>
+          </p:nvPr>
+        </p:nvSpPr>
+        <p:spPr>
+          <a:xfrm>
+            <a:off x="2231136" y="2431954"/>
+            <a:ext cx="7729728" cy="610193"/>
+          </a:xfrm>
+        </p:spPr>
+        <p:txBody>
+          <a:bodyPr>
+            <a:normAutofit lnSpcReduction="10000"/>
+          </a:bodyPr>
+          <a:lstStyle/>
+          <a:p>
+            <a:r>
+              <a:rPr lang="fr-FR" dirty="0"/>
+              <a:t>Nous </a:t>
+            </a:r>
+            <a:r>
+              <a:rPr lang="fr-FR" dirty="0" smtClean="0"/>
+              <a:t>affichons ensuite des </a:t>
+            </a:r>
+            <a:r>
+              <a:rPr lang="fr-FR" dirty="0" smtClean="0"/>
+              <a:t>histogrammes relatifs à l’UPDRS </a:t>
+            </a:r>
+            <a:r>
+              <a:rPr lang="fr-FR" dirty="0" smtClean="0"/>
+              <a:t>pour tenter de comprendre </a:t>
+            </a:r>
+            <a:r>
+              <a:rPr lang="fr-FR" dirty="0" smtClean="0"/>
+              <a:t>quelles </a:t>
+            </a:r>
+            <a:r>
+              <a:rPr lang="fr-FR" dirty="0" err="1" smtClean="0"/>
+              <a:t>features</a:t>
+            </a:r>
+            <a:r>
+              <a:rPr lang="fr-FR" dirty="0" smtClean="0"/>
+              <a:t> ont un impact sur cet UPDRS.</a:t>
+            </a:r>
+            <a:endParaRPr lang="fr-FR" dirty="0"/>
+          </a:p>
+        </p:txBody>
+      </p:sp>
+      <p:sp>
+        <p:nvSpPr>
+          <p:cNvPr id="5" name="Espace réservé du numéro de diapositive 4">
+            <a:extLst>
+              <a:ext uri="{FF2B5EF4-FFF2-40B4-BE49-F238E27FC236}">
+                <a16:creationId xmlns:a16="http://schemas.microsoft.com/office/drawing/2014/main" id="{19E7225B-BF5B-F941-B0D6-594340ADFCCA}"/>
+              </a:ext>
+            </a:extLst>
+          </p:cNvPr>
+          <p:cNvSpPr>
+            <a:spLocks noGrp="1"/>
+          </p:cNvSpPr>
+          <p:nvPr>
+            <p:ph type="sldNum" sz="quarter" idx="12"/>
+          </p:nvPr>
+        </p:nvSpPr>
+        <p:spPr/>
+        <p:txBody>
+          <a:bodyPr/>
+          <a:lstStyle/>
+          <a:p>
+            <a:fld id="{657425C9-886C-2641-B225-862103BFDD44}" type="slidenum">
+              <a:rPr lang="fr-FR" smtClean="0"/>
+              <a:t>7</a:t>
+            </a:fld>
+            <a:endParaRPr lang="fr-FR" dirty="0"/>
+          </a:p>
+        </p:txBody>
+      </p:sp>
+      <p:pic>
+        <p:nvPicPr>
+          <p:cNvPr id="4" name="Image 3"/>
+          <p:cNvPicPr>
+            <a:picLocks noChangeAspect="1"/>
+          </p:cNvPicPr>
+          <p:nvPr/>
+        </p:nvPicPr>
+        <p:blipFill>
+          <a:blip r:embed="rId2">
+            <a:extLst>
+              <a:ext uri="{28A0092B-C50C-407E-A947-70E740481C1C}">
+                <a14:useLocalDpi xmlns:a14="http://schemas.microsoft.com/office/drawing/2010/main" val="0"/>
+              </a:ext>
+            </a:extLst>
+          </a:blip>
+          <a:stretch>
+            <a:fillRect/>
+          </a:stretch>
+        </p:blipFill>
+        <p:spPr>
+          <a:xfrm>
+            <a:off x="1573543" y="3295870"/>
+            <a:ext cx="3715268" cy="2695951"/>
+          </a:xfrm>
+          <a:prstGeom prst="rect">
+            <a:avLst/>
+          </a:prstGeom>
+        </p:spPr>
+      </p:pic>
+      <p:pic>
+        <p:nvPicPr>
+          <p:cNvPr id="6" name="Image 5"/>
+          <p:cNvPicPr>
+            <a:picLocks noChangeAspect="1"/>
+          </p:cNvPicPr>
+          <p:nvPr/>
+        </p:nvPicPr>
+        <p:blipFill>
+          <a:blip r:embed="rId3">
+            <a:extLst>
+              <a:ext uri="{28A0092B-C50C-407E-A947-70E740481C1C}">
+                <a14:useLocalDpi xmlns:a14="http://schemas.microsoft.com/office/drawing/2010/main" val="0"/>
+              </a:ext>
+            </a:extLst>
+          </a:blip>
+          <a:stretch>
+            <a:fillRect/>
+          </a:stretch>
+        </p:blipFill>
+        <p:spPr>
+          <a:xfrm>
+            <a:off x="6434471" y="3248237"/>
+            <a:ext cx="3724795" cy="2791215"/>
+          </a:xfrm>
+          <a:prstGeom prst="rect">
+            <a:avLst/>
+          </a:prstGeom>
+        </p:spPr>
+      </p:pic>
+    </p:spTree>
+    <p:extLst>
+      <p:ext uri="{BB962C8B-B14F-4D97-AF65-F5344CB8AC3E}">
+        <p14:creationId xmlns:p14="http://schemas.microsoft.com/office/powerpoint/2010/main" val="3039392459"/>
+      </p:ext>
+    </p:extLst>
+  </p:cSld>
+  <p:clrMapOvr>
+    <a:masterClrMapping/>
+  </p:clrMapOvr>
+</p:sld>
+</file>
+
+<file path=ppt/slides/slide8.xml><?xml version="1.0" encoding="utf-8"?>
+<p:sld xmlns:a="http://schemas.openxmlformats.org/drawingml/2006/main" xmlns:r="http://schemas.openxmlformats.org/officeDocument/2006/relationships" xmlns:p="http://schemas.openxmlformats.org/presentationml/2006/main">
+  <p:cSld>
+    <p:spTree>
+      <p:nvGrpSpPr>
+        <p:cNvPr id="1" name=""/>
+        <p:cNvGrpSpPr/>
+        <p:nvPr/>
+      </p:nvGrpSpPr>
+      <p:grpSpPr>
+        <a:xfrm>
+          <a:off x="0" y="0"/>
+          <a:ext cx="0" cy="0"/>
+          <a:chOff x="0" y="0"/>
+          <a:chExt cx="0" cy="0"/>
+        </a:xfrm>
+      </p:grpSpPr>
+      <p:sp>
+        <p:nvSpPr>
+          <p:cNvPr id="2" name="Titre 1">
+            <a:extLst>
+              <a:ext uri="{FF2B5EF4-FFF2-40B4-BE49-F238E27FC236}">
+                <a16:creationId xmlns:a16="http://schemas.microsoft.com/office/drawing/2014/main" id="{9ED5EC5D-A55A-664B-A51B-6030B2938D3A}"/>
               </a:ext>
             </a:extLst>
           </p:cNvPr>
@@ -11660,7 +12020,7 @@
           <p:cNvPr id="4" name="Espace réservé du contenu 3">
             <a:extLst>
               <a:ext uri="{FF2B5EF4-FFF2-40B4-BE49-F238E27FC236}">
-                <a16:creationId xmlns:a16="http://schemas.microsoft.com/office/drawing/2014/main" xmlns="" id="{D1C80FF4-F54C-B44C-9C57-ED5C224614DD}"/>
+                <a16:creationId xmlns:a16="http://schemas.microsoft.com/office/drawing/2014/main" id="{D1C80FF4-F54C-B44C-9C57-ED5C224614DD}"/>
               </a:ext>
             </a:extLst>
           </p:cNvPr>
@@ -11691,7 +12051,7 @@
           <p:cNvPr id="6" name="Espace réservé du contenu 5">
             <a:extLst>
               <a:ext uri="{FF2B5EF4-FFF2-40B4-BE49-F238E27FC236}">
-                <a16:creationId xmlns:a16="http://schemas.microsoft.com/office/drawing/2014/main" xmlns="" id="{87112B6C-2E66-D84F-8297-1F7B33CD32A1}"/>
+                <a16:creationId xmlns:a16="http://schemas.microsoft.com/office/drawing/2014/main" id="{87112B6C-2E66-D84F-8297-1F7B33CD32A1}"/>
               </a:ext>
             </a:extLst>
           </p:cNvPr>
@@ -11741,7 +12101,7 @@
           <p:cNvPr id="7" name="Tableau 6">
             <a:extLst>
               <a:ext uri="{FF2B5EF4-FFF2-40B4-BE49-F238E27FC236}">
-                <a16:creationId xmlns:a16="http://schemas.microsoft.com/office/drawing/2014/main" xmlns="" id="{DD7BE26B-1CF7-6A4F-BD09-B706D9931086}"/>
+                <a16:creationId xmlns:a16="http://schemas.microsoft.com/office/drawing/2014/main" id="{DD7BE26B-1CF7-6A4F-BD09-B706D9931086}"/>
               </a:ext>
             </a:extLst>
           </p:cNvPr>
@@ -11770,21 +12130,21 @@
                 <a:gridCol w="1879365">
                   <a:extLst>
                     <a:ext uri="{9D8B030D-6E8A-4147-A177-3AD203B41FA5}">
-                      <a16:colId xmlns:a16="http://schemas.microsoft.com/office/drawing/2014/main" xmlns="" val="3527254044"/>
+                      <a16:colId xmlns:a16="http://schemas.microsoft.com/office/drawing/2014/main" val="3527254044"/>
                     </a:ext>
                   </a:extLst>
                 </a:gridCol>
                 <a:gridCol w="1879365">
                   <a:extLst>
                     <a:ext uri="{9D8B030D-6E8A-4147-A177-3AD203B41FA5}">
-                      <a16:colId xmlns:a16="http://schemas.microsoft.com/office/drawing/2014/main" xmlns="" val="2805425445"/>
+                      <a16:colId xmlns:a16="http://schemas.microsoft.com/office/drawing/2014/main" val="2805425445"/>
                     </a:ext>
                   </a:extLst>
                 </a:gridCol>
                 <a:gridCol w="1879365">
                   <a:extLst>
                     <a:ext uri="{9D8B030D-6E8A-4147-A177-3AD203B41FA5}">
-                      <a16:colId xmlns:a16="http://schemas.microsoft.com/office/drawing/2014/main" xmlns="" val="3377541870"/>
+                      <a16:colId xmlns:a16="http://schemas.microsoft.com/office/drawing/2014/main" val="3377541870"/>
                     </a:ext>
                   </a:extLst>
                 </a:gridCol>
@@ -11843,7 +12203,7 @@
                 </a:tc>
                 <a:extLst>
                   <a:ext uri="{0D108BD9-81ED-4DB2-BD59-A6C34878D82A}">
-                    <a16:rowId xmlns:a16="http://schemas.microsoft.com/office/drawing/2014/main" xmlns="" val="1909134801"/>
+                    <a16:rowId xmlns:a16="http://schemas.microsoft.com/office/drawing/2014/main" val="1909134801"/>
                   </a:ext>
                 </a:extLst>
               </a:tr>
@@ -11891,7 +12251,7 @@
                 </a:tc>
                 <a:extLst>
                   <a:ext uri="{0D108BD9-81ED-4DB2-BD59-A6C34878D82A}">
-                    <a16:rowId xmlns:a16="http://schemas.microsoft.com/office/drawing/2014/main" xmlns="" val="1486037554"/>
+                    <a16:rowId xmlns:a16="http://schemas.microsoft.com/office/drawing/2014/main" val="1486037554"/>
                   </a:ext>
                 </a:extLst>
               </a:tr>
@@ -11939,7 +12299,7 @@
                 </a:tc>
                 <a:extLst>
                   <a:ext uri="{0D108BD9-81ED-4DB2-BD59-A6C34878D82A}">
-                    <a16:rowId xmlns:a16="http://schemas.microsoft.com/office/drawing/2014/main" xmlns="" val="1670696220"/>
+                    <a16:rowId xmlns:a16="http://schemas.microsoft.com/office/drawing/2014/main" val="1670696220"/>
                   </a:ext>
                 </a:extLst>
               </a:tr>
@@ -11988,7 +12348,7 @@
                 </a:tc>
                 <a:extLst>
                   <a:ext uri="{0D108BD9-81ED-4DB2-BD59-A6C34878D82A}">
-                    <a16:rowId xmlns:a16="http://schemas.microsoft.com/office/drawing/2014/main" xmlns="" val="1494832270"/>
+                    <a16:rowId xmlns:a16="http://schemas.microsoft.com/office/drawing/2014/main" val="1494832270"/>
                   </a:ext>
                 </a:extLst>
               </a:tr>
@@ -12033,7 +12393,7 @@
                 </a:tc>
                 <a:extLst>
                   <a:ext uri="{0D108BD9-81ED-4DB2-BD59-A6C34878D82A}">
-                    <a16:rowId xmlns:a16="http://schemas.microsoft.com/office/drawing/2014/main" xmlns="" val="398096127"/>
+                    <a16:rowId xmlns:a16="http://schemas.microsoft.com/office/drawing/2014/main" val="398096127"/>
                   </a:ext>
                 </a:extLst>
               </a:tr>
@@ -12046,7 +12406,7 @@
           <p:cNvPr id="8" name="ZoneTexte 7">
             <a:extLst>
               <a:ext uri="{FF2B5EF4-FFF2-40B4-BE49-F238E27FC236}">
-                <a16:creationId xmlns:a16="http://schemas.microsoft.com/office/drawing/2014/main" xmlns="" id="{B27308AA-E029-9944-8A6F-790964C03168}"/>
+                <a16:creationId xmlns:a16="http://schemas.microsoft.com/office/drawing/2014/main" id="{B27308AA-E029-9944-8A6F-790964C03168}"/>
               </a:ext>
             </a:extLst>
           </p:cNvPr>
@@ -12072,8 +12432,29 @@
             <a:pPr algn="just"/>
             <a:r>
               <a:rPr lang="fr-FR" dirty="0"/>
-              <a:t>Nous avons testé 3 modèles de classification, nous avons dans un premier temps lancé ces algorithmes avec leur paramètres par défaut, puis nous avons tester différents hyper-paramètres.  </a:t>
+              <a:t>Nous avons testé 3 modèles de classification, nous avons dans un premier temps lancé ces algorithmes avec leur paramètres par défaut, puis nous avons tester différents </a:t>
             </a:r>
+            <a:r>
+              <a:rPr lang="fr-FR" dirty="0" smtClean="0"/>
+              <a:t>hyper-paramètres (</a:t>
+            </a:r>
+            <a:r>
+              <a:rPr lang="fr-FR" dirty="0" err="1" smtClean="0"/>
+              <a:t>Grid</a:t>
+            </a:r>
+            <a:r>
+              <a:rPr lang="fr-FR" dirty="0" smtClean="0"/>
+              <a:t> </a:t>
+            </a:r>
+            <a:r>
+              <a:rPr lang="fr-FR" dirty="0" err="1" smtClean="0"/>
+              <a:t>Search</a:t>
+            </a:r>
+            <a:r>
+              <a:rPr lang="fr-FR" dirty="0" smtClean="0"/>
+              <a:t>).  </a:t>
+            </a:r>
+            <a:endParaRPr lang="fr-FR" dirty="0"/>
           </a:p>
           <a:p>
             <a:pPr algn="just"/>
@@ -12089,7 +12470,7 @@
           <p:cNvPr id="10" name="Espace réservé du numéro de diapositive 9">
             <a:extLst>
               <a:ext uri="{FF2B5EF4-FFF2-40B4-BE49-F238E27FC236}">
-                <a16:creationId xmlns:a16="http://schemas.microsoft.com/office/drawing/2014/main" xmlns="" id="{8AFB71B9-8B94-E141-BFEF-DC5877B62DC6}"/>
+                <a16:creationId xmlns:a16="http://schemas.microsoft.com/office/drawing/2014/main" id="{8AFB71B9-8B94-E141-BFEF-DC5877B62DC6}"/>
               </a:ext>
             </a:extLst>
           </p:cNvPr>
@@ -12112,7 +12493,7 @@
           <a:p>
             <a:fld id="{657425C9-886C-2641-B225-862103BFDD44}" type="slidenum">
               <a:rPr lang="fr-FR" smtClean="0"/>
-              <a:t>7</a:t>
+              <a:t>8</a:t>
             </a:fld>
             <a:endParaRPr lang="fr-FR" dirty="0"/>
           </a:p>
@@ -12131,7 +12512,7 @@
 </p:sld>
 </file>
 
-<file path=ppt/slides/slide8.xml><?xml version="1.0" encoding="utf-8"?>
+<file path=ppt/slides/slide9.xml><?xml version="1.0" encoding="utf-8"?>
 <p:sld xmlns:a="http://schemas.openxmlformats.org/drawingml/2006/main" xmlns:r="http://schemas.openxmlformats.org/officeDocument/2006/relationships" xmlns:p="http://schemas.openxmlformats.org/presentationml/2006/main">
   <p:cSld>
     <p:spTree>
@@ -12153,7 +12534,7 @@
           <p:cNvPr id="2" name="Titre 1">
             <a:extLst>
               <a:ext uri="{FF2B5EF4-FFF2-40B4-BE49-F238E27FC236}">
-                <a16:creationId xmlns:a16="http://schemas.microsoft.com/office/drawing/2014/main" xmlns="" id="{8DD4171E-C119-1C4D-BFD4-EDF4AB81CEF3}"/>
+                <a16:creationId xmlns:a16="http://schemas.microsoft.com/office/drawing/2014/main" id="{8DD4171E-C119-1C4D-BFD4-EDF4AB81CEF3}"/>
               </a:ext>
             </a:extLst>
           </p:cNvPr>
@@ -12166,12 +12547,22 @@
         </p:nvSpPr>
         <p:spPr/>
         <p:txBody>
-          <a:bodyPr/>
+          <a:bodyPr>
+            <a:normAutofit/>
+          </a:bodyPr>
           <a:lstStyle/>
           <a:p>
             <a:r>
               <a:rPr lang="fr-FR" dirty="0"/>
-              <a:t>Gains de performance des différents modèles</a:t>
+              <a:t>Visualisation des performance </a:t>
+            </a:r>
+            <a:r>
+              <a:rPr lang="fr-FR" dirty="0" smtClean="0"/>
+              <a:t>des </a:t>
+            </a:r>
+            <a:r>
+              <a:rPr lang="fr-FR" dirty="0"/>
+              <a:t>différents modèles</a:t>
             </a:r>
           </a:p>
         </p:txBody>
@@ -12181,7 +12572,7 @@
           <p:cNvPr id="5" name="Espace réservé du contenu 4">
             <a:extLst>
               <a:ext uri="{FF2B5EF4-FFF2-40B4-BE49-F238E27FC236}">
-                <a16:creationId xmlns:a16="http://schemas.microsoft.com/office/drawing/2014/main" xmlns="" id="{144B1568-BC4E-BA4A-913E-DE2CBC752D3E}"/>
+                <a16:creationId xmlns:a16="http://schemas.microsoft.com/office/drawing/2014/main" id="{144B1568-BC4E-BA4A-913E-DE2CBC752D3E}"/>
               </a:ext>
             </a:extLst>
           </p:cNvPr>
@@ -12192,12 +12583,31 @@
             <p:ph idx="1"/>
           </p:nvPr>
         </p:nvSpPr>
-        <p:spPr/>
+        <p:spPr>
+          <a:xfrm>
+            <a:off x="2231136" y="2481290"/>
+            <a:ext cx="7729728" cy="523167"/>
+          </a:xfrm>
+        </p:spPr>
         <p:txBody>
-          <a:bodyPr/>
+          <a:bodyPr>
+            <a:noAutofit/>
+          </a:bodyPr>
           <a:lstStyle/>
           <a:p>
-            <a:endParaRPr lang="fr-FR"/>
+            <a:r>
+              <a:rPr lang="fr-FR" dirty="0" smtClean="0"/>
+              <a:t>Enfin, nous avons pu comparer les performances </a:t>
+            </a:r>
+            <a:r>
+              <a:rPr lang="fr-FR" dirty="0"/>
+              <a:t>des </a:t>
+            </a:r>
+            <a:r>
+              <a:rPr lang="fr-FR" dirty="0" smtClean="0"/>
+              <a:t>performances de chaque modèle grâce à l’utilisation d’une courbe roc</a:t>
+            </a:r>
+            <a:endParaRPr lang="fr-FR" dirty="0"/>
           </a:p>
         </p:txBody>
       </p:sp>
@@ -12206,7 +12616,7 @@
           <p:cNvPr id="7" name="Espace réservé du numéro de diapositive 6">
             <a:extLst>
               <a:ext uri="{FF2B5EF4-FFF2-40B4-BE49-F238E27FC236}">
-                <a16:creationId xmlns:a16="http://schemas.microsoft.com/office/drawing/2014/main" xmlns="" id="{4F4109EF-A9A9-3C4A-84FF-E8058350AE94}"/>
+                <a16:creationId xmlns:a16="http://schemas.microsoft.com/office/drawing/2014/main" id="{4F4109EF-A9A9-3C4A-84FF-E8058350AE94}"/>
               </a:ext>
             </a:extLst>
           </p:cNvPr>
@@ -12224,7 +12634,7 @@
           <a:p>
             <a:fld id="{657425C9-886C-2641-B225-862103BFDD44}" type="slidenum">
               <a:rPr lang="fr-FR" smtClean="0"/>
-              <a:t>8</a:t>
+              <a:t>9</a:t>
             </a:fld>
             <a:endParaRPr lang="fr-FR" dirty="0"/>
           </a:p>

--- a/Présentation.pptx
+++ b/Présentation.pptx
@@ -5,7 +5,7 @@
     <p:sldMasterId id="2147483660" r:id="rId1"/>
   </p:sldMasterIdLst>
   <p:notesMasterIdLst>
-    <p:notesMasterId r:id="rId11"/>
+    <p:notesMasterId r:id="rId12"/>
   </p:notesMasterIdLst>
   <p:sldIdLst>
     <p:sldId id="256" r:id="rId2"/>
@@ -17,6 +17,7 @@
     <p:sldId id="263" r:id="rId8"/>
     <p:sldId id="261" r:id="rId9"/>
     <p:sldId id="262" r:id="rId10"/>
+    <p:sldId id="265" r:id="rId11"/>
   </p:sldIdLst>
   <p:sldSz cx="12192000" cy="6858000"/>
   <p:notesSz cx="6858000" cy="9144000"/>
@@ -124,7 +125,7 @@
 </file>
 
 <file path=ppt/charts/chart1.xml><?xml version="1.0" encoding="utf-8"?>
-<c:chartSpace xmlns:c="http://schemas.openxmlformats.org/drawingml/2006/chart" xmlns:a="http://schemas.openxmlformats.org/drawingml/2006/main" xmlns:r="http://schemas.openxmlformats.org/officeDocument/2006/relationships" xmlns:c16r2="http://schemas.microsoft.com/office/drawing/2015/06/chart">
+<c:chartSpace xmlns:c="http://schemas.openxmlformats.org/drawingml/2006/chart" xmlns:a="http://schemas.openxmlformats.org/drawingml/2006/main" xmlns:r="http://schemas.openxmlformats.org/officeDocument/2006/relationships">
   <c:date1904 val="0"/>
   <c:lang val="fr-FR"/>
   <c:roundedCorners val="0"/>
@@ -288,7 +289,7 @@
             <c:showPercent val="0"/>
             <c:showBubbleSize val="0"/>
             <c:showLeaderLines val="0"/>
-            <c:extLst>
+            <c:extLst xmlns:c16r2="http://schemas.microsoft.com/office/drawing/2015/06/chart">
               <c:ext xmlns:c15="http://schemas.microsoft.com/office/drawing/2012/chart" uri="{CE6537A1-D6FC-4f65-9D91-7224C49458BB}">
                 <c15:layout/>
                 <c15:showLeaderLines val="1"/>
@@ -344,7 +345,7 @@
               </c:numCache>
             </c:numRef>
           </c:val>
-          <c:extLst>
+          <c:extLst xmlns:c16r2="http://schemas.microsoft.com/office/drawing/2015/06/chart">
             <c:ext xmlns:c16="http://schemas.microsoft.com/office/drawing/2014/chart" uri="{C3380CC4-5D6E-409C-BE32-E72D297353CC}">
               <c16:uniqueId val="{00000000-C5CE-404F-A574-C07E6AF6F720}"/>
             </c:ext>
@@ -361,11 +362,11 @@
         </c:dLbls>
         <c:gapWidth val="219"/>
         <c:overlap val="-27"/>
-        <c:axId val="-904268160"/>
-        <c:axId val="-904262720"/>
+        <c:axId val="1301639248"/>
+        <c:axId val="1301632176"/>
       </c:barChart>
       <c:catAx>
-        <c:axId val="-904268160"/>
+        <c:axId val="1301639248"/>
         <c:scaling>
           <c:orientation val="minMax"/>
         </c:scaling>
@@ -408,7 +409,7 @@
             <a:endParaRPr lang="fr-FR"/>
           </a:p>
         </c:txPr>
-        <c:crossAx val="-904262720"/>
+        <c:crossAx val="1301632176"/>
         <c:crosses val="autoZero"/>
         <c:auto val="1"/>
         <c:lblAlgn val="ctr"/>
@@ -416,7 +417,7 @@
         <c:noMultiLvlLbl val="0"/>
       </c:catAx>
       <c:valAx>
-        <c:axId val="-904262720"/>
+        <c:axId val="1301632176"/>
         <c:scaling>
           <c:orientation val="minMax"/>
           <c:min val="0"/>
@@ -468,7 +469,7 @@
             <a:endParaRPr lang="fr-FR"/>
           </a:p>
         </c:txPr>
-        <c:crossAx val="-904268160"/>
+        <c:crossAx val="1301639248"/>
         <c:crosses val="autoZero"/>
         <c:crossBetween val="between"/>
       </c:valAx>
@@ -483,7 +484,7 @@
     <c:plotVisOnly val="1"/>
     <c:dispBlanksAs val="gap"/>
     <c:showDLblsOverMax val="0"/>
-    <c:extLst>
+    <c:extLst xmlns:c16r2="http://schemas.microsoft.com/office/drawing/2015/06/chart">
       <c:ext xmlns:c16r3="http://schemas.microsoft.com/office/drawing/2017/03/chart" uri="{56B9EC1D-385E-4148-901F-78D8002777C0}">
         <c16r3:dataDisplayOptions16>
           <c16r3:dispNaAsBlank val="1"/>
@@ -1139,7 +1140,7 @@
           <a:p>
             <a:fld id="{6E9BBF91-4F56-9748-A26B-8747A13D4F51}" type="datetimeFigureOut">
               <a:rPr lang="fr-FR" smtClean="0"/>
-              <a:t>13/02/2019</a:t>
+              <a:t>14/02/2019</a:t>
             </a:fld>
             <a:endParaRPr lang="fr-FR"/>
           </a:p>
@@ -1544,7 +1545,7 @@
           <a:p>
             <a:fld id="{2AB78F83-5559-C044-AA68-0E123D58C767}" type="datetime1">
               <a:rPr lang="fr-FR" smtClean="0"/>
-              <a:t>13/02/2019</a:t>
+              <a:t>14/02/2019</a:t>
             </a:fld>
             <a:endParaRPr lang="fr-FR" dirty="0"/>
           </a:p>
@@ -1690,7 +1691,7 @@
           <a:p>
             <a:fld id="{90517261-0C3A-2745-9CEA-5CA22F9E01B0}" type="datetime1">
               <a:rPr lang="fr-FR" smtClean="0"/>
-              <a:t>13/02/2019</a:t>
+              <a:t>14/02/2019</a:t>
             </a:fld>
             <a:endParaRPr lang="fr-FR" dirty="0"/>
           </a:p>
@@ -1846,7 +1847,7 @@
           <a:p>
             <a:fld id="{F18286B1-F307-C745-AEB9-987F2CB424F2}" type="datetime1">
               <a:rPr lang="fr-FR" smtClean="0"/>
-              <a:t>13/02/2019</a:t>
+              <a:t>14/02/2019</a:t>
             </a:fld>
             <a:endParaRPr lang="fr-FR" dirty="0"/>
           </a:p>
@@ -1992,7 +1993,7 @@
           <a:p>
             <a:fld id="{B2AFBF74-65BE-DF48-86DE-83087258264A}" type="datetime1">
               <a:rPr lang="fr-FR" smtClean="0"/>
-              <a:t>13/02/2019</a:t>
+              <a:t>14/02/2019</a:t>
             </a:fld>
             <a:endParaRPr lang="fr-FR" dirty="0"/>
           </a:p>
@@ -2265,7 +2266,7 @@
           <a:p>
             <a:fld id="{B2E9CA21-F6FB-E840-ABD0-62E20BEA7EAF}" type="datetime1">
               <a:rPr lang="fr-FR" smtClean="0"/>
-              <a:t>13/02/2019</a:t>
+              <a:t>14/02/2019</a:t>
             </a:fld>
             <a:endParaRPr lang="fr-FR" dirty="0"/>
           </a:p>
@@ -2449,7 +2450,7 @@
           <a:p>
             <a:fld id="{187C9D22-8349-7E41-A91B-1D4E35CB12F0}" type="datetime1">
               <a:rPr lang="fr-FR" smtClean="0"/>
-              <a:t>13/02/2019</a:t>
+              <a:t>14/02/2019</a:t>
             </a:fld>
             <a:endParaRPr lang="fr-FR" dirty="0"/>
           </a:p>
@@ -2770,7 +2771,7 @@
           <a:p>
             <a:fld id="{18352F19-05EC-5B47-B975-80B1CEB4A7A1}" type="datetime1">
               <a:rPr lang="fr-FR" smtClean="0"/>
-              <a:t>13/02/2019</a:t>
+              <a:t>14/02/2019</a:t>
             </a:fld>
             <a:endParaRPr lang="fr-FR" dirty="0"/>
           </a:p>
@@ -2911,7 +2912,7 @@
           <a:p>
             <a:fld id="{A746FCB8-83BA-2F43-91A8-1DE14AAC9F80}" type="datetime1">
               <a:rPr lang="fr-FR" smtClean="0"/>
-              <a:t>13/02/2019</a:t>
+              <a:t>14/02/2019</a:t>
             </a:fld>
             <a:endParaRPr lang="fr-FR" dirty="0"/>
           </a:p>
@@ -3006,7 +3007,7 @@
           <a:p>
             <a:fld id="{0F5220B0-A846-E342-A351-C2AD2F1BFAEC}" type="datetime1">
               <a:rPr lang="fr-FR" smtClean="0"/>
-              <a:t>13/02/2019</a:t>
+              <a:t>14/02/2019</a:t>
             </a:fld>
             <a:endParaRPr lang="fr-FR" dirty="0"/>
           </a:p>
@@ -3344,7 +3345,7 @@
           <a:p>
             <a:fld id="{F1C6DD0A-BDDB-E446-B442-31ACE69774EE}" type="datetime1">
               <a:rPr lang="fr-FR" smtClean="0"/>
-              <a:t>13/02/2019</a:t>
+              <a:t>14/02/2019</a:t>
             </a:fld>
             <a:endParaRPr lang="fr-FR" dirty="0"/>
           </a:p>
@@ -3706,7 +3707,7 @@
           <a:p>
             <a:fld id="{EDEAD0E9-EB0B-944A-8EB2-FE7B8466155F}" type="datetime1">
               <a:rPr lang="fr-FR" smtClean="0"/>
-              <a:t>13/02/2019</a:t>
+              <a:t>14/02/2019</a:t>
             </a:fld>
             <a:endParaRPr lang="fr-FR" dirty="0"/>
           </a:p>
@@ -3947,7 +3948,7 @@
           <a:p>
             <a:fld id="{B8F0268D-ACC3-9E42-82A6-5A785B92DCCE}" type="datetime1">
               <a:rPr lang="fr-FR" smtClean="0"/>
-              <a:t>13/02/2019</a:t>
+              <a:t>14/02/2019</a:t>
             </a:fld>
             <a:endParaRPr lang="fr-FR" dirty="0"/>
           </a:p>
@@ -4405,7 +4406,7 @@
           <p:cNvPr id="2" name="Titre 1">
             <a:extLst>
               <a:ext uri="{FF2B5EF4-FFF2-40B4-BE49-F238E27FC236}">
-                <a16:creationId xmlns:a16="http://schemas.microsoft.com/office/drawing/2014/main" id="{05CC4D00-1D0A-BF45-8B9D-BF7AA05F2654}"/>
+                <a16:creationId xmlns:a16="http://schemas.microsoft.com/office/drawing/2014/main" xmlns="" id="{05CC4D00-1D0A-BF45-8B9D-BF7AA05F2654}"/>
               </a:ext>
             </a:extLst>
           </p:cNvPr>
@@ -4450,7 +4451,7 @@
           <p:cNvPr id="3" name="Sous-titre 2">
             <a:extLst>
               <a:ext uri="{FF2B5EF4-FFF2-40B4-BE49-F238E27FC236}">
-                <a16:creationId xmlns:a16="http://schemas.microsoft.com/office/drawing/2014/main" id="{433AD458-705C-CA4B-A4C6-06F57CF122CF}"/>
+                <a16:creationId xmlns:a16="http://schemas.microsoft.com/office/drawing/2014/main" xmlns="" id="{433AD458-705C-CA4B-A4C6-06F57CF122CF}"/>
               </a:ext>
             </a:extLst>
           </p:cNvPr>
@@ -4500,7 +4501,7 @@
           <p:cNvPr id="6" name="Espace réservé du numéro de diapositive 5">
             <a:extLst>
               <a:ext uri="{FF2B5EF4-FFF2-40B4-BE49-F238E27FC236}">
-                <a16:creationId xmlns:a16="http://schemas.microsoft.com/office/drawing/2014/main" id="{9521DACC-5FC5-1B4F-8DB6-7C8F04E60021}"/>
+                <a16:creationId xmlns:a16="http://schemas.microsoft.com/office/drawing/2014/main" xmlns="" id="{9521DACC-5FC5-1B4F-8DB6-7C8F04E60021}"/>
               </a:ext>
             </a:extLst>
           </p:cNvPr>
@@ -4542,6 +4543,101 @@
 </p:sld>
 </file>
 
+<file path=ppt/slides/slide10.xml><?xml version="1.0" encoding="utf-8"?>
+<p:sld xmlns:a="http://schemas.openxmlformats.org/drawingml/2006/main" xmlns:r="http://schemas.openxmlformats.org/officeDocument/2006/relationships" xmlns:p="http://schemas.openxmlformats.org/presentationml/2006/main">
+  <p:cSld>
+    <p:spTree>
+      <p:nvGrpSpPr>
+        <p:cNvPr id="1" name=""/>
+        <p:cNvGrpSpPr/>
+        <p:nvPr/>
+      </p:nvGrpSpPr>
+      <p:grpSpPr>
+        <a:xfrm>
+          <a:off x="0" y="0"/>
+          <a:ext cx="0" cy="0"/>
+          <a:chOff x="0" y="0"/>
+          <a:chExt cx="0" cy="0"/>
+        </a:xfrm>
+      </p:grpSpPr>
+      <p:sp>
+        <p:nvSpPr>
+          <p:cNvPr id="2" name="Titre 1"/>
+          <p:cNvSpPr>
+            <a:spLocks noGrp="1"/>
+          </p:cNvSpPr>
+          <p:nvPr>
+            <p:ph type="title"/>
+          </p:nvPr>
+        </p:nvSpPr>
+        <p:spPr/>
+        <p:txBody>
+          <a:bodyPr/>
+          <a:lstStyle/>
+          <a:p>
+            <a:r>
+              <a:rPr lang="fr-FR" dirty="0"/>
+              <a:t>gains de performance des différents modèles</a:t>
+            </a:r>
+            <a:endParaRPr lang="fr-FR" dirty="0"/>
+          </a:p>
+        </p:txBody>
+      </p:sp>
+      <p:sp>
+        <p:nvSpPr>
+          <p:cNvPr id="3" name="Espace réservé du contenu 2"/>
+          <p:cNvSpPr>
+            <a:spLocks noGrp="1"/>
+          </p:cNvSpPr>
+          <p:nvPr>
+            <p:ph idx="1"/>
+          </p:nvPr>
+        </p:nvSpPr>
+        <p:spPr/>
+        <p:txBody>
+          <a:bodyPr/>
+          <a:lstStyle/>
+          <a:p>
+            <a:endParaRPr lang="fr-FR"/>
+          </a:p>
+        </p:txBody>
+      </p:sp>
+      <p:sp>
+        <p:nvSpPr>
+          <p:cNvPr id="4" name="Espace réservé du numéro de diapositive 3"/>
+          <p:cNvSpPr>
+            <a:spLocks noGrp="1"/>
+          </p:cNvSpPr>
+          <p:nvPr>
+            <p:ph type="sldNum" sz="quarter" idx="12"/>
+          </p:nvPr>
+        </p:nvSpPr>
+        <p:spPr/>
+        <p:txBody>
+          <a:bodyPr/>
+          <a:lstStyle/>
+          <a:p>
+            <a:fld id="{657425C9-886C-2641-B225-862103BFDD44}" type="slidenum">
+              <a:rPr lang="fr-FR" smtClean="0"/>
+              <a:t>10</a:t>
+            </a:fld>
+            <a:endParaRPr lang="fr-FR" dirty="0"/>
+          </a:p>
+        </p:txBody>
+      </p:sp>
+    </p:spTree>
+    <p:extLst>
+      <p:ext uri="{BB962C8B-B14F-4D97-AF65-F5344CB8AC3E}">
+        <p14:creationId xmlns:p14="http://schemas.microsoft.com/office/powerpoint/2010/main" val="1591156984"/>
+      </p:ext>
+    </p:extLst>
+  </p:cSld>
+  <p:clrMapOvr>
+    <a:masterClrMapping/>
+  </p:clrMapOvr>
+</p:sld>
+</file>
+
 <file path=ppt/slides/slide2.xml><?xml version="1.0" encoding="utf-8"?>
 <p:sld xmlns:a="http://schemas.openxmlformats.org/drawingml/2006/main" xmlns:r="http://schemas.openxmlformats.org/officeDocument/2006/relationships" xmlns:p="http://schemas.openxmlformats.org/presentationml/2006/main">
   <p:cSld>
@@ -4564,7 +4660,7 @@
           <p:cNvPr id="2" name="Titre 1">
             <a:extLst>
               <a:ext uri="{FF2B5EF4-FFF2-40B4-BE49-F238E27FC236}">
-                <a16:creationId xmlns:a16="http://schemas.microsoft.com/office/drawing/2014/main" id="{B9F882C9-B250-A946-AB74-1704EB99CEAD}"/>
+                <a16:creationId xmlns:a16="http://schemas.microsoft.com/office/drawing/2014/main" xmlns="" id="{B9F882C9-B250-A946-AB74-1704EB99CEAD}"/>
               </a:ext>
             </a:extLst>
           </p:cNvPr>
@@ -4592,7 +4688,7 @@
           <p:cNvPr id="3" name="Espace réservé du contenu 2">
             <a:extLst>
               <a:ext uri="{FF2B5EF4-FFF2-40B4-BE49-F238E27FC236}">
-                <a16:creationId xmlns:a16="http://schemas.microsoft.com/office/drawing/2014/main" id="{DFF269D7-C316-BE49-997E-D898F472548A}"/>
+                <a16:creationId xmlns:a16="http://schemas.microsoft.com/office/drawing/2014/main" xmlns="" id="{DFF269D7-C316-BE49-997E-D898F472548A}"/>
               </a:ext>
             </a:extLst>
           </p:cNvPr>
@@ -4628,7 +4724,7 @@
           <p:cNvPr id="5" name="Espace réservé du numéro de diapositive 4">
             <a:extLst>
               <a:ext uri="{FF2B5EF4-FFF2-40B4-BE49-F238E27FC236}">
-                <a16:creationId xmlns:a16="http://schemas.microsoft.com/office/drawing/2014/main" id="{1A5E22D8-D1F2-C147-B9FD-A2AE54B9AADE}"/>
+                <a16:creationId xmlns:a16="http://schemas.microsoft.com/office/drawing/2014/main" xmlns="" id="{1A5E22D8-D1F2-C147-B9FD-A2AE54B9AADE}"/>
               </a:ext>
             </a:extLst>
           </p:cNvPr>
@@ -4692,7 +4788,7 @@
           <p:cNvPr id="2" name="Titre 1">
             <a:extLst>
               <a:ext uri="{FF2B5EF4-FFF2-40B4-BE49-F238E27FC236}">
-                <a16:creationId xmlns:a16="http://schemas.microsoft.com/office/drawing/2014/main" id="{A8E8E543-60E7-444E-B22D-25C5FCF4B041}"/>
+                <a16:creationId xmlns:a16="http://schemas.microsoft.com/office/drawing/2014/main" xmlns="" id="{A8E8E543-60E7-444E-B22D-25C5FCF4B041}"/>
               </a:ext>
             </a:extLst>
           </p:cNvPr>
@@ -4720,7 +4816,7 @@
           <p:cNvPr id="3" name="Espace réservé du contenu 2">
             <a:extLst>
               <a:ext uri="{FF2B5EF4-FFF2-40B4-BE49-F238E27FC236}">
-                <a16:creationId xmlns:a16="http://schemas.microsoft.com/office/drawing/2014/main" id="{4A9032D4-5BC9-3246-8EA9-BA44CCA66084}"/>
+                <a16:creationId xmlns:a16="http://schemas.microsoft.com/office/drawing/2014/main" xmlns="" id="{4A9032D4-5BC9-3246-8EA9-BA44CCA66084}"/>
               </a:ext>
             </a:extLst>
           </p:cNvPr>
@@ -4775,7 +4871,7 @@
           <p:cNvPr id="6" name="Espace réservé du numéro de diapositive 5">
             <a:extLst>
               <a:ext uri="{FF2B5EF4-FFF2-40B4-BE49-F238E27FC236}">
-                <a16:creationId xmlns:a16="http://schemas.microsoft.com/office/drawing/2014/main" id="{009BDB48-2E17-BD42-A4D8-3B7A6E247681}"/>
+                <a16:creationId xmlns:a16="http://schemas.microsoft.com/office/drawing/2014/main" xmlns="" id="{009BDB48-2E17-BD42-A4D8-3B7A6E247681}"/>
               </a:ext>
             </a:extLst>
           </p:cNvPr>
@@ -4834,7 +4930,7 @@
           <p:cNvPr id="2" name="Titre 1">
             <a:extLst>
               <a:ext uri="{FF2B5EF4-FFF2-40B4-BE49-F238E27FC236}">
-                <a16:creationId xmlns:a16="http://schemas.microsoft.com/office/drawing/2014/main" id="{9FE9C4AB-B295-9142-9FAA-EE846FCCFA98}"/>
+                <a16:creationId xmlns:a16="http://schemas.microsoft.com/office/drawing/2014/main" xmlns="" id="{9FE9C4AB-B295-9142-9FAA-EE846FCCFA98}"/>
               </a:ext>
             </a:extLst>
           </p:cNvPr>
@@ -4867,7 +4963,7 @@
           <p:cNvPr id="5" name="Espace réservé du contenu 4">
             <a:extLst>
               <a:ext uri="{FF2B5EF4-FFF2-40B4-BE49-F238E27FC236}">
-                <a16:creationId xmlns:a16="http://schemas.microsoft.com/office/drawing/2014/main" id="{9D3D5679-4B32-DA4A-BCD7-B221BF4A8AD3}"/>
+                <a16:creationId xmlns:a16="http://schemas.microsoft.com/office/drawing/2014/main" xmlns="" id="{9D3D5679-4B32-DA4A-BCD7-B221BF4A8AD3}"/>
               </a:ext>
             </a:extLst>
           </p:cNvPr>
@@ -4895,56 +4991,56 @@
                 <a:gridCol w="1250577">
                   <a:extLst>
                     <a:ext uri="{9D8B030D-6E8A-4147-A177-3AD203B41FA5}">
-                      <a16:colId xmlns:a16="http://schemas.microsoft.com/office/drawing/2014/main" val="850832691"/>
+                      <a16:colId xmlns:a16="http://schemas.microsoft.com/office/drawing/2014/main" xmlns="" val="850832691"/>
                     </a:ext>
                   </a:extLst>
                 </a:gridCol>
                 <a:gridCol w="1250577">
                   <a:extLst>
                     <a:ext uri="{9D8B030D-6E8A-4147-A177-3AD203B41FA5}">
-                      <a16:colId xmlns:a16="http://schemas.microsoft.com/office/drawing/2014/main" val="1132690893"/>
+                      <a16:colId xmlns:a16="http://schemas.microsoft.com/office/drawing/2014/main" xmlns="" val="1132690893"/>
                     </a:ext>
                   </a:extLst>
                 </a:gridCol>
                 <a:gridCol w="416491">
                   <a:extLst>
                     <a:ext uri="{9D8B030D-6E8A-4147-A177-3AD203B41FA5}">
-                      <a16:colId xmlns:a16="http://schemas.microsoft.com/office/drawing/2014/main" val="2186217044"/>
+                      <a16:colId xmlns:a16="http://schemas.microsoft.com/office/drawing/2014/main" xmlns="" val="2186217044"/>
                     </a:ext>
                   </a:extLst>
                 </a:gridCol>
                 <a:gridCol w="417043">
                   <a:extLst>
                     <a:ext uri="{9D8B030D-6E8A-4147-A177-3AD203B41FA5}">
-                      <a16:colId xmlns:a16="http://schemas.microsoft.com/office/drawing/2014/main" val="2177101822"/>
+                      <a16:colId xmlns:a16="http://schemas.microsoft.com/office/drawing/2014/main" xmlns="" val="2177101822"/>
                     </a:ext>
                   </a:extLst>
                 </a:gridCol>
                 <a:gridCol w="417043">
                   <a:extLst>
                     <a:ext uri="{9D8B030D-6E8A-4147-A177-3AD203B41FA5}">
-                      <a16:colId xmlns:a16="http://schemas.microsoft.com/office/drawing/2014/main" val="1906549384"/>
+                      <a16:colId xmlns:a16="http://schemas.microsoft.com/office/drawing/2014/main" xmlns="" val="1906549384"/>
                     </a:ext>
                   </a:extLst>
                 </a:gridCol>
                 <a:gridCol w="416491">
                   <a:extLst>
                     <a:ext uri="{9D8B030D-6E8A-4147-A177-3AD203B41FA5}">
-                      <a16:colId xmlns:a16="http://schemas.microsoft.com/office/drawing/2014/main" val="4231969336"/>
+                      <a16:colId xmlns:a16="http://schemas.microsoft.com/office/drawing/2014/main" xmlns="" val="4231969336"/>
                     </a:ext>
                   </a:extLst>
                 </a:gridCol>
                 <a:gridCol w="417043">
                   <a:extLst>
                     <a:ext uri="{9D8B030D-6E8A-4147-A177-3AD203B41FA5}">
-                      <a16:colId xmlns:a16="http://schemas.microsoft.com/office/drawing/2014/main" val="1756476618"/>
+                      <a16:colId xmlns:a16="http://schemas.microsoft.com/office/drawing/2014/main" xmlns="" val="1756476618"/>
                     </a:ext>
                   </a:extLst>
                 </a:gridCol>
                 <a:gridCol w="417043">
                   <a:extLst>
                     <a:ext uri="{9D8B030D-6E8A-4147-A177-3AD203B41FA5}">
-                      <a16:colId xmlns:a16="http://schemas.microsoft.com/office/drawing/2014/main" val="2481999052"/>
+                      <a16:colId xmlns:a16="http://schemas.microsoft.com/office/drawing/2014/main" xmlns="" val="2481999052"/>
                     </a:ext>
                   </a:extLst>
                 </a:gridCol>
@@ -5160,7 +5256,7 @@
                 </a:tc>
                 <a:extLst>
                   <a:ext uri="{0D108BD9-81ED-4DB2-BD59-A6C34878D82A}">
-                    <a16:rowId xmlns:a16="http://schemas.microsoft.com/office/drawing/2014/main" val="1695999596"/>
+                    <a16:rowId xmlns:a16="http://schemas.microsoft.com/office/drawing/2014/main" xmlns="" val="1695999596"/>
                   </a:ext>
                 </a:extLst>
               </a:tr>
@@ -5683,7 +5779,7 @@
                 </a:tc>
                 <a:extLst>
                   <a:ext uri="{0D108BD9-81ED-4DB2-BD59-A6C34878D82A}">
-                    <a16:rowId xmlns:a16="http://schemas.microsoft.com/office/drawing/2014/main" val="965346549"/>
+                    <a16:rowId xmlns:a16="http://schemas.microsoft.com/office/drawing/2014/main" xmlns="" val="965346549"/>
                   </a:ext>
                 </a:extLst>
               </a:tr>
@@ -5942,7 +6038,7 @@
                 </a:tc>
                 <a:extLst>
                   <a:ext uri="{0D108BD9-81ED-4DB2-BD59-A6C34878D82A}">
-                    <a16:rowId xmlns:a16="http://schemas.microsoft.com/office/drawing/2014/main" val="1888850736"/>
+                    <a16:rowId xmlns:a16="http://schemas.microsoft.com/office/drawing/2014/main" xmlns="" val="1888850736"/>
                   </a:ext>
                 </a:extLst>
               </a:tr>
@@ -6132,7 +6228,7 @@
                 </a:tc>
                 <a:extLst>
                   <a:ext uri="{0D108BD9-81ED-4DB2-BD59-A6C34878D82A}">
-                    <a16:rowId xmlns:a16="http://schemas.microsoft.com/office/drawing/2014/main" val="2664577165"/>
+                    <a16:rowId xmlns:a16="http://schemas.microsoft.com/office/drawing/2014/main" xmlns="" val="2664577165"/>
                   </a:ext>
                 </a:extLst>
               </a:tr>
@@ -6322,7 +6418,7 @@
                 </a:tc>
                 <a:extLst>
                   <a:ext uri="{0D108BD9-81ED-4DB2-BD59-A6C34878D82A}">
-                    <a16:rowId xmlns:a16="http://schemas.microsoft.com/office/drawing/2014/main" val="2740427379"/>
+                    <a16:rowId xmlns:a16="http://schemas.microsoft.com/office/drawing/2014/main" xmlns="" val="2740427379"/>
                   </a:ext>
                 </a:extLst>
               </a:tr>
@@ -6512,7 +6608,7 @@
                 </a:tc>
                 <a:extLst>
                   <a:ext uri="{0D108BD9-81ED-4DB2-BD59-A6C34878D82A}">
-                    <a16:rowId xmlns:a16="http://schemas.microsoft.com/office/drawing/2014/main" val="3791420781"/>
+                    <a16:rowId xmlns:a16="http://schemas.microsoft.com/office/drawing/2014/main" xmlns="" val="3791420781"/>
                   </a:ext>
                 </a:extLst>
               </a:tr>
@@ -6771,7 +6867,7 @@
                 </a:tc>
                 <a:extLst>
                   <a:ext uri="{0D108BD9-81ED-4DB2-BD59-A6C34878D82A}">
-                    <a16:rowId xmlns:a16="http://schemas.microsoft.com/office/drawing/2014/main" val="705831554"/>
+                    <a16:rowId xmlns:a16="http://schemas.microsoft.com/office/drawing/2014/main" xmlns="" val="705831554"/>
                   </a:ext>
                 </a:extLst>
               </a:tr>
@@ -6961,7 +7057,7 @@
                 </a:tc>
                 <a:extLst>
                   <a:ext uri="{0D108BD9-81ED-4DB2-BD59-A6C34878D82A}">
-                    <a16:rowId xmlns:a16="http://schemas.microsoft.com/office/drawing/2014/main" val="1605372123"/>
+                    <a16:rowId xmlns:a16="http://schemas.microsoft.com/office/drawing/2014/main" xmlns="" val="1605372123"/>
                   </a:ext>
                 </a:extLst>
               </a:tr>
@@ -7151,7 +7247,7 @@
                 </a:tc>
                 <a:extLst>
                   <a:ext uri="{0D108BD9-81ED-4DB2-BD59-A6C34878D82A}">
-                    <a16:rowId xmlns:a16="http://schemas.microsoft.com/office/drawing/2014/main" val="3517587798"/>
+                    <a16:rowId xmlns:a16="http://schemas.microsoft.com/office/drawing/2014/main" xmlns="" val="3517587798"/>
                   </a:ext>
                 </a:extLst>
               </a:tr>
@@ -7341,7 +7437,7 @@
                 </a:tc>
                 <a:extLst>
                   <a:ext uri="{0D108BD9-81ED-4DB2-BD59-A6C34878D82A}">
-                    <a16:rowId xmlns:a16="http://schemas.microsoft.com/office/drawing/2014/main" val="2673247585"/>
+                    <a16:rowId xmlns:a16="http://schemas.microsoft.com/office/drawing/2014/main" xmlns="" val="2673247585"/>
                   </a:ext>
                 </a:extLst>
               </a:tr>
@@ -7600,7 +7696,7 @@
                 </a:tc>
                 <a:extLst>
                   <a:ext uri="{0D108BD9-81ED-4DB2-BD59-A6C34878D82A}">
-                    <a16:rowId xmlns:a16="http://schemas.microsoft.com/office/drawing/2014/main" val="4173908967"/>
+                    <a16:rowId xmlns:a16="http://schemas.microsoft.com/office/drawing/2014/main" xmlns="" val="4173908967"/>
                   </a:ext>
                 </a:extLst>
               </a:tr>
@@ -7790,7 +7886,7 @@
                 </a:tc>
                 <a:extLst>
                   <a:ext uri="{0D108BD9-81ED-4DB2-BD59-A6C34878D82A}">
-                    <a16:rowId xmlns:a16="http://schemas.microsoft.com/office/drawing/2014/main" val="2701914732"/>
+                    <a16:rowId xmlns:a16="http://schemas.microsoft.com/office/drawing/2014/main" xmlns="" val="2701914732"/>
                   </a:ext>
                 </a:extLst>
               </a:tr>
@@ -7980,7 +8076,7 @@
                 </a:tc>
                 <a:extLst>
                   <a:ext uri="{0D108BD9-81ED-4DB2-BD59-A6C34878D82A}">
-                    <a16:rowId xmlns:a16="http://schemas.microsoft.com/office/drawing/2014/main" val="1449348264"/>
+                    <a16:rowId xmlns:a16="http://schemas.microsoft.com/office/drawing/2014/main" xmlns="" val="1449348264"/>
                   </a:ext>
                 </a:extLst>
               </a:tr>
@@ -8170,7 +8266,7 @@
                 </a:tc>
                 <a:extLst>
                   <a:ext uri="{0D108BD9-81ED-4DB2-BD59-A6C34878D82A}">
-                    <a16:rowId xmlns:a16="http://schemas.microsoft.com/office/drawing/2014/main" val="2357274963"/>
+                    <a16:rowId xmlns:a16="http://schemas.microsoft.com/office/drawing/2014/main" xmlns="" val="2357274963"/>
                   </a:ext>
                 </a:extLst>
               </a:tr>
@@ -8429,7 +8525,7 @@
                 </a:tc>
                 <a:extLst>
                   <a:ext uri="{0D108BD9-81ED-4DB2-BD59-A6C34878D82A}">
-                    <a16:rowId xmlns:a16="http://schemas.microsoft.com/office/drawing/2014/main" val="3476229337"/>
+                    <a16:rowId xmlns:a16="http://schemas.microsoft.com/office/drawing/2014/main" xmlns="" val="3476229337"/>
                   </a:ext>
                 </a:extLst>
               </a:tr>
@@ -8619,7 +8715,7 @@
                 </a:tc>
                 <a:extLst>
                   <a:ext uri="{0D108BD9-81ED-4DB2-BD59-A6C34878D82A}">
-                    <a16:rowId xmlns:a16="http://schemas.microsoft.com/office/drawing/2014/main" val="980358888"/>
+                    <a16:rowId xmlns:a16="http://schemas.microsoft.com/office/drawing/2014/main" xmlns="" val="980358888"/>
                   </a:ext>
                 </a:extLst>
               </a:tr>
@@ -8809,7 +8905,7 @@
                 </a:tc>
                 <a:extLst>
                   <a:ext uri="{0D108BD9-81ED-4DB2-BD59-A6C34878D82A}">
-                    <a16:rowId xmlns:a16="http://schemas.microsoft.com/office/drawing/2014/main" val="302863709"/>
+                    <a16:rowId xmlns:a16="http://schemas.microsoft.com/office/drawing/2014/main" xmlns="" val="302863709"/>
                   </a:ext>
                 </a:extLst>
               </a:tr>
@@ -8999,7 +9095,7 @@
                 </a:tc>
                 <a:extLst>
                   <a:ext uri="{0D108BD9-81ED-4DB2-BD59-A6C34878D82A}">
-                    <a16:rowId xmlns:a16="http://schemas.microsoft.com/office/drawing/2014/main" val="906717568"/>
+                    <a16:rowId xmlns:a16="http://schemas.microsoft.com/office/drawing/2014/main" xmlns="" val="906717568"/>
                   </a:ext>
                 </a:extLst>
               </a:tr>
@@ -9012,7 +9108,7 @@
           <p:cNvPr id="7" name="Rectangle 6">
             <a:extLst>
               <a:ext uri="{FF2B5EF4-FFF2-40B4-BE49-F238E27FC236}">
-                <a16:creationId xmlns:a16="http://schemas.microsoft.com/office/drawing/2014/main" id="{0E3E2676-13D7-B441-9A75-1B2269D69B83}"/>
+                <a16:creationId xmlns:a16="http://schemas.microsoft.com/office/drawing/2014/main" xmlns="" id="{0E3E2676-13D7-B441-9A75-1B2269D69B83}"/>
               </a:ext>
             </a:extLst>
           </p:cNvPr>
@@ -9046,7 +9142,7 @@
           <p:cNvPr id="8" name="Rectangle 7">
             <a:extLst>
               <a:ext uri="{FF2B5EF4-FFF2-40B4-BE49-F238E27FC236}">
-                <a16:creationId xmlns:a16="http://schemas.microsoft.com/office/drawing/2014/main" id="{03892D3B-E89C-2543-AD47-89B1E8785ADD}"/>
+                <a16:creationId xmlns:a16="http://schemas.microsoft.com/office/drawing/2014/main" xmlns="" id="{03892D3B-E89C-2543-AD47-89B1E8785ADD}"/>
               </a:ext>
             </a:extLst>
           </p:cNvPr>
@@ -9080,7 +9176,7 @@
           <p:cNvPr id="9" name="Tableau 8">
             <a:extLst>
               <a:ext uri="{FF2B5EF4-FFF2-40B4-BE49-F238E27FC236}">
-                <a16:creationId xmlns:a16="http://schemas.microsoft.com/office/drawing/2014/main" id="{5F4A634D-0ADD-5646-996B-F558E1740B2E}"/>
+                <a16:creationId xmlns:a16="http://schemas.microsoft.com/office/drawing/2014/main" xmlns="" id="{5F4A634D-0ADD-5646-996B-F558E1740B2E}"/>
               </a:ext>
             </a:extLst>
           </p:cNvPr>
@@ -9109,21 +9205,21 @@
                 <a:gridCol w="1787071">
                   <a:extLst>
                     <a:ext uri="{9D8B030D-6E8A-4147-A177-3AD203B41FA5}">
-                      <a16:colId xmlns:a16="http://schemas.microsoft.com/office/drawing/2014/main" val="2223493793"/>
+                      <a16:colId xmlns:a16="http://schemas.microsoft.com/office/drawing/2014/main" xmlns="" val="2223493793"/>
                     </a:ext>
                   </a:extLst>
                 </a:gridCol>
                 <a:gridCol w="1787071">
                   <a:extLst>
                     <a:ext uri="{9D8B030D-6E8A-4147-A177-3AD203B41FA5}">
-                      <a16:colId xmlns:a16="http://schemas.microsoft.com/office/drawing/2014/main" val="3299032620"/>
+                      <a16:colId xmlns:a16="http://schemas.microsoft.com/office/drawing/2014/main" xmlns="" val="3299032620"/>
                     </a:ext>
                   </a:extLst>
                 </a:gridCol>
                 <a:gridCol w="1428166">
                   <a:extLst>
                     <a:ext uri="{9D8B030D-6E8A-4147-A177-3AD203B41FA5}">
-                      <a16:colId xmlns:a16="http://schemas.microsoft.com/office/drawing/2014/main" val="4240033064"/>
+                      <a16:colId xmlns:a16="http://schemas.microsoft.com/office/drawing/2014/main" xmlns="" val="4240033064"/>
                     </a:ext>
                   </a:extLst>
                 </a:gridCol>
@@ -9209,7 +9305,7 @@
                 </a:tc>
                 <a:extLst>
                   <a:ext uri="{0D108BD9-81ED-4DB2-BD59-A6C34878D82A}">
-                    <a16:rowId xmlns:a16="http://schemas.microsoft.com/office/drawing/2014/main" val="2811668438"/>
+                    <a16:rowId xmlns:a16="http://schemas.microsoft.com/office/drawing/2014/main" xmlns="" val="2811668438"/>
                   </a:ext>
                 </a:extLst>
               </a:tr>
@@ -9320,7 +9416,7 @@
                 </a:tc>
                 <a:extLst>
                   <a:ext uri="{0D108BD9-81ED-4DB2-BD59-A6C34878D82A}">
-                    <a16:rowId xmlns:a16="http://schemas.microsoft.com/office/drawing/2014/main" val="549622984"/>
+                    <a16:rowId xmlns:a16="http://schemas.microsoft.com/office/drawing/2014/main" xmlns="" val="549622984"/>
                   </a:ext>
                 </a:extLst>
               </a:tr>
@@ -9389,7 +9485,7 @@
                 </a:tc>
                 <a:extLst>
                   <a:ext uri="{0D108BD9-81ED-4DB2-BD59-A6C34878D82A}">
-                    <a16:rowId xmlns:a16="http://schemas.microsoft.com/office/drawing/2014/main" val="2232771799"/>
+                    <a16:rowId xmlns:a16="http://schemas.microsoft.com/office/drawing/2014/main" xmlns="" val="2232771799"/>
                   </a:ext>
                 </a:extLst>
               </a:tr>
@@ -9458,7 +9554,7 @@
                 </a:tc>
                 <a:extLst>
                   <a:ext uri="{0D108BD9-81ED-4DB2-BD59-A6C34878D82A}">
-                    <a16:rowId xmlns:a16="http://schemas.microsoft.com/office/drawing/2014/main" val="325289075"/>
+                    <a16:rowId xmlns:a16="http://schemas.microsoft.com/office/drawing/2014/main" xmlns="" val="325289075"/>
                   </a:ext>
                 </a:extLst>
               </a:tr>
@@ -9527,7 +9623,7 @@
                 </a:tc>
                 <a:extLst>
                   <a:ext uri="{0D108BD9-81ED-4DB2-BD59-A6C34878D82A}">
-                    <a16:rowId xmlns:a16="http://schemas.microsoft.com/office/drawing/2014/main" val="4023378066"/>
+                    <a16:rowId xmlns:a16="http://schemas.microsoft.com/office/drawing/2014/main" xmlns="" val="4023378066"/>
                   </a:ext>
                 </a:extLst>
               </a:tr>
@@ -9614,7 +9710,7 @@
                 </a:tc>
                 <a:extLst>
                   <a:ext uri="{0D108BD9-81ED-4DB2-BD59-A6C34878D82A}">
-                    <a16:rowId xmlns:a16="http://schemas.microsoft.com/office/drawing/2014/main" val="4024665527"/>
+                    <a16:rowId xmlns:a16="http://schemas.microsoft.com/office/drawing/2014/main" xmlns="" val="4024665527"/>
                   </a:ext>
                 </a:extLst>
               </a:tr>
@@ -9737,7 +9833,7 @@
                 </a:tc>
                 <a:extLst>
                   <a:ext uri="{0D108BD9-81ED-4DB2-BD59-A6C34878D82A}">
-                    <a16:rowId xmlns:a16="http://schemas.microsoft.com/office/drawing/2014/main" val="3891124101"/>
+                    <a16:rowId xmlns:a16="http://schemas.microsoft.com/office/drawing/2014/main" xmlns="" val="3891124101"/>
                   </a:ext>
                 </a:extLst>
               </a:tr>
@@ -9806,7 +9902,7 @@
                 </a:tc>
                 <a:extLst>
                   <a:ext uri="{0D108BD9-81ED-4DB2-BD59-A6C34878D82A}">
-                    <a16:rowId xmlns:a16="http://schemas.microsoft.com/office/drawing/2014/main" val="2685229706"/>
+                    <a16:rowId xmlns:a16="http://schemas.microsoft.com/office/drawing/2014/main" xmlns="" val="2685229706"/>
                   </a:ext>
                 </a:extLst>
               </a:tr>
@@ -9875,7 +9971,7 @@
                 </a:tc>
                 <a:extLst>
                   <a:ext uri="{0D108BD9-81ED-4DB2-BD59-A6C34878D82A}">
-                    <a16:rowId xmlns:a16="http://schemas.microsoft.com/office/drawing/2014/main" val="749560974"/>
+                    <a16:rowId xmlns:a16="http://schemas.microsoft.com/office/drawing/2014/main" xmlns="" val="749560974"/>
                   </a:ext>
                 </a:extLst>
               </a:tr>
@@ -9944,7 +10040,7 @@
                 </a:tc>
                 <a:extLst>
                   <a:ext uri="{0D108BD9-81ED-4DB2-BD59-A6C34878D82A}">
-                    <a16:rowId xmlns:a16="http://schemas.microsoft.com/office/drawing/2014/main" val="1339990965"/>
+                    <a16:rowId xmlns:a16="http://schemas.microsoft.com/office/drawing/2014/main" xmlns="" val="1339990965"/>
                   </a:ext>
                 </a:extLst>
               </a:tr>
@@ -10013,7 +10109,7 @@
                 </a:tc>
                 <a:extLst>
                   <a:ext uri="{0D108BD9-81ED-4DB2-BD59-A6C34878D82A}">
-                    <a16:rowId xmlns:a16="http://schemas.microsoft.com/office/drawing/2014/main" val="434965399"/>
+                    <a16:rowId xmlns:a16="http://schemas.microsoft.com/office/drawing/2014/main" xmlns="" val="434965399"/>
                   </a:ext>
                 </a:extLst>
               </a:tr>
@@ -10100,7 +10196,7 @@
                 </a:tc>
                 <a:extLst>
                   <a:ext uri="{0D108BD9-81ED-4DB2-BD59-A6C34878D82A}">
-                    <a16:rowId xmlns:a16="http://schemas.microsoft.com/office/drawing/2014/main" val="630645876"/>
+                    <a16:rowId xmlns:a16="http://schemas.microsoft.com/office/drawing/2014/main" xmlns="" val="630645876"/>
                   </a:ext>
                 </a:extLst>
               </a:tr>
@@ -10216,7 +10312,7 @@
                 </a:tc>
                 <a:extLst>
                   <a:ext uri="{0D108BD9-81ED-4DB2-BD59-A6C34878D82A}">
-                    <a16:rowId xmlns:a16="http://schemas.microsoft.com/office/drawing/2014/main" val="1852237273"/>
+                    <a16:rowId xmlns:a16="http://schemas.microsoft.com/office/drawing/2014/main" xmlns="" val="1852237273"/>
                   </a:ext>
                 </a:extLst>
               </a:tr>
@@ -10285,7 +10381,7 @@
                 </a:tc>
                 <a:extLst>
                   <a:ext uri="{0D108BD9-81ED-4DB2-BD59-A6C34878D82A}">
-                    <a16:rowId xmlns:a16="http://schemas.microsoft.com/office/drawing/2014/main" val="1840345312"/>
+                    <a16:rowId xmlns:a16="http://schemas.microsoft.com/office/drawing/2014/main" xmlns="" val="1840345312"/>
                   </a:ext>
                 </a:extLst>
               </a:tr>
@@ -10354,7 +10450,7 @@
                 </a:tc>
                 <a:extLst>
                   <a:ext uri="{0D108BD9-81ED-4DB2-BD59-A6C34878D82A}">
-                    <a16:rowId xmlns:a16="http://schemas.microsoft.com/office/drawing/2014/main" val="2187895688"/>
+                    <a16:rowId xmlns:a16="http://schemas.microsoft.com/office/drawing/2014/main" xmlns="" val="2187895688"/>
                   </a:ext>
                 </a:extLst>
               </a:tr>
@@ -10465,7 +10561,7 @@
                 </a:tc>
                 <a:extLst>
                   <a:ext uri="{0D108BD9-81ED-4DB2-BD59-A6C34878D82A}">
-                    <a16:rowId xmlns:a16="http://schemas.microsoft.com/office/drawing/2014/main" val="53482342"/>
+                    <a16:rowId xmlns:a16="http://schemas.microsoft.com/office/drawing/2014/main" xmlns="" val="53482342"/>
                   </a:ext>
                 </a:extLst>
               </a:tr>
@@ -10534,7 +10630,7 @@
                 </a:tc>
                 <a:extLst>
                   <a:ext uri="{0D108BD9-81ED-4DB2-BD59-A6C34878D82A}">
-                    <a16:rowId xmlns:a16="http://schemas.microsoft.com/office/drawing/2014/main" val="2699565512"/>
+                    <a16:rowId xmlns:a16="http://schemas.microsoft.com/office/drawing/2014/main" xmlns="" val="2699565512"/>
                   </a:ext>
                 </a:extLst>
               </a:tr>
@@ -10603,7 +10699,7 @@
                 </a:tc>
                 <a:extLst>
                   <a:ext uri="{0D108BD9-81ED-4DB2-BD59-A6C34878D82A}">
-                    <a16:rowId xmlns:a16="http://schemas.microsoft.com/office/drawing/2014/main" val="2111053990"/>
+                    <a16:rowId xmlns:a16="http://schemas.microsoft.com/office/drawing/2014/main" xmlns="" val="2111053990"/>
                   </a:ext>
                 </a:extLst>
               </a:tr>
@@ -10672,7 +10768,7 @@
                 </a:tc>
                 <a:extLst>
                   <a:ext uri="{0D108BD9-81ED-4DB2-BD59-A6C34878D82A}">
-                    <a16:rowId xmlns:a16="http://schemas.microsoft.com/office/drawing/2014/main" val="2734306635"/>
+                    <a16:rowId xmlns:a16="http://schemas.microsoft.com/office/drawing/2014/main" xmlns="" val="2734306635"/>
                   </a:ext>
                 </a:extLst>
               </a:tr>
@@ -10741,7 +10837,7 @@
                 </a:tc>
                 <a:extLst>
                   <a:ext uri="{0D108BD9-81ED-4DB2-BD59-A6C34878D82A}">
-                    <a16:rowId xmlns:a16="http://schemas.microsoft.com/office/drawing/2014/main" val="2526052216"/>
+                    <a16:rowId xmlns:a16="http://schemas.microsoft.com/office/drawing/2014/main" xmlns="" val="2526052216"/>
                   </a:ext>
                 </a:extLst>
               </a:tr>
@@ -10845,7 +10941,7 @@
                 </a:tc>
                 <a:extLst>
                   <a:ext uri="{0D108BD9-81ED-4DB2-BD59-A6C34878D82A}">
-                    <a16:rowId xmlns:a16="http://schemas.microsoft.com/office/drawing/2014/main" val="501101943"/>
+                    <a16:rowId xmlns:a16="http://schemas.microsoft.com/office/drawing/2014/main" xmlns="" val="501101943"/>
                   </a:ext>
                 </a:extLst>
               </a:tr>
@@ -10914,7 +11010,7 @@
                 </a:tc>
                 <a:extLst>
                   <a:ext uri="{0D108BD9-81ED-4DB2-BD59-A6C34878D82A}">
-                    <a16:rowId xmlns:a16="http://schemas.microsoft.com/office/drawing/2014/main" val="1312392858"/>
+                    <a16:rowId xmlns:a16="http://schemas.microsoft.com/office/drawing/2014/main" xmlns="" val="1312392858"/>
                   </a:ext>
                 </a:extLst>
               </a:tr>
@@ -10983,7 +11079,7 @@
                 </a:tc>
                 <a:extLst>
                   <a:ext uri="{0D108BD9-81ED-4DB2-BD59-A6C34878D82A}">
-                    <a16:rowId xmlns:a16="http://schemas.microsoft.com/office/drawing/2014/main" val="3705053465"/>
+                    <a16:rowId xmlns:a16="http://schemas.microsoft.com/office/drawing/2014/main" xmlns="" val="3705053465"/>
                   </a:ext>
                 </a:extLst>
               </a:tr>
@@ -11052,7 +11148,7 @@
                 </a:tc>
                 <a:extLst>
                   <a:ext uri="{0D108BD9-81ED-4DB2-BD59-A6C34878D82A}">
-                    <a16:rowId xmlns:a16="http://schemas.microsoft.com/office/drawing/2014/main" val="3178491827"/>
+                    <a16:rowId xmlns:a16="http://schemas.microsoft.com/office/drawing/2014/main" xmlns="" val="3178491827"/>
                   </a:ext>
                 </a:extLst>
               </a:tr>
@@ -11153,7 +11249,7 @@
                 </a:tc>
                 <a:extLst>
                   <a:ext uri="{0D108BD9-81ED-4DB2-BD59-A6C34878D82A}">
-                    <a16:rowId xmlns:a16="http://schemas.microsoft.com/office/drawing/2014/main" val="4203135551"/>
+                    <a16:rowId xmlns:a16="http://schemas.microsoft.com/office/drawing/2014/main" xmlns="" val="4203135551"/>
                   </a:ext>
                 </a:extLst>
               </a:tr>
@@ -11222,7 +11318,7 @@
                 </a:tc>
                 <a:extLst>
                   <a:ext uri="{0D108BD9-81ED-4DB2-BD59-A6C34878D82A}">
-                    <a16:rowId xmlns:a16="http://schemas.microsoft.com/office/drawing/2014/main" val="1337273169"/>
+                    <a16:rowId xmlns:a16="http://schemas.microsoft.com/office/drawing/2014/main" xmlns="" val="1337273169"/>
                   </a:ext>
                 </a:extLst>
               </a:tr>
@@ -11291,7 +11387,7 @@
                 </a:tc>
                 <a:extLst>
                   <a:ext uri="{0D108BD9-81ED-4DB2-BD59-A6C34878D82A}">
-                    <a16:rowId xmlns:a16="http://schemas.microsoft.com/office/drawing/2014/main" val="2058640759"/>
+                    <a16:rowId xmlns:a16="http://schemas.microsoft.com/office/drawing/2014/main" xmlns="" val="2058640759"/>
                   </a:ext>
                 </a:extLst>
               </a:tr>
@@ -11304,7 +11400,7 @@
           <p:cNvPr id="11" name="Espace réservé du numéro de diapositive 10">
             <a:extLst>
               <a:ext uri="{FF2B5EF4-FFF2-40B4-BE49-F238E27FC236}">
-                <a16:creationId xmlns:a16="http://schemas.microsoft.com/office/drawing/2014/main" id="{E5AD36A3-7913-BE40-889A-99A46B3314D7}"/>
+                <a16:creationId xmlns:a16="http://schemas.microsoft.com/office/drawing/2014/main" xmlns="" id="{E5AD36A3-7913-BE40-889A-99A46B3314D7}"/>
               </a:ext>
             </a:extLst>
           </p:cNvPr>
@@ -11368,7 +11464,7 @@
           <p:cNvPr id="2" name="Titre 1">
             <a:extLst>
               <a:ext uri="{FF2B5EF4-FFF2-40B4-BE49-F238E27FC236}">
-                <a16:creationId xmlns:a16="http://schemas.microsoft.com/office/drawing/2014/main" id="{FBA297F2-02A3-2B40-BE34-765E825AFE14}"/>
+                <a16:creationId xmlns:a16="http://schemas.microsoft.com/office/drawing/2014/main" xmlns="" id="{FBA297F2-02A3-2B40-BE34-765E825AFE14}"/>
               </a:ext>
             </a:extLst>
           </p:cNvPr>
@@ -11396,7 +11492,7 @@
           <p:cNvPr id="3" name="Espace réservé du contenu 2">
             <a:extLst>
               <a:ext uri="{FF2B5EF4-FFF2-40B4-BE49-F238E27FC236}">
-                <a16:creationId xmlns:a16="http://schemas.microsoft.com/office/drawing/2014/main" id="{5899DA7A-DA3D-2B42-BCEC-239A505E5808}"/>
+                <a16:creationId xmlns:a16="http://schemas.microsoft.com/office/drawing/2014/main" xmlns="" id="{5899DA7A-DA3D-2B42-BCEC-239A505E5808}"/>
               </a:ext>
             </a:extLst>
           </p:cNvPr>
@@ -11445,7 +11541,7 @@
           <p:cNvPr id="5" name="Espace réservé du numéro de diapositive 4">
             <a:extLst>
               <a:ext uri="{FF2B5EF4-FFF2-40B4-BE49-F238E27FC236}">
-                <a16:creationId xmlns:a16="http://schemas.microsoft.com/office/drawing/2014/main" id="{19E7225B-BF5B-F941-B0D6-594340ADFCCA}"/>
+                <a16:creationId xmlns:a16="http://schemas.microsoft.com/office/drawing/2014/main" xmlns="" id="{19E7225B-BF5B-F941-B0D6-594340ADFCCA}"/>
               </a:ext>
             </a:extLst>
           </p:cNvPr>
@@ -11534,7 +11630,7 @@
           <p:cNvPr id="2" name="Titre 1">
             <a:extLst>
               <a:ext uri="{FF2B5EF4-FFF2-40B4-BE49-F238E27FC236}">
-                <a16:creationId xmlns:a16="http://schemas.microsoft.com/office/drawing/2014/main" id="{FBA297F2-02A3-2B40-BE34-765E825AFE14}"/>
+                <a16:creationId xmlns:a16="http://schemas.microsoft.com/office/drawing/2014/main" xmlns="" id="{FBA297F2-02A3-2B40-BE34-765E825AFE14}"/>
               </a:ext>
             </a:extLst>
           </p:cNvPr>
@@ -11563,7 +11659,7 @@
           <p:cNvPr id="3" name="Espace réservé du contenu 2">
             <a:extLst>
               <a:ext uri="{FF2B5EF4-FFF2-40B4-BE49-F238E27FC236}">
-                <a16:creationId xmlns:a16="http://schemas.microsoft.com/office/drawing/2014/main" id="{5899DA7A-DA3D-2B42-BCEC-239A505E5808}"/>
+                <a16:creationId xmlns:a16="http://schemas.microsoft.com/office/drawing/2014/main" xmlns="" id="{5899DA7A-DA3D-2B42-BCEC-239A505E5808}"/>
               </a:ext>
             </a:extLst>
           </p:cNvPr>
@@ -11607,7 +11703,7 @@
           <p:cNvPr id="5" name="Espace réservé du numéro de diapositive 4">
             <a:extLst>
               <a:ext uri="{FF2B5EF4-FFF2-40B4-BE49-F238E27FC236}">
-                <a16:creationId xmlns:a16="http://schemas.microsoft.com/office/drawing/2014/main" id="{19E7225B-BF5B-F941-B0D6-594340ADFCCA}"/>
+                <a16:creationId xmlns:a16="http://schemas.microsoft.com/office/drawing/2014/main" xmlns="" id="{19E7225B-BF5B-F941-B0D6-594340ADFCCA}"/>
               </a:ext>
             </a:extLst>
           </p:cNvPr>
@@ -11779,7 +11875,7 @@
           <p:cNvPr id="2" name="Titre 1">
             <a:extLst>
               <a:ext uri="{FF2B5EF4-FFF2-40B4-BE49-F238E27FC236}">
-                <a16:creationId xmlns:a16="http://schemas.microsoft.com/office/drawing/2014/main" id="{FBA297F2-02A3-2B40-BE34-765E825AFE14}"/>
+                <a16:creationId xmlns:a16="http://schemas.microsoft.com/office/drawing/2014/main" xmlns="" id="{FBA297F2-02A3-2B40-BE34-765E825AFE14}"/>
               </a:ext>
             </a:extLst>
           </p:cNvPr>
@@ -11808,7 +11904,7 @@
           <p:cNvPr id="3" name="Espace réservé du contenu 2">
             <a:extLst>
               <a:ext uri="{FF2B5EF4-FFF2-40B4-BE49-F238E27FC236}">
-                <a16:creationId xmlns:a16="http://schemas.microsoft.com/office/drawing/2014/main" id="{5899DA7A-DA3D-2B42-BCEC-239A505E5808}"/>
+                <a16:creationId xmlns:a16="http://schemas.microsoft.com/office/drawing/2014/main" xmlns="" id="{5899DA7A-DA3D-2B42-BCEC-239A505E5808}"/>
               </a:ext>
             </a:extLst>
           </p:cNvPr>
@@ -11837,19 +11933,7 @@
             </a:r>
             <a:r>
               <a:rPr lang="fr-FR" dirty="0" smtClean="0"/>
-              <a:t>affichons ensuite des </a:t>
-            </a:r>
-            <a:r>
-              <a:rPr lang="fr-FR" dirty="0" smtClean="0"/>
-              <a:t>histogrammes relatifs à l’UPDRS </a:t>
-            </a:r>
-            <a:r>
-              <a:rPr lang="fr-FR" dirty="0" smtClean="0"/>
-              <a:t>pour tenter de comprendre </a:t>
-            </a:r>
-            <a:r>
-              <a:rPr lang="fr-FR" dirty="0" smtClean="0"/>
-              <a:t>quelles </a:t>
+              <a:t>affichons ensuite des histogrammes relatifs à l’UPDRS pour tenter de comprendre quelles </a:t>
             </a:r>
             <a:r>
               <a:rPr lang="fr-FR" dirty="0" err="1" smtClean="0"/>
@@ -11868,7 +11952,7 @@
           <p:cNvPr id="5" name="Espace réservé du numéro de diapositive 4">
             <a:extLst>
               <a:ext uri="{FF2B5EF4-FFF2-40B4-BE49-F238E27FC236}">
-                <a16:creationId xmlns:a16="http://schemas.microsoft.com/office/drawing/2014/main" id="{19E7225B-BF5B-F941-B0D6-594340ADFCCA}"/>
+                <a16:creationId xmlns:a16="http://schemas.microsoft.com/office/drawing/2014/main" xmlns="" id="{19E7225B-BF5B-F941-B0D6-594340ADFCCA}"/>
               </a:ext>
             </a:extLst>
           </p:cNvPr>
@@ -11987,7 +12071,7 @@
           <p:cNvPr id="2" name="Titre 1">
             <a:extLst>
               <a:ext uri="{FF2B5EF4-FFF2-40B4-BE49-F238E27FC236}">
-                <a16:creationId xmlns:a16="http://schemas.microsoft.com/office/drawing/2014/main" id="{9ED5EC5D-A55A-664B-A51B-6030B2938D3A}"/>
+                <a16:creationId xmlns:a16="http://schemas.microsoft.com/office/drawing/2014/main" xmlns="" id="{9ED5EC5D-A55A-664B-A51B-6030B2938D3A}"/>
               </a:ext>
             </a:extLst>
           </p:cNvPr>
@@ -12020,7 +12104,7 @@
           <p:cNvPr id="4" name="Espace réservé du contenu 3">
             <a:extLst>
               <a:ext uri="{FF2B5EF4-FFF2-40B4-BE49-F238E27FC236}">
-                <a16:creationId xmlns:a16="http://schemas.microsoft.com/office/drawing/2014/main" id="{D1C80FF4-F54C-B44C-9C57-ED5C224614DD}"/>
+                <a16:creationId xmlns:a16="http://schemas.microsoft.com/office/drawing/2014/main" xmlns="" id="{D1C80FF4-F54C-B44C-9C57-ED5C224614DD}"/>
               </a:ext>
             </a:extLst>
           </p:cNvPr>
@@ -12051,7 +12135,7 @@
           <p:cNvPr id="6" name="Espace réservé du contenu 5">
             <a:extLst>
               <a:ext uri="{FF2B5EF4-FFF2-40B4-BE49-F238E27FC236}">
-                <a16:creationId xmlns:a16="http://schemas.microsoft.com/office/drawing/2014/main" id="{87112B6C-2E66-D84F-8297-1F7B33CD32A1}"/>
+                <a16:creationId xmlns:a16="http://schemas.microsoft.com/office/drawing/2014/main" xmlns="" id="{87112B6C-2E66-D84F-8297-1F7B33CD32A1}"/>
               </a:ext>
             </a:extLst>
           </p:cNvPr>
@@ -12101,7 +12185,7 @@
           <p:cNvPr id="7" name="Tableau 6">
             <a:extLst>
               <a:ext uri="{FF2B5EF4-FFF2-40B4-BE49-F238E27FC236}">
-                <a16:creationId xmlns:a16="http://schemas.microsoft.com/office/drawing/2014/main" id="{DD7BE26B-1CF7-6A4F-BD09-B706D9931086}"/>
+                <a16:creationId xmlns:a16="http://schemas.microsoft.com/office/drawing/2014/main" xmlns="" id="{DD7BE26B-1CF7-6A4F-BD09-B706D9931086}"/>
               </a:ext>
             </a:extLst>
           </p:cNvPr>
@@ -12130,21 +12214,21 @@
                 <a:gridCol w="1879365">
                   <a:extLst>
                     <a:ext uri="{9D8B030D-6E8A-4147-A177-3AD203B41FA5}">
-                      <a16:colId xmlns:a16="http://schemas.microsoft.com/office/drawing/2014/main" val="3527254044"/>
+                      <a16:colId xmlns:a16="http://schemas.microsoft.com/office/drawing/2014/main" xmlns="" val="3527254044"/>
                     </a:ext>
                   </a:extLst>
                 </a:gridCol>
                 <a:gridCol w="1879365">
                   <a:extLst>
                     <a:ext uri="{9D8B030D-6E8A-4147-A177-3AD203B41FA5}">
-                      <a16:colId xmlns:a16="http://schemas.microsoft.com/office/drawing/2014/main" val="2805425445"/>
+                      <a16:colId xmlns:a16="http://schemas.microsoft.com/office/drawing/2014/main" xmlns="" val="2805425445"/>
                     </a:ext>
                   </a:extLst>
                 </a:gridCol>
                 <a:gridCol w="1879365">
                   <a:extLst>
                     <a:ext uri="{9D8B030D-6E8A-4147-A177-3AD203B41FA5}">
-                      <a16:colId xmlns:a16="http://schemas.microsoft.com/office/drawing/2014/main" val="3377541870"/>
+                      <a16:colId xmlns:a16="http://schemas.microsoft.com/office/drawing/2014/main" xmlns="" val="3377541870"/>
                     </a:ext>
                   </a:extLst>
                 </a:gridCol>
@@ -12203,7 +12287,7 @@
                 </a:tc>
                 <a:extLst>
                   <a:ext uri="{0D108BD9-81ED-4DB2-BD59-A6C34878D82A}">
-                    <a16:rowId xmlns:a16="http://schemas.microsoft.com/office/drawing/2014/main" val="1909134801"/>
+                    <a16:rowId xmlns:a16="http://schemas.microsoft.com/office/drawing/2014/main" xmlns="" val="1909134801"/>
                   </a:ext>
                 </a:extLst>
               </a:tr>
@@ -12251,7 +12335,7 @@
                 </a:tc>
                 <a:extLst>
                   <a:ext uri="{0D108BD9-81ED-4DB2-BD59-A6C34878D82A}">
-                    <a16:rowId xmlns:a16="http://schemas.microsoft.com/office/drawing/2014/main" val="1486037554"/>
+                    <a16:rowId xmlns:a16="http://schemas.microsoft.com/office/drawing/2014/main" xmlns="" val="1486037554"/>
                   </a:ext>
                 </a:extLst>
               </a:tr>
@@ -12299,7 +12383,7 @@
                 </a:tc>
                 <a:extLst>
                   <a:ext uri="{0D108BD9-81ED-4DB2-BD59-A6C34878D82A}">
-                    <a16:rowId xmlns:a16="http://schemas.microsoft.com/office/drawing/2014/main" val="1670696220"/>
+                    <a16:rowId xmlns:a16="http://schemas.microsoft.com/office/drawing/2014/main" xmlns="" val="1670696220"/>
                   </a:ext>
                 </a:extLst>
               </a:tr>
@@ -12348,7 +12432,7 @@
                 </a:tc>
                 <a:extLst>
                   <a:ext uri="{0D108BD9-81ED-4DB2-BD59-A6C34878D82A}">
-                    <a16:rowId xmlns:a16="http://schemas.microsoft.com/office/drawing/2014/main" val="1494832270"/>
+                    <a16:rowId xmlns:a16="http://schemas.microsoft.com/office/drawing/2014/main" xmlns="" val="1494832270"/>
                   </a:ext>
                 </a:extLst>
               </a:tr>
@@ -12393,7 +12477,7 @@
                 </a:tc>
                 <a:extLst>
                   <a:ext uri="{0D108BD9-81ED-4DB2-BD59-A6C34878D82A}">
-                    <a16:rowId xmlns:a16="http://schemas.microsoft.com/office/drawing/2014/main" val="398096127"/>
+                    <a16:rowId xmlns:a16="http://schemas.microsoft.com/office/drawing/2014/main" xmlns="" val="398096127"/>
                   </a:ext>
                 </a:extLst>
               </a:tr>
@@ -12406,7 +12490,7 @@
           <p:cNvPr id="8" name="ZoneTexte 7">
             <a:extLst>
               <a:ext uri="{FF2B5EF4-FFF2-40B4-BE49-F238E27FC236}">
-                <a16:creationId xmlns:a16="http://schemas.microsoft.com/office/drawing/2014/main" id="{B27308AA-E029-9944-8A6F-790964C03168}"/>
+                <a16:creationId xmlns:a16="http://schemas.microsoft.com/office/drawing/2014/main" xmlns="" id="{B27308AA-E029-9944-8A6F-790964C03168}"/>
               </a:ext>
             </a:extLst>
           </p:cNvPr>
@@ -12470,7 +12554,7 @@
           <p:cNvPr id="10" name="Espace réservé du numéro de diapositive 9">
             <a:extLst>
               <a:ext uri="{FF2B5EF4-FFF2-40B4-BE49-F238E27FC236}">
-                <a16:creationId xmlns:a16="http://schemas.microsoft.com/office/drawing/2014/main" id="{8AFB71B9-8B94-E141-BFEF-DC5877B62DC6}"/>
+                <a16:creationId xmlns:a16="http://schemas.microsoft.com/office/drawing/2014/main" xmlns="" id="{8AFB71B9-8B94-E141-BFEF-DC5877B62DC6}"/>
               </a:ext>
             </a:extLst>
           </p:cNvPr>
@@ -12534,7 +12618,7 @@
           <p:cNvPr id="2" name="Titre 1">
             <a:extLst>
               <a:ext uri="{FF2B5EF4-FFF2-40B4-BE49-F238E27FC236}">
-                <a16:creationId xmlns:a16="http://schemas.microsoft.com/office/drawing/2014/main" id="{8DD4171E-C119-1C4D-BFD4-EDF4AB81CEF3}"/>
+                <a16:creationId xmlns:a16="http://schemas.microsoft.com/office/drawing/2014/main" xmlns="" id="{8DD4171E-C119-1C4D-BFD4-EDF4AB81CEF3}"/>
               </a:ext>
             </a:extLst>
           </p:cNvPr>
@@ -12572,7 +12656,7 @@
           <p:cNvPr id="5" name="Espace réservé du contenu 4">
             <a:extLst>
               <a:ext uri="{FF2B5EF4-FFF2-40B4-BE49-F238E27FC236}">
-                <a16:creationId xmlns:a16="http://schemas.microsoft.com/office/drawing/2014/main" id="{144B1568-BC4E-BA4A-913E-DE2CBC752D3E}"/>
+                <a16:creationId xmlns:a16="http://schemas.microsoft.com/office/drawing/2014/main" xmlns="" id="{144B1568-BC4E-BA4A-913E-DE2CBC752D3E}"/>
               </a:ext>
             </a:extLst>
           </p:cNvPr>
@@ -12616,7 +12700,7 @@
           <p:cNvPr id="7" name="Espace réservé du numéro de diapositive 6">
             <a:extLst>
               <a:ext uri="{FF2B5EF4-FFF2-40B4-BE49-F238E27FC236}">
-                <a16:creationId xmlns:a16="http://schemas.microsoft.com/office/drawing/2014/main" id="{4F4109EF-A9A9-3C4A-84FF-E8058350AE94}"/>
+                <a16:creationId xmlns:a16="http://schemas.microsoft.com/office/drawing/2014/main" xmlns="" id="{4F4109EF-A9A9-3C4A-84FF-E8058350AE94}"/>
               </a:ext>
             </a:extLst>
           </p:cNvPr>
